--- a/lecture6/lecture6.pptx
+++ b/lecture6/lecture6.pptx
@@ -4,9 +4,55 @@
   <p:sldMasterIdLst>
     <p:sldMasterId id="2147483648" r:id="rId1"/>
   </p:sldMasterIdLst>
+  <p:notesMasterIdLst>
+    <p:notesMasterId r:id="rId47"/>
+  </p:notesMasterIdLst>
   <p:sldIdLst>
     <p:sldId id="256" r:id="rId2"/>
     <p:sldId id="257" r:id="rId3"/>
+    <p:sldId id="258" r:id="rId4"/>
+    <p:sldId id="259" r:id="rId5"/>
+    <p:sldId id="262" r:id="rId6"/>
+    <p:sldId id="263" r:id="rId7"/>
+    <p:sldId id="260" r:id="rId8"/>
+    <p:sldId id="261" r:id="rId9"/>
+    <p:sldId id="265" r:id="rId10"/>
+    <p:sldId id="264" r:id="rId11"/>
+    <p:sldId id="266" r:id="rId12"/>
+    <p:sldId id="267" r:id="rId13"/>
+    <p:sldId id="273" r:id="rId14"/>
+    <p:sldId id="268" r:id="rId15"/>
+    <p:sldId id="269" r:id="rId16"/>
+    <p:sldId id="270" r:id="rId17"/>
+    <p:sldId id="271" r:id="rId18"/>
+    <p:sldId id="272" r:id="rId19"/>
+    <p:sldId id="274" r:id="rId20"/>
+    <p:sldId id="275" r:id="rId21"/>
+    <p:sldId id="276" r:id="rId22"/>
+    <p:sldId id="277" r:id="rId23"/>
+    <p:sldId id="278" r:id="rId24"/>
+    <p:sldId id="279" r:id="rId25"/>
+    <p:sldId id="280" r:id="rId26"/>
+    <p:sldId id="281" r:id="rId27"/>
+    <p:sldId id="282" r:id="rId28"/>
+    <p:sldId id="283" r:id="rId29"/>
+    <p:sldId id="284" r:id="rId30"/>
+    <p:sldId id="285" r:id="rId31"/>
+    <p:sldId id="286" r:id="rId32"/>
+    <p:sldId id="287" r:id="rId33"/>
+    <p:sldId id="290" r:id="rId34"/>
+    <p:sldId id="291" r:id="rId35"/>
+    <p:sldId id="292" r:id="rId36"/>
+    <p:sldId id="293" r:id="rId37"/>
+    <p:sldId id="294" r:id="rId38"/>
+    <p:sldId id="288" r:id="rId39"/>
+    <p:sldId id="289" r:id="rId40"/>
+    <p:sldId id="295" r:id="rId41"/>
+    <p:sldId id="296" r:id="rId42"/>
+    <p:sldId id="297" r:id="rId43"/>
+    <p:sldId id="298" r:id="rId44"/>
+    <p:sldId id="299" r:id="rId45"/>
+    <p:sldId id="300" r:id="rId46"/>
   </p:sldIdLst>
   <p:sldSz cx="12192000" cy="6858000"/>
   <p:notesSz cx="6858000" cy="9144000"/>
@@ -113,6 +159,775 @@
 </p:presentation>
 </file>
 
+<file path=ppt/notesMasters/notesMaster1.xml><?xml version="1.0" encoding="utf-8"?>
+<p:notesMaster xmlns:a="http://schemas.openxmlformats.org/drawingml/2006/main" xmlns:r="http://schemas.openxmlformats.org/officeDocument/2006/relationships" xmlns:p="http://schemas.openxmlformats.org/presentationml/2006/main">
+  <p:cSld>
+    <p:bg>
+      <p:bgRef idx="1001">
+        <a:schemeClr val="bg1"/>
+      </p:bgRef>
+    </p:bg>
+    <p:spTree>
+      <p:nvGrpSpPr>
+        <p:cNvPr id="1" name=""/>
+        <p:cNvGrpSpPr/>
+        <p:nvPr/>
+      </p:nvGrpSpPr>
+      <p:grpSpPr>
+        <a:xfrm>
+          <a:off x="0" y="0"/>
+          <a:ext cx="0" cy="0"/>
+          <a:chOff x="0" y="0"/>
+          <a:chExt cx="0" cy="0"/>
+        </a:xfrm>
+      </p:grpSpPr>
+      <p:sp>
+        <p:nvSpPr>
+          <p:cNvPr id="2" name="Верхний колонтитул 1"/>
+          <p:cNvSpPr>
+            <a:spLocks noGrp="1"/>
+          </p:cNvSpPr>
+          <p:nvPr>
+            <p:ph type="hdr" sz="quarter"/>
+          </p:nvPr>
+        </p:nvSpPr>
+        <p:spPr>
+          <a:xfrm>
+            <a:off x="0" y="0"/>
+            <a:ext cx="2971800" cy="458788"/>
+          </a:xfrm>
+          <a:prstGeom prst="rect">
+            <a:avLst/>
+          </a:prstGeom>
+        </p:spPr>
+        <p:txBody>
+          <a:bodyPr vert="horz" lIns="91440" tIns="45720" rIns="91440" bIns="45720" rtlCol="0"/>
+          <a:lstStyle>
+            <a:lvl1pPr algn="l">
+              <a:defRPr sz="1200"/>
+            </a:lvl1pPr>
+          </a:lstStyle>
+          <a:p>
+            <a:endParaRPr lang="ru-RU"/>
+          </a:p>
+        </p:txBody>
+      </p:sp>
+      <p:sp>
+        <p:nvSpPr>
+          <p:cNvPr id="3" name="Дата 2"/>
+          <p:cNvSpPr>
+            <a:spLocks noGrp="1"/>
+          </p:cNvSpPr>
+          <p:nvPr>
+            <p:ph type="dt" idx="1"/>
+          </p:nvPr>
+        </p:nvSpPr>
+        <p:spPr>
+          <a:xfrm>
+            <a:off x="3884613" y="0"/>
+            <a:ext cx="2971800" cy="458788"/>
+          </a:xfrm>
+          <a:prstGeom prst="rect">
+            <a:avLst/>
+          </a:prstGeom>
+        </p:spPr>
+        <p:txBody>
+          <a:bodyPr vert="horz" lIns="91440" tIns="45720" rIns="91440" bIns="45720" rtlCol="0"/>
+          <a:lstStyle>
+            <a:lvl1pPr algn="r">
+              <a:defRPr sz="1200"/>
+            </a:lvl1pPr>
+          </a:lstStyle>
+          <a:p>
+            <a:fld id="{5F463B6F-1A59-D54D-A423-314C339A94AE}" type="datetimeFigureOut">
+              <a:rPr lang="ru-RU" smtClean="0"/>
+              <a:t>31.10.2023</a:t>
+            </a:fld>
+            <a:endParaRPr lang="ru-RU"/>
+          </a:p>
+        </p:txBody>
+      </p:sp>
+      <p:sp>
+        <p:nvSpPr>
+          <p:cNvPr id="4" name="Образ слайда 3"/>
+          <p:cNvSpPr>
+            <a:spLocks noGrp="1" noRot="1" noChangeAspect="1"/>
+          </p:cNvSpPr>
+          <p:nvPr>
+            <p:ph type="sldImg" idx="2"/>
+          </p:nvPr>
+        </p:nvSpPr>
+        <p:spPr>
+          <a:xfrm>
+            <a:off x="685800" y="1143000"/>
+            <a:ext cx="5486400" cy="3086100"/>
+          </a:xfrm>
+          <a:prstGeom prst="rect">
+            <a:avLst/>
+          </a:prstGeom>
+          <a:noFill/>
+          <a:ln w="12700">
+            <a:solidFill>
+              <a:prstClr val="black"/>
+            </a:solidFill>
+          </a:ln>
+        </p:spPr>
+        <p:txBody>
+          <a:bodyPr vert="horz" lIns="91440" tIns="45720" rIns="91440" bIns="45720" rtlCol="0" anchor="ctr"/>
+          <a:lstStyle/>
+          <a:p>
+            <a:endParaRPr lang="ru-RU"/>
+          </a:p>
+        </p:txBody>
+      </p:sp>
+      <p:sp>
+        <p:nvSpPr>
+          <p:cNvPr id="5" name="Заметки 4"/>
+          <p:cNvSpPr>
+            <a:spLocks noGrp="1"/>
+          </p:cNvSpPr>
+          <p:nvPr>
+            <p:ph type="body" sz="quarter" idx="3"/>
+          </p:nvPr>
+        </p:nvSpPr>
+        <p:spPr>
+          <a:xfrm>
+            <a:off x="685800" y="4400550"/>
+            <a:ext cx="5486400" cy="3600450"/>
+          </a:xfrm>
+          <a:prstGeom prst="rect">
+            <a:avLst/>
+          </a:prstGeom>
+        </p:spPr>
+        <p:txBody>
+          <a:bodyPr vert="horz" lIns="91440" tIns="45720" rIns="91440" bIns="45720" rtlCol="0"/>
+          <a:lstStyle/>
+          <a:p>
+            <a:pPr lvl="0"/>
+            <a:r>
+              <a:rPr lang="ru-RU"/>
+              <a:t>Образец текста</a:t>
+            </a:r>
+          </a:p>
+          <a:p>
+            <a:pPr lvl="1"/>
+            <a:r>
+              <a:rPr lang="ru-RU"/>
+              <a:t>Второй уровень</a:t>
+            </a:r>
+          </a:p>
+          <a:p>
+            <a:pPr lvl="2"/>
+            <a:r>
+              <a:rPr lang="ru-RU"/>
+              <a:t>Третий уровень</a:t>
+            </a:r>
+          </a:p>
+          <a:p>
+            <a:pPr lvl="3"/>
+            <a:r>
+              <a:rPr lang="ru-RU"/>
+              <a:t>Четвертый уровень</a:t>
+            </a:r>
+          </a:p>
+          <a:p>
+            <a:pPr lvl="4"/>
+            <a:r>
+              <a:rPr lang="ru-RU"/>
+              <a:t>Пятый уровень</a:t>
+            </a:r>
+          </a:p>
+        </p:txBody>
+      </p:sp>
+      <p:sp>
+        <p:nvSpPr>
+          <p:cNvPr id="6" name="Нижний колонтитул 5"/>
+          <p:cNvSpPr>
+            <a:spLocks noGrp="1"/>
+          </p:cNvSpPr>
+          <p:nvPr>
+            <p:ph type="ftr" sz="quarter" idx="4"/>
+          </p:nvPr>
+        </p:nvSpPr>
+        <p:spPr>
+          <a:xfrm>
+            <a:off x="0" y="8685213"/>
+            <a:ext cx="2971800" cy="458787"/>
+          </a:xfrm>
+          <a:prstGeom prst="rect">
+            <a:avLst/>
+          </a:prstGeom>
+        </p:spPr>
+        <p:txBody>
+          <a:bodyPr vert="horz" lIns="91440" tIns="45720" rIns="91440" bIns="45720" rtlCol="0" anchor="b"/>
+          <a:lstStyle>
+            <a:lvl1pPr algn="l">
+              <a:defRPr sz="1200"/>
+            </a:lvl1pPr>
+          </a:lstStyle>
+          <a:p>
+            <a:endParaRPr lang="ru-RU"/>
+          </a:p>
+        </p:txBody>
+      </p:sp>
+      <p:sp>
+        <p:nvSpPr>
+          <p:cNvPr id="7" name="Номер слайда 6"/>
+          <p:cNvSpPr>
+            <a:spLocks noGrp="1"/>
+          </p:cNvSpPr>
+          <p:nvPr>
+            <p:ph type="sldNum" sz="quarter" idx="5"/>
+          </p:nvPr>
+        </p:nvSpPr>
+        <p:spPr>
+          <a:xfrm>
+            <a:off x="3884613" y="8685213"/>
+            <a:ext cx="2971800" cy="458787"/>
+          </a:xfrm>
+          <a:prstGeom prst="rect">
+            <a:avLst/>
+          </a:prstGeom>
+        </p:spPr>
+        <p:txBody>
+          <a:bodyPr vert="horz" lIns="91440" tIns="45720" rIns="91440" bIns="45720" rtlCol="0" anchor="b"/>
+          <a:lstStyle>
+            <a:lvl1pPr algn="r">
+              <a:defRPr sz="1200"/>
+            </a:lvl1pPr>
+          </a:lstStyle>
+          <a:p>
+            <a:fld id="{0A6891B9-7538-CA4D-898C-4D07BCB39B46}" type="slidenum">
+              <a:rPr lang="ru-RU" smtClean="0"/>
+              <a:t>‹#›</a:t>
+            </a:fld>
+            <a:endParaRPr lang="ru-RU"/>
+          </a:p>
+        </p:txBody>
+      </p:sp>
+    </p:spTree>
+    <p:extLst>
+      <p:ext uri="{BB962C8B-B14F-4D97-AF65-F5344CB8AC3E}">
+        <p14:creationId xmlns:p14="http://schemas.microsoft.com/office/powerpoint/2010/main" val="3772861085"/>
+      </p:ext>
+    </p:extLst>
+  </p:cSld>
+  <p:clrMap bg1="lt1" tx1="dk1" bg2="lt2" tx2="dk2" accent1="accent1" accent2="accent2" accent3="accent3" accent4="accent4" accent5="accent5" accent6="accent6" hlink="hlink" folHlink="folHlink"/>
+  <p:notesStyle>
+    <a:lvl1pPr marL="0" algn="l" defTabSz="914400" rtl="0" eaLnBrk="1" latinLnBrk="0" hangingPunct="1">
+      <a:defRPr sz="1200" kern="1200">
+        <a:solidFill>
+          <a:schemeClr val="tx1"/>
+        </a:solidFill>
+        <a:latin typeface="+mn-lt"/>
+        <a:ea typeface="+mn-ea"/>
+        <a:cs typeface="+mn-cs"/>
+      </a:defRPr>
+    </a:lvl1pPr>
+    <a:lvl2pPr marL="457200" algn="l" defTabSz="914400" rtl="0" eaLnBrk="1" latinLnBrk="0" hangingPunct="1">
+      <a:defRPr sz="1200" kern="1200">
+        <a:solidFill>
+          <a:schemeClr val="tx1"/>
+        </a:solidFill>
+        <a:latin typeface="+mn-lt"/>
+        <a:ea typeface="+mn-ea"/>
+        <a:cs typeface="+mn-cs"/>
+      </a:defRPr>
+    </a:lvl2pPr>
+    <a:lvl3pPr marL="914400" algn="l" defTabSz="914400" rtl="0" eaLnBrk="1" latinLnBrk="0" hangingPunct="1">
+      <a:defRPr sz="1200" kern="1200">
+        <a:solidFill>
+          <a:schemeClr val="tx1"/>
+        </a:solidFill>
+        <a:latin typeface="+mn-lt"/>
+        <a:ea typeface="+mn-ea"/>
+        <a:cs typeface="+mn-cs"/>
+      </a:defRPr>
+    </a:lvl3pPr>
+    <a:lvl4pPr marL="1371600" algn="l" defTabSz="914400" rtl="0" eaLnBrk="1" latinLnBrk="0" hangingPunct="1">
+      <a:defRPr sz="1200" kern="1200">
+        <a:solidFill>
+          <a:schemeClr val="tx1"/>
+        </a:solidFill>
+        <a:latin typeface="+mn-lt"/>
+        <a:ea typeface="+mn-ea"/>
+        <a:cs typeface="+mn-cs"/>
+      </a:defRPr>
+    </a:lvl4pPr>
+    <a:lvl5pPr marL="1828800" algn="l" defTabSz="914400" rtl="0" eaLnBrk="1" latinLnBrk="0" hangingPunct="1">
+      <a:defRPr sz="1200" kern="1200">
+        <a:solidFill>
+          <a:schemeClr val="tx1"/>
+        </a:solidFill>
+        <a:latin typeface="+mn-lt"/>
+        <a:ea typeface="+mn-ea"/>
+        <a:cs typeface="+mn-cs"/>
+      </a:defRPr>
+    </a:lvl5pPr>
+    <a:lvl6pPr marL="2286000" algn="l" defTabSz="914400" rtl="0" eaLnBrk="1" latinLnBrk="0" hangingPunct="1">
+      <a:defRPr sz="1200" kern="1200">
+        <a:solidFill>
+          <a:schemeClr val="tx1"/>
+        </a:solidFill>
+        <a:latin typeface="+mn-lt"/>
+        <a:ea typeface="+mn-ea"/>
+        <a:cs typeface="+mn-cs"/>
+      </a:defRPr>
+    </a:lvl6pPr>
+    <a:lvl7pPr marL="2743200" algn="l" defTabSz="914400" rtl="0" eaLnBrk="1" latinLnBrk="0" hangingPunct="1">
+      <a:defRPr sz="1200" kern="1200">
+        <a:solidFill>
+          <a:schemeClr val="tx1"/>
+        </a:solidFill>
+        <a:latin typeface="+mn-lt"/>
+        <a:ea typeface="+mn-ea"/>
+        <a:cs typeface="+mn-cs"/>
+      </a:defRPr>
+    </a:lvl7pPr>
+    <a:lvl8pPr marL="3200400" algn="l" defTabSz="914400" rtl="0" eaLnBrk="1" latinLnBrk="0" hangingPunct="1">
+      <a:defRPr sz="1200" kern="1200">
+        <a:solidFill>
+          <a:schemeClr val="tx1"/>
+        </a:solidFill>
+        <a:latin typeface="+mn-lt"/>
+        <a:ea typeface="+mn-ea"/>
+        <a:cs typeface="+mn-cs"/>
+      </a:defRPr>
+    </a:lvl8pPr>
+    <a:lvl9pPr marL="3657600" algn="l" defTabSz="914400" rtl="0" eaLnBrk="1" latinLnBrk="0" hangingPunct="1">
+      <a:defRPr sz="1200" kern="1200">
+        <a:solidFill>
+          <a:schemeClr val="tx1"/>
+        </a:solidFill>
+        <a:latin typeface="+mn-lt"/>
+        <a:ea typeface="+mn-ea"/>
+        <a:cs typeface="+mn-cs"/>
+      </a:defRPr>
+    </a:lvl9pPr>
+  </p:notesStyle>
+</p:notesMaster>
+</file>
+
+<file path=ppt/notesSlides/notesSlide1.xml><?xml version="1.0" encoding="utf-8"?>
+<p:notes xmlns:a="http://schemas.openxmlformats.org/drawingml/2006/main" xmlns:r="http://schemas.openxmlformats.org/officeDocument/2006/relationships" xmlns:p="http://schemas.openxmlformats.org/presentationml/2006/main">
+  <p:cSld>
+    <p:spTree>
+      <p:nvGrpSpPr>
+        <p:cNvPr id="1" name=""/>
+        <p:cNvGrpSpPr/>
+        <p:nvPr/>
+      </p:nvGrpSpPr>
+      <p:grpSpPr>
+        <a:xfrm>
+          <a:off x="0" y="0"/>
+          <a:ext cx="0" cy="0"/>
+          <a:chOff x="0" y="0"/>
+          <a:chExt cx="0" cy="0"/>
+        </a:xfrm>
+      </p:grpSpPr>
+      <p:sp>
+        <p:nvSpPr>
+          <p:cNvPr id="2" name="Образ слайда 1"/>
+          <p:cNvSpPr>
+            <a:spLocks noGrp="1" noRot="1" noChangeAspect="1"/>
+          </p:cNvSpPr>
+          <p:nvPr>
+            <p:ph type="sldImg"/>
+          </p:nvPr>
+        </p:nvSpPr>
+        <p:spPr/>
+      </p:sp>
+      <p:sp>
+        <p:nvSpPr>
+          <p:cNvPr id="3" name="Заметки 2"/>
+          <p:cNvSpPr>
+            <a:spLocks noGrp="1"/>
+          </p:cNvSpPr>
+          <p:nvPr>
+            <p:ph type="body" idx="1"/>
+          </p:nvPr>
+        </p:nvSpPr>
+        <p:spPr/>
+        <p:txBody>
+          <a:bodyPr/>
+          <a:lstStyle/>
+          <a:p>
+            <a:endParaRPr lang="ru-RU" dirty="0"/>
+          </a:p>
+        </p:txBody>
+      </p:sp>
+      <p:sp>
+        <p:nvSpPr>
+          <p:cNvPr id="4" name="Номер слайда 3"/>
+          <p:cNvSpPr>
+            <a:spLocks noGrp="1"/>
+          </p:cNvSpPr>
+          <p:nvPr>
+            <p:ph type="sldNum" sz="quarter" idx="5"/>
+          </p:nvPr>
+        </p:nvSpPr>
+        <p:spPr/>
+        <p:txBody>
+          <a:bodyPr/>
+          <a:lstStyle/>
+          <a:p>
+            <a:fld id="{0A6891B9-7538-CA4D-898C-4D07BCB39B46}" type="slidenum">
+              <a:rPr lang="ru-RU" smtClean="0"/>
+              <a:t>7</a:t>
+            </a:fld>
+            <a:endParaRPr lang="ru-RU"/>
+          </a:p>
+        </p:txBody>
+      </p:sp>
+    </p:spTree>
+    <p:extLst>
+      <p:ext uri="{BB962C8B-B14F-4D97-AF65-F5344CB8AC3E}">
+        <p14:creationId xmlns:p14="http://schemas.microsoft.com/office/powerpoint/2010/main" val="4055759677"/>
+      </p:ext>
+    </p:extLst>
+  </p:cSld>
+  <p:clrMapOvr>
+    <a:masterClrMapping/>
+  </p:clrMapOvr>
+</p:notes>
+</file>
+
+<file path=ppt/notesSlides/notesSlide2.xml><?xml version="1.0" encoding="utf-8"?>
+<p:notes xmlns:a="http://schemas.openxmlformats.org/drawingml/2006/main" xmlns:r="http://schemas.openxmlformats.org/officeDocument/2006/relationships" xmlns:p="http://schemas.openxmlformats.org/presentationml/2006/main">
+  <p:cSld>
+    <p:spTree>
+      <p:nvGrpSpPr>
+        <p:cNvPr id="1" name=""/>
+        <p:cNvGrpSpPr/>
+        <p:nvPr/>
+      </p:nvGrpSpPr>
+      <p:grpSpPr>
+        <a:xfrm>
+          <a:off x="0" y="0"/>
+          <a:ext cx="0" cy="0"/>
+          <a:chOff x="0" y="0"/>
+          <a:chExt cx="0" cy="0"/>
+        </a:xfrm>
+      </p:grpSpPr>
+      <p:sp>
+        <p:nvSpPr>
+          <p:cNvPr id="2" name="Образ слайда 1"/>
+          <p:cNvSpPr>
+            <a:spLocks noGrp="1" noRot="1" noChangeAspect="1"/>
+          </p:cNvSpPr>
+          <p:nvPr>
+            <p:ph type="sldImg"/>
+          </p:nvPr>
+        </p:nvSpPr>
+        <p:spPr/>
+      </p:sp>
+      <p:sp>
+        <p:nvSpPr>
+          <p:cNvPr id="3" name="Заметки 2"/>
+          <p:cNvSpPr>
+            <a:spLocks noGrp="1"/>
+          </p:cNvSpPr>
+          <p:nvPr>
+            <p:ph type="body" idx="1"/>
+          </p:nvPr>
+        </p:nvSpPr>
+        <p:spPr/>
+        <p:txBody>
+          <a:bodyPr/>
+          <a:lstStyle/>
+          <a:p>
+            <a:endParaRPr lang="ru-RU" dirty="0"/>
+          </a:p>
+        </p:txBody>
+      </p:sp>
+      <p:sp>
+        <p:nvSpPr>
+          <p:cNvPr id="4" name="Номер слайда 3"/>
+          <p:cNvSpPr>
+            <a:spLocks noGrp="1"/>
+          </p:cNvSpPr>
+          <p:nvPr>
+            <p:ph type="sldNum" sz="quarter" idx="5"/>
+          </p:nvPr>
+        </p:nvSpPr>
+        <p:spPr/>
+        <p:txBody>
+          <a:bodyPr/>
+          <a:lstStyle/>
+          <a:p>
+            <a:fld id="{0A6891B9-7538-CA4D-898C-4D07BCB39B46}" type="slidenum">
+              <a:rPr lang="ru-RU" smtClean="0"/>
+              <a:t>8</a:t>
+            </a:fld>
+            <a:endParaRPr lang="ru-RU"/>
+          </a:p>
+        </p:txBody>
+      </p:sp>
+    </p:spTree>
+    <p:extLst>
+      <p:ext uri="{BB962C8B-B14F-4D97-AF65-F5344CB8AC3E}">
+        <p14:creationId xmlns:p14="http://schemas.microsoft.com/office/powerpoint/2010/main" val="3576044976"/>
+      </p:ext>
+    </p:extLst>
+  </p:cSld>
+  <p:clrMapOvr>
+    <a:masterClrMapping/>
+  </p:clrMapOvr>
+</p:notes>
+</file>
+
+<file path=ppt/notesSlides/notesSlide3.xml><?xml version="1.0" encoding="utf-8"?>
+<p:notes xmlns:a="http://schemas.openxmlformats.org/drawingml/2006/main" xmlns:r="http://schemas.openxmlformats.org/officeDocument/2006/relationships" xmlns:p="http://schemas.openxmlformats.org/presentationml/2006/main">
+  <p:cSld>
+    <p:spTree>
+      <p:nvGrpSpPr>
+        <p:cNvPr id="1" name=""/>
+        <p:cNvGrpSpPr/>
+        <p:nvPr/>
+      </p:nvGrpSpPr>
+      <p:grpSpPr>
+        <a:xfrm>
+          <a:off x="0" y="0"/>
+          <a:ext cx="0" cy="0"/>
+          <a:chOff x="0" y="0"/>
+          <a:chExt cx="0" cy="0"/>
+        </a:xfrm>
+      </p:grpSpPr>
+      <p:sp>
+        <p:nvSpPr>
+          <p:cNvPr id="2" name="Образ слайда 1"/>
+          <p:cNvSpPr>
+            <a:spLocks noGrp="1" noRot="1" noChangeAspect="1"/>
+          </p:cNvSpPr>
+          <p:nvPr>
+            <p:ph type="sldImg"/>
+          </p:nvPr>
+        </p:nvSpPr>
+        <p:spPr/>
+      </p:sp>
+      <p:sp>
+        <p:nvSpPr>
+          <p:cNvPr id="3" name="Заметки 2"/>
+          <p:cNvSpPr>
+            <a:spLocks noGrp="1"/>
+          </p:cNvSpPr>
+          <p:nvPr>
+            <p:ph type="body" idx="1"/>
+          </p:nvPr>
+        </p:nvSpPr>
+        <p:spPr/>
+        <p:txBody>
+          <a:bodyPr/>
+          <a:lstStyle/>
+          <a:p>
+            <a:endParaRPr lang="ru-RU" dirty="0"/>
+          </a:p>
+        </p:txBody>
+      </p:sp>
+      <p:sp>
+        <p:nvSpPr>
+          <p:cNvPr id="4" name="Номер слайда 3"/>
+          <p:cNvSpPr>
+            <a:spLocks noGrp="1"/>
+          </p:cNvSpPr>
+          <p:nvPr>
+            <p:ph type="sldNum" sz="quarter" idx="5"/>
+          </p:nvPr>
+        </p:nvSpPr>
+        <p:spPr/>
+        <p:txBody>
+          <a:bodyPr/>
+          <a:lstStyle/>
+          <a:p>
+            <a:fld id="{0A6891B9-7538-CA4D-898C-4D07BCB39B46}" type="slidenum">
+              <a:rPr lang="ru-RU" smtClean="0"/>
+              <a:t>9</a:t>
+            </a:fld>
+            <a:endParaRPr lang="ru-RU"/>
+          </a:p>
+        </p:txBody>
+      </p:sp>
+    </p:spTree>
+    <p:extLst>
+      <p:ext uri="{BB962C8B-B14F-4D97-AF65-F5344CB8AC3E}">
+        <p14:creationId xmlns:p14="http://schemas.microsoft.com/office/powerpoint/2010/main" val="1360108839"/>
+      </p:ext>
+    </p:extLst>
+  </p:cSld>
+  <p:clrMapOvr>
+    <a:masterClrMapping/>
+  </p:clrMapOvr>
+</p:notes>
+</file>
+
+<file path=ppt/notesSlides/notesSlide4.xml><?xml version="1.0" encoding="utf-8"?>
+<p:notes xmlns:a="http://schemas.openxmlformats.org/drawingml/2006/main" xmlns:r="http://schemas.openxmlformats.org/officeDocument/2006/relationships" xmlns:p="http://schemas.openxmlformats.org/presentationml/2006/main">
+  <p:cSld>
+    <p:spTree>
+      <p:nvGrpSpPr>
+        <p:cNvPr id="1" name=""/>
+        <p:cNvGrpSpPr/>
+        <p:nvPr/>
+      </p:nvGrpSpPr>
+      <p:grpSpPr>
+        <a:xfrm>
+          <a:off x="0" y="0"/>
+          <a:ext cx="0" cy="0"/>
+          <a:chOff x="0" y="0"/>
+          <a:chExt cx="0" cy="0"/>
+        </a:xfrm>
+      </p:grpSpPr>
+      <p:sp>
+        <p:nvSpPr>
+          <p:cNvPr id="2" name="Образ слайда 1"/>
+          <p:cNvSpPr>
+            <a:spLocks noGrp="1" noRot="1" noChangeAspect="1"/>
+          </p:cNvSpPr>
+          <p:nvPr>
+            <p:ph type="sldImg"/>
+          </p:nvPr>
+        </p:nvSpPr>
+        <p:spPr/>
+      </p:sp>
+      <p:sp>
+        <p:nvSpPr>
+          <p:cNvPr id="3" name="Заметки 2"/>
+          <p:cNvSpPr>
+            <a:spLocks noGrp="1"/>
+          </p:cNvSpPr>
+          <p:nvPr>
+            <p:ph type="body" idx="1"/>
+          </p:nvPr>
+        </p:nvSpPr>
+        <p:spPr/>
+        <p:txBody>
+          <a:bodyPr/>
+          <a:lstStyle/>
+          <a:p>
+            <a:endParaRPr lang="ru-RU" dirty="0"/>
+          </a:p>
+        </p:txBody>
+      </p:sp>
+      <p:sp>
+        <p:nvSpPr>
+          <p:cNvPr id="4" name="Номер слайда 3"/>
+          <p:cNvSpPr>
+            <a:spLocks noGrp="1"/>
+          </p:cNvSpPr>
+          <p:nvPr>
+            <p:ph type="sldNum" sz="quarter" idx="5"/>
+          </p:nvPr>
+        </p:nvSpPr>
+        <p:spPr/>
+        <p:txBody>
+          <a:bodyPr/>
+          <a:lstStyle/>
+          <a:p>
+            <a:fld id="{0A6891B9-7538-CA4D-898C-4D07BCB39B46}" type="slidenum">
+              <a:rPr lang="ru-RU" smtClean="0"/>
+              <a:t>27</a:t>
+            </a:fld>
+            <a:endParaRPr lang="ru-RU"/>
+          </a:p>
+        </p:txBody>
+      </p:sp>
+    </p:spTree>
+    <p:extLst>
+      <p:ext uri="{BB962C8B-B14F-4D97-AF65-F5344CB8AC3E}">
+        <p14:creationId xmlns:p14="http://schemas.microsoft.com/office/powerpoint/2010/main" val="2746718603"/>
+      </p:ext>
+    </p:extLst>
+  </p:cSld>
+  <p:clrMapOvr>
+    <a:masterClrMapping/>
+  </p:clrMapOvr>
+</p:notes>
+</file>
+
+<file path=ppt/notesSlides/notesSlide5.xml><?xml version="1.0" encoding="utf-8"?>
+<p:notes xmlns:a="http://schemas.openxmlformats.org/drawingml/2006/main" xmlns:r="http://schemas.openxmlformats.org/officeDocument/2006/relationships" xmlns:p="http://schemas.openxmlformats.org/presentationml/2006/main">
+  <p:cSld>
+    <p:spTree>
+      <p:nvGrpSpPr>
+        <p:cNvPr id="1" name=""/>
+        <p:cNvGrpSpPr/>
+        <p:nvPr/>
+      </p:nvGrpSpPr>
+      <p:grpSpPr>
+        <a:xfrm>
+          <a:off x="0" y="0"/>
+          <a:ext cx="0" cy="0"/>
+          <a:chOff x="0" y="0"/>
+          <a:chExt cx="0" cy="0"/>
+        </a:xfrm>
+      </p:grpSpPr>
+      <p:sp>
+        <p:nvSpPr>
+          <p:cNvPr id="2" name="Образ слайда 1"/>
+          <p:cNvSpPr>
+            <a:spLocks noGrp="1" noRot="1" noChangeAspect="1"/>
+          </p:cNvSpPr>
+          <p:nvPr>
+            <p:ph type="sldImg"/>
+          </p:nvPr>
+        </p:nvSpPr>
+        <p:spPr/>
+      </p:sp>
+      <p:sp>
+        <p:nvSpPr>
+          <p:cNvPr id="3" name="Заметки 2"/>
+          <p:cNvSpPr>
+            <a:spLocks noGrp="1"/>
+          </p:cNvSpPr>
+          <p:nvPr>
+            <p:ph type="body" idx="1"/>
+          </p:nvPr>
+        </p:nvSpPr>
+        <p:spPr/>
+        <p:txBody>
+          <a:bodyPr/>
+          <a:lstStyle/>
+          <a:p>
+            <a:endParaRPr lang="ru-RU" dirty="0"/>
+          </a:p>
+        </p:txBody>
+      </p:sp>
+      <p:sp>
+        <p:nvSpPr>
+          <p:cNvPr id="4" name="Номер слайда 3"/>
+          <p:cNvSpPr>
+            <a:spLocks noGrp="1"/>
+          </p:cNvSpPr>
+          <p:nvPr>
+            <p:ph type="sldNum" sz="quarter" idx="5"/>
+          </p:nvPr>
+        </p:nvSpPr>
+        <p:spPr/>
+        <p:txBody>
+          <a:bodyPr/>
+          <a:lstStyle/>
+          <a:p>
+            <a:fld id="{0A6891B9-7538-CA4D-898C-4D07BCB39B46}" type="slidenum">
+              <a:rPr lang="ru-RU" smtClean="0"/>
+              <a:t>28</a:t>
+            </a:fld>
+            <a:endParaRPr lang="ru-RU"/>
+          </a:p>
+        </p:txBody>
+      </p:sp>
+    </p:spTree>
+    <p:extLst>
+      <p:ext uri="{BB962C8B-B14F-4D97-AF65-F5344CB8AC3E}">
+        <p14:creationId xmlns:p14="http://schemas.microsoft.com/office/powerpoint/2010/main" val="1278559008"/>
+      </p:ext>
+    </p:extLst>
+  </p:cSld>
+  <p:clrMapOvr>
+    <a:masterClrMapping/>
+  </p:clrMapOvr>
+</p:notes>
+</file>
+
 <file path=ppt/slideLayouts/slideLayout1.xml><?xml version="1.0" encoding="utf-8"?>
 <p:sldLayout xmlns:a="http://schemas.openxmlformats.org/drawingml/2006/main" xmlns:r="http://schemas.openxmlformats.org/officeDocument/2006/relationships" xmlns:p="http://schemas.openxmlformats.org/presentationml/2006/main" type="title" preserve="1">
   <p:cSld name="Титульный слайд">
@@ -260,7 +1075,7 @@
           <a:p>
             <a:fld id="{4E3BF846-A4AF-4A4B-B5A8-D1BF66F1B9D5}" type="datetimeFigureOut">
               <a:rPr lang="ru-RU" smtClean="0"/>
-              <a:t>21.10.2023</a:t>
+              <a:t>31.10.2023</a:t>
             </a:fld>
             <a:endParaRPr lang="ru-RU"/>
           </a:p>
@@ -458,7 +1273,7 @@
           <a:p>
             <a:fld id="{4E3BF846-A4AF-4A4B-B5A8-D1BF66F1B9D5}" type="datetimeFigureOut">
               <a:rPr lang="ru-RU" smtClean="0"/>
-              <a:t>21.10.2023</a:t>
+              <a:t>31.10.2023</a:t>
             </a:fld>
             <a:endParaRPr lang="ru-RU"/>
           </a:p>
@@ -666,7 +1481,7 @@
           <a:p>
             <a:fld id="{4E3BF846-A4AF-4A4B-B5A8-D1BF66F1B9D5}" type="datetimeFigureOut">
               <a:rPr lang="ru-RU" smtClean="0"/>
-              <a:t>21.10.2023</a:t>
+              <a:t>31.10.2023</a:t>
             </a:fld>
             <a:endParaRPr lang="ru-RU"/>
           </a:p>
@@ -864,7 +1679,7 @@
           <a:p>
             <a:fld id="{4E3BF846-A4AF-4A4B-B5A8-D1BF66F1B9D5}" type="datetimeFigureOut">
               <a:rPr lang="ru-RU" smtClean="0"/>
-              <a:t>21.10.2023</a:t>
+              <a:t>31.10.2023</a:t>
             </a:fld>
             <a:endParaRPr lang="ru-RU"/>
           </a:p>
@@ -1139,7 +1954,7 @@
           <a:p>
             <a:fld id="{4E3BF846-A4AF-4A4B-B5A8-D1BF66F1B9D5}" type="datetimeFigureOut">
               <a:rPr lang="ru-RU" smtClean="0"/>
-              <a:t>21.10.2023</a:t>
+              <a:t>31.10.2023</a:t>
             </a:fld>
             <a:endParaRPr lang="ru-RU"/>
           </a:p>
@@ -1404,7 +2219,7 @@
           <a:p>
             <a:fld id="{4E3BF846-A4AF-4A4B-B5A8-D1BF66F1B9D5}" type="datetimeFigureOut">
               <a:rPr lang="ru-RU" smtClean="0"/>
-              <a:t>21.10.2023</a:t>
+              <a:t>31.10.2023</a:t>
             </a:fld>
             <a:endParaRPr lang="ru-RU"/>
           </a:p>
@@ -1816,7 +2631,7 @@
           <a:p>
             <a:fld id="{4E3BF846-A4AF-4A4B-B5A8-D1BF66F1B9D5}" type="datetimeFigureOut">
               <a:rPr lang="ru-RU" smtClean="0"/>
-              <a:t>21.10.2023</a:t>
+              <a:t>31.10.2023</a:t>
             </a:fld>
             <a:endParaRPr lang="ru-RU"/>
           </a:p>
@@ -1957,7 +2772,7 @@
           <a:p>
             <a:fld id="{4E3BF846-A4AF-4A4B-B5A8-D1BF66F1B9D5}" type="datetimeFigureOut">
               <a:rPr lang="ru-RU" smtClean="0"/>
-              <a:t>21.10.2023</a:t>
+              <a:t>31.10.2023</a:t>
             </a:fld>
             <a:endParaRPr lang="ru-RU"/>
           </a:p>
@@ -2070,7 +2885,7 @@
           <a:p>
             <a:fld id="{4E3BF846-A4AF-4A4B-B5A8-D1BF66F1B9D5}" type="datetimeFigureOut">
               <a:rPr lang="ru-RU" smtClean="0"/>
-              <a:t>21.10.2023</a:t>
+              <a:t>31.10.2023</a:t>
             </a:fld>
             <a:endParaRPr lang="ru-RU"/>
           </a:p>
@@ -2381,7 +3196,7 @@
           <a:p>
             <a:fld id="{4E3BF846-A4AF-4A4B-B5A8-D1BF66F1B9D5}" type="datetimeFigureOut">
               <a:rPr lang="ru-RU" smtClean="0"/>
-              <a:t>21.10.2023</a:t>
+              <a:t>31.10.2023</a:t>
             </a:fld>
             <a:endParaRPr lang="ru-RU"/>
           </a:p>
@@ -2669,7 +3484,7 @@
           <a:p>
             <a:fld id="{4E3BF846-A4AF-4A4B-B5A8-D1BF66F1B9D5}" type="datetimeFigureOut">
               <a:rPr lang="ru-RU" smtClean="0"/>
-              <a:t>21.10.2023</a:t>
+              <a:t>31.10.2023</a:t>
             </a:fld>
             <a:endParaRPr lang="ru-RU"/>
           </a:p>
@@ -2910,7 +3725,7 @@
           <a:p>
             <a:fld id="{4E3BF846-A4AF-4A4B-B5A8-D1BF66F1B9D5}" type="datetimeFigureOut">
               <a:rPr lang="ru-RU" smtClean="0"/>
-              <a:t>21.10.2023</a:t>
+              <a:t>31.10.2023</a:t>
             </a:fld>
             <a:endParaRPr lang="ru-RU"/>
           </a:p>
@@ -4062,6 +4877,1238 @@
 </p:sld>
 </file>
 
+<file path=ppt/slides/slide10.xml><?xml version="1.0" encoding="utf-8"?>
+<p:sld xmlns:a="http://schemas.openxmlformats.org/drawingml/2006/main" xmlns:r="http://schemas.openxmlformats.org/officeDocument/2006/relationships" xmlns:p="http://schemas.openxmlformats.org/presentationml/2006/main">
+  <p:cSld>
+    <p:spTree>
+      <p:nvGrpSpPr>
+        <p:cNvPr id="1" name=""/>
+        <p:cNvGrpSpPr/>
+        <p:nvPr/>
+      </p:nvGrpSpPr>
+      <p:grpSpPr>
+        <a:xfrm>
+          <a:off x="0" y="0"/>
+          <a:ext cx="0" cy="0"/>
+          <a:chOff x="0" y="0"/>
+          <a:chExt cx="0" cy="0"/>
+        </a:xfrm>
+      </p:grpSpPr>
+      <p:sp>
+        <p:nvSpPr>
+          <p:cNvPr id="2" name="Заголовок 1">
+            <a:extLst>
+              <a:ext uri="{FF2B5EF4-FFF2-40B4-BE49-F238E27FC236}">
+                <a16:creationId xmlns:a16="http://schemas.microsoft.com/office/drawing/2014/main" id="{3C1EEC59-77B3-E79E-EEFB-9607C247121B}"/>
+              </a:ext>
+            </a:extLst>
+          </p:cNvPr>
+          <p:cNvSpPr>
+            <a:spLocks noGrp="1"/>
+          </p:cNvSpPr>
+          <p:nvPr>
+            <p:ph type="title"/>
+          </p:nvPr>
+        </p:nvSpPr>
+        <p:spPr/>
+        <p:txBody>
+          <a:bodyPr/>
+          <a:lstStyle/>
+          <a:p>
+            <a:r>
+              <a:rPr lang="en-US" dirty="0" err="1"/>
+              <a:t>П</a:t>
+            </a:r>
+            <a:r>
+              <a:rPr lang="ru-RU" dirty="0" err="1"/>
+              <a:t>рактика</a:t>
+            </a:r>
+            <a:endParaRPr lang="ru-RU" dirty="0"/>
+          </a:p>
+        </p:txBody>
+      </p:sp>
+      <p:sp>
+        <p:nvSpPr>
+          <p:cNvPr id="3" name="Объект 2">
+            <a:extLst>
+              <a:ext uri="{FF2B5EF4-FFF2-40B4-BE49-F238E27FC236}">
+                <a16:creationId xmlns:a16="http://schemas.microsoft.com/office/drawing/2014/main" id="{7665E336-5DC1-1439-B936-09F61B9BCEBA}"/>
+              </a:ext>
+            </a:extLst>
+          </p:cNvPr>
+          <p:cNvSpPr>
+            <a:spLocks noGrp="1"/>
+          </p:cNvSpPr>
+          <p:nvPr>
+            <p:ph idx="1"/>
+          </p:nvPr>
+        </p:nvSpPr>
+        <p:spPr/>
+        <p:txBody>
+          <a:bodyPr/>
+          <a:lstStyle/>
+          <a:p>
+            <a:endParaRPr lang="ru-RU" dirty="0"/>
+          </a:p>
+        </p:txBody>
+      </p:sp>
+    </p:spTree>
+    <p:extLst>
+      <p:ext uri="{BB962C8B-B14F-4D97-AF65-F5344CB8AC3E}">
+        <p14:creationId xmlns:p14="http://schemas.microsoft.com/office/powerpoint/2010/main" val="4242496571"/>
+      </p:ext>
+    </p:extLst>
+  </p:cSld>
+  <p:clrMapOvr>
+    <a:masterClrMapping/>
+  </p:clrMapOvr>
+</p:sld>
+</file>
+
+<file path=ppt/slides/slide11.xml><?xml version="1.0" encoding="utf-8"?>
+<p:sld xmlns:a="http://schemas.openxmlformats.org/drawingml/2006/main" xmlns:r="http://schemas.openxmlformats.org/officeDocument/2006/relationships" xmlns:p="http://schemas.openxmlformats.org/presentationml/2006/main">
+  <p:cSld>
+    <p:spTree>
+      <p:nvGrpSpPr>
+        <p:cNvPr id="1" name=""/>
+        <p:cNvGrpSpPr/>
+        <p:nvPr/>
+      </p:nvGrpSpPr>
+      <p:grpSpPr>
+        <a:xfrm>
+          <a:off x="0" y="0"/>
+          <a:ext cx="0" cy="0"/>
+          <a:chOff x="0" y="0"/>
+          <a:chExt cx="0" cy="0"/>
+        </a:xfrm>
+      </p:grpSpPr>
+      <p:sp>
+        <p:nvSpPr>
+          <p:cNvPr id="2" name="Заголовок 1">
+            <a:extLst>
+              <a:ext uri="{FF2B5EF4-FFF2-40B4-BE49-F238E27FC236}">
+                <a16:creationId xmlns:a16="http://schemas.microsoft.com/office/drawing/2014/main" id="{3C1EEC59-77B3-E79E-EEFB-9607C247121B}"/>
+              </a:ext>
+            </a:extLst>
+          </p:cNvPr>
+          <p:cNvSpPr>
+            <a:spLocks noGrp="1"/>
+          </p:cNvSpPr>
+          <p:nvPr>
+            <p:ph type="title"/>
+          </p:nvPr>
+        </p:nvSpPr>
+        <p:spPr/>
+        <p:txBody>
+          <a:bodyPr/>
+          <a:lstStyle/>
+          <a:p>
+            <a:r>
+              <a:rPr lang="en-US" dirty="0" err="1"/>
+              <a:t>П</a:t>
+            </a:r>
+            <a:r>
+              <a:rPr lang="ru-RU" dirty="0" err="1"/>
+              <a:t>рактика</a:t>
+            </a:r>
+            <a:endParaRPr lang="ru-RU" dirty="0"/>
+          </a:p>
+        </p:txBody>
+      </p:sp>
+      <p:sp>
+        <p:nvSpPr>
+          <p:cNvPr id="3" name="Объект 2">
+            <a:extLst>
+              <a:ext uri="{FF2B5EF4-FFF2-40B4-BE49-F238E27FC236}">
+                <a16:creationId xmlns:a16="http://schemas.microsoft.com/office/drawing/2014/main" id="{7665E336-5DC1-1439-B936-09F61B9BCEBA}"/>
+              </a:ext>
+            </a:extLst>
+          </p:cNvPr>
+          <p:cNvSpPr>
+            <a:spLocks noGrp="1"/>
+          </p:cNvSpPr>
+          <p:nvPr>
+            <p:ph idx="1"/>
+          </p:nvPr>
+        </p:nvSpPr>
+        <p:spPr/>
+        <p:txBody>
+          <a:bodyPr/>
+          <a:lstStyle/>
+          <a:p>
+            <a:r>
+              <a:rPr lang="ru-RU" dirty="0"/>
+              <a:t>Напишите шаблонную функцию,</a:t>
+            </a:r>
+            <a:r>
+              <a:rPr lang="en-US" dirty="0"/>
+              <a:t> </a:t>
+            </a:r>
+            <a:r>
+              <a:rPr lang="ru-RU" dirty="0"/>
+              <a:t>которая возвращает сумму двух элементов</a:t>
+            </a:r>
+          </a:p>
+        </p:txBody>
+      </p:sp>
+    </p:spTree>
+    <p:extLst>
+      <p:ext uri="{BB962C8B-B14F-4D97-AF65-F5344CB8AC3E}">
+        <p14:creationId xmlns:p14="http://schemas.microsoft.com/office/powerpoint/2010/main" val="3154475614"/>
+      </p:ext>
+    </p:extLst>
+  </p:cSld>
+  <p:clrMapOvr>
+    <a:masterClrMapping/>
+  </p:clrMapOvr>
+</p:sld>
+</file>
+
+<file path=ppt/slides/slide12.xml><?xml version="1.0" encoding="utf-8"?>
+<p:sld xmlns:a="http://schemas.openxmlformats.org/drawingml/2006/main" xmlns:r="http://schemas.openxmlformats.org/officeDocument/2006/relationships" xmlns:p="http://schemas.openxmlformats.org/presentationml/2006/main">
+  <p:cSld>
+    <p:spTree>
+      <p:nvGrpSpPr>
+        <p:cNvPr id="1" name=""/>
+        <p:cNvGrpSpPr/>
+        <p:nvPr/>
+      </p:nvGrpSpPr>
+      <p:grpSpPr>
+        <a:xfrm>
+          <a:off x="0" y="0"/>
+          <a:ext cx="0" cy="0"/>
+          <a:chOff x="0" y="0"/>
+          <a:chExt cx="0" cy="0"/>
+        </a:xfrm>
+      </p:grpSpPr>
+      <p:sp>
+        <p:nvSpPr>
+          <p:cNvPr id="2" name="Заголовок 1">
+            <a:extLst>
+              <a:ext uri="{FF2B5EF4-FFF2-40B4-BE49-F238E27FC236}">
+                <a16:creationId xmlns:a16="http://schemas.microsoft.com/office/drawing/2014/main" id="{3C1EEC59-77B3-E79E-EEFB-9607C247121B}"/>
+              </a:ext>
+            </a:extLst>
+          </p:cNvPr>
+          <p:cNvSpPr>
+            <a:spLocks noGrp="1"/>
+          </p:cNvSpPr>
+          <p:nvPr>
+            <p:ph type="title"/>
+          </p:nvPr>
+        </p:nvSpPr>
+        <p:spPr/>
+        <p:txBody>
+          <a:bodyPr/>
+          <a:lstStyle/>
+          <a:p>
+            <a:r>
+              <a:rPr lang="en-US" dirty="0" err="1"/>
+              <a:t>П</a:t>
+            </a:r>
+            <a:r>
+              <a:rPr lang="ru-RU" dirty="0" err="1"/>
+              <a:t>рактика</a:t>
+            </a:r>
+            <a:endParaRPr lang="ru-RU" dirty="0"/>
+          </a:p>
+        </p:txBody>
+      </p:sp>
+      <p:sp>
+        <p:nvSpPr>
+          <p:cNvPr id="3" name="Объект 2">
+            <a:extLst>
+              <a:ext uri="{FF2B5EF4-FFF2-40B4-BE49-F238E27FC236}">
+                <a16:creationId xmlns:a16="http://schemas.microsoft.com/office/drawing/2014/main" id="{7665E336-5DC1-1439-B936-09F61B9BCEBA}"/>
+              </a:ext>
+            </a:extLst>
+          </p:cNvPr>
+          <p:cNvSpPr>
+            <a:spLocks noGrp="1"/>
+          </p:cNvSpPr>
+          <p:nvPr>
+            <p:ph idx="1"/>
+          </p:nvPr>
+        </p:nvSpPr>
+        <p:spPr/>
+        <p:txBody>
+          <a:bodyPr/>
+          <a:lstStyle/>
+          <a:p>
+            <a:r>
+              <a:rPr lang="ru-RU" dirty="0"/>
+              <a:t>Напишите шаблонную функцию,</a:t>
+            </a:r>
+            <a:r>
+              <a:rPr lang="en-US" dirty="0"/>
+              <a:t> </a:t>
+            </a:r>
+            <a:r>
+              <a:rPr lang="ru-RU" dirty="0"/>
+              <a:t>которая возвращает сумму двух элементов</a:t>
+            </a:r>
+          </a:p>
+          <a:p>
+            <a:r>
+              <a:rPr lang="ru-RU" dirty="0"/>
+              <a:t>Напишите шаблонную функцию,</a:t>
+            </a:r>
+            <a:r>
+              <a:rPr lang="en-US" dirty="0"/>
+              <a:t> </a:t>
+            </a:r>
+            <a:r>
+              <a:rPr lang="ru-RU" dirty="0"/>
+              <a:t>которая возвращает разность двух элементов</a:t>
+            </a:r>
+          </a:p>
+        </p:txBody>
+      </p:sp>
+    </p:spTree>
+    <p:extLst>
+      <p:ext uri="{BB962C8B-B14F-4D97-AF65-F5344CB8AC3E}">
+        <p14:creationId xmlns:p14="http://schemas.microsoft.com/office/powerpoint/2010/main" val="698079824"/>
+      </p:ext>
+    </p:extLst>
+  </p:cSld>
+  <p:clrMapOvr>
+    <a:masterClrMapping/>
+  </p:clrMapOvr>
+</p:sld>
+</file>
+
+<file path=ppt/slides/slide13.xml><?xml version="1.0" encoding="utf-8"?>
+<p:sld xmlns:a="http://schemas.openxmlformats.org/drawingml/2006/main" xmlns:r="http://schemas.openxmlformats.org/officeDocument/2006/relationships" xmlns:p="http://schemas.openxmlformats.org/presentationml/2006/main">
+  <p:cSld>
+    <p:spTree>
+      <p:nvGrpSpPr>
+        <p:cNvPr id="1" name=""/>
+        <p:cNvGrpSpPr/>
+        <p:nvPr/>
+      </p:nvGrpSpPr>
+      <p:grpSpPr>
+        <a:xfrm>
+          <a:off x="0" y="0"/>
+          <a:ext cx="0" cy="0"/>
+          <a:chOff x="0" y="0"/>
+          <a:chExt cx="0" cy="0"/>
+        </a:xfrm>
+      </p:grpSpPr>
+      <p:sp>
+        <p:nvSpPr>
+          <p:cNvPr id="2" name="Заголовок 1">
+            <a:extLst>
+              <a:ext uri="{FF2B5EF4-FFF2-40B4-BE49-F238E27FC236}">
+                <a16:creationId xmlns:a16="http://schemas.microsoft.com/office/drawing/2014/main" id="{3C1EEC59-77B3-E79E-EEFB-9607C247121B}"/>
+              </a:ext>
+            </a:extLst>
+          </p:cNvPr>
+          <p:cNvSpPr>
+            <a:spLocks noGrp="1"/>
+          </p:cNvSpPr>
+          <p:nvPr>
+            <p:ph type="title"/>
+          </p:nvPr>
+        </p:nvSpPr>
+        <p:spPr/>
+        <p:txBody>
+          <a:bodyPr/>
+          <a:lstStyle/>
+          <a:p>
+            <a:r>
+              <a:rPr lang="en-US" dirty="0" err="1"/>
+              <a:t>П</a:t>
+            </a:r>
+            <a:r>
+              <a:rPr lang="ru-RU" dirty="0" err="1"/>
+              <a:t>рактика</a:t>
+            </a:r>
+            <a:endParaRPr lang="ru-RU" dirty="0"/>
+          </a:p>
+        </p:txBody>
+      </p:sp>
+      <p:sp>
+        <p:nvSpPr>
+          <p:cNvPr id="3" name="Объект 2">
+            <a:extLst>
+              <a:ext uri="{FF2B5EF4-FFF2-40B4-BE49-F238E27FC236}">
+                <a16:creationId xmlns:a16="http://schemas.microsoft.com/office/drawing/2014/main" id="{7665E336-5DC1-1439-B936-09F61B9BCEBA}"/>
+              </a:ext>
+            </a:extLst>
+          </p:cNvPr>
+          <p:cNvSpPr>
+            <a:spLocks noGrp="1"/>
+          </p:cNvSpPr>
+          <p:nvPr>
+            <p:ph idx="1"/>
+          </p:nvPr>
+        </p:nvSpPr>
+        <p:spPr/>
+        <p:txBody>
+          <a:bodyPr/>
+          <a:lstStyle/>
+          <a:p>
+            <a:r>
+              <a:rPr lang="ru-RU" dirty="0"/>
+              <a:t>Напишите шаблонную функцию,</a:t>
+            </a:r>
+            <a:r>
+              <a:rPr lang="en-US" dirty="0"/>
+              <a:t> </a:t>
+            </a:r>
+            <a:r>
+              <a:rPr lang="ru-RU" dirty="0"/>
+              <a:t>которая возвращает сумму двух элементов</a:t>
+            </a:r>
+          </a:p>
+          <a:p>
+            <a:r>
+              <a:rPr lang="ru-RU" dirty="0"/>
+              <a:t>Напишите шаблонную функцию,</a:t>
+            </a:r>
+            <a:r>
+              <a:rPr lang="en-US" dirty="0"/>
+              <a:t> </a:t>
+            </a:r>
+            <a:r>
+              <a:rPr lang="ru-RU" dirty="0"/>
+              <a:t>которая возвращает разность двух элементов</a:t>
+            </a:r>
+          </a:p>
+          <a:p>
+            <a:r>
+              <a:rPr lang="ru-RU" dirty="0"/>
+              <a:t>Напишите шаблонную функцию,</a:t>
+            </a:r>
+            <a:r>
+              <a:rPr lang="en-US" dirty="0"/>
+              <a:t> </a:t>
+            </a:r>
+            <a:r>
+              <a:rPr lang="ru-RU" dirty="0"/>
+              <a:t>которая возвращает один минимальный элемент из двух</a:t>
+            </a:r>
+          </a:p>
+        </p:txBody>
+      </p:sp>
+    </p:spTree>
+    <p:extLst>
+      <p:ext uri="{BB962C8B-B14F-4D97-AF65-F5344CB8AC3E}">
+        <p14:creationId xmlns:p14="http://schemas.microsoft.com/office/powerpoint/2010/main" val="299923879"/>
+      </p:ext>
+    </p:extLst>
+  </p:cSld>
+  <p:clrMapOvr>
+    <a:masterClrMapping/>
+  </p:clrMapOvr>
+</p:sld>
+</file>
+
+<file path=ppt/slides/slide14.xml><?xml version="1.0" encoding="utf-8"?>
+<p:sld xmlns:a="http://schemas.openxmlformats.org/drawingml/2006/main" xmlns:r="http://schemas.openxmlformats.org/officeDocument/2006/relationships" xmlns:p="http://schemas.openxmlformats.org/presentationml/2006/main">
+  <p:cSld>
+    <p:bg>
+      <p:bgPr>
+        <a:solidFill>
+          <a:srgbClr val="7030A0"/>
+        </a:solidFill>
+        <a:effectLst/>
+      </p:bgPr>
+    </p:bg>
+    <p:spTree>
+      <p:nvGrpSpPr>
+        <p:cNvPr id="1" name=""/>
+        <p:cNvGrpSpPr/>
+        <p:nvPr/>
+      </p:nvGrpSpPr>
+      <p:grpSpPr>
+        <a:xfrm>
+          <a:off x="0" y="0"/>
+          <a:ext cx="0" cy="0"/>
+          <a:chOff x="0" y="0"/>
+          <a:chExt cx="0" cy="0"/>
+        </a:xfrm>
+      </p:grpSpPr>
+      <p:sp>
+        <p:nvSpPr>
+          <p:cNvPr id="4" name="Заголовок 1">
+            <a:extLst>
+              <a:ext uri="{FF2B5EF4-FFF2-40B4-BE49-F238E27FC236}">
+                <a16:creationId xmlns:a16="http://schemas.microsoft.com/office/drawing/2014/main" id="{3DF9D4E5-64B5-9848-9C2C-67E2768D38D6}"/>
+              </a:ext>
+            </a:extLst>
+          </p:cNvPr>
+          <p:cNvSpPr>
+            <a:spLocks noGrp="1"/>
+          </p:cNvSpPr>
+          <p:nvPr/>
+        </p:nvSpPr>
+        <p:spPr>
+          <a:xfrm>
+            <a:off x="4041042" y="2711918"/>
+            <a:ext cx="4109915" cy="1434163"/>
+          </a:xfrm>
+          <a:prstGeom prst="rect">
+            <a:avLst/>
+          </a:prstGeom>
+        </p:spPr>
+        <p:txBody>
+          <a:bodyPr vert="horz" lIns="91440" tIns="45720" rIns="91440" bIns="45720" rtlCol="0" anchor="ctr">
+            <a:noAutofit/>
+          </a:bodyPr>
+          <a:lstStyle>
+            <a:defPPr>
+              <a:defRPr lang="ru-RU"/>
+            </a:defPPr>
+            <a:lvl1pPr marL="0" algn="l" defTabSz="914400" rtl="0" eaLnBrk="1" latinLnBrk="0" hangingPunct="1">
+              <a:defRPr sz="1800" kern="1200">
+                <a:solidFill>
+                  <a:schemeClr val="tx1"/>
+                </a:solidFill>
+                <a:latin typeface="+mn-lt"/>
+                <a:ea typeface="+mn-ea"/>
+                <a:cs typeface="+mn-cs"/>
+              </a:defRPr>
+            </a:lvl1pPr>
+            <a:lvl2pPr marL="457200" algn="l" defTabSz="914400" rtl="0" eaLnBrk="1" latinLnBrk="0" hangingPunct="1">
+              <a:defRPr sz="1800" kern="1200">
+                <a:solidFill>
+                  <a:schemeClr val="tx1"/>
+                </a:solidFill>
+                <a:latin typeface="+mn-lt"/>
+                <a:ea typeface="+mn-ea"/>
+                <a:cs typeface="+mn-cs"/>
+              </a:defRPr>
+            </a:lvl2pPr>
+            <a:lvl3pPr marL="914400" algn="l" defTabSz="914400" rtl="0" eaLnBrk="1" latinLnBrk="0" hangingPunct="1">
+              <a:defRPr sz="1800" kern="1200">
+                <a:solidFill>
+                  <a:schemeClr val="tx1"/>
+                </a:solidFill>
+                <a:latin typeface="+mn-lt"/>
+                <a:ea typeface="+mn-ea"/>
+                <a:cs typeface="+mn-cs"/>
+              </a:defRPr>
+            </a:lvl3pPr>
+            <a:lvl4pPr marL="1371600" algn="l" defTabSz="914400" rtl="0" eaLnBrk="1" latinLnBrk="0" hangingPunct="1">
+              <a:defRPr sz="1800" kern="1200">
+                <a:solidFill>
+                  <a:schemeClr val="tx1"/>
+                </a:solidFill>
+                <a:latin typeface="+mn-lt"/>
+                <a:ea typeface="+mn-ea"/>
+                <a:cs typeface="+mn-cs"/>
+              </a:defRPr>
+            </a:lvl4pPr>
+            <a:lvl5pPr marL="1828800" algn="l" defTabSz="914400" rtl="0" eaLnBrk="1" latinLnBrk="0" hangingPunct="1">
+              <a:defRPr sz="1800" kern="1200">
+                <a:solidFill>
+                  <a:schemeClr val="tx1"/>
+                </a:solidFill>
+                <a:latin typeface="+mn-lt"/>
+                <a:ea typeface="+mn-ea"/>
+                <a:cs typeface="+mn-cs"/>
+              </a:defRPr>
+            </a:lvl5pPr>
+            <a:lvl6pPr marL="2286000" algn="l" defTabSz="914400" rtl="0" eaLnBrk="1" latinLnBrk="0" hangingPunct="1">
+              <a:defRPr sz="1800" kern="1200">
+                <a:solidFill>
+                  <a:schemeClr val="tx1"/>
+                </a:solidFill>
+                <a:latin typeface="+mn-lt"/>
+                <a:ea typeface="+mn-ea"/>
+                <a:cs typeface="+mn-cs"/>
+              </a:defRPr>
+            </a:lvl6pPr>
+            <a:lvl7pPr marL="2743200" algn="l" defTabSz="914400" rtl="0" eaLnBrk="1" latinLnBrk="0" hangingPunct="1">
+              <a:defRPr sz="1800" kern="1200">
+                <a:solidFill>
+                  <a:schemeClr val="tx1"/>
+                </a:solidFill>
+                <a:latin typeface="+mn-lt"/>
+                <a:ea typeface="+mn-ea"/>
+                <a:cs typeface="+mn-cs"/>
+              </a:defRPr>
+            </a:lvl7pPr>
+            <a:lvl8pPr marL="3200400" algn="l" defTabSz="914400" rtl="0" eaLnBrk="1" latinLnBrk="0" hangingPunct="1">
+              <a:defRPr sz="1800" kern="1200">
+                <a:solidFill>
+                  <a:schemeClr val="tx1"/>
+                </a:solidFill>
+                <a:latin typeface="+mn-lt"/>
+                <a:ea typeface="+mn-ea"/>
+                <a:cs typeface="+mn-cs"/>
+              </a:defRPr>
+            </a:lvl8pPr>
+            <a:lvl9pPr marL="3657600" algn="l" defTabSz="914400" rtl="0" eaLnBrk="1" latinLnBrk="0" hangingPunct="1">
+              <a:defRPr sz="1800" kern="1200">
+                <a:solidFill>
+                  <a:schemeClr val="tx1"/>
+                </a:solidFill>
+                <a:latin typeface="+mn-lt"/>
+                <a:ea typeface="+mn-ea"/>
+                <a:cs typeface="+mn-cs"/>
+              </a:defRPr>
+            </a:lvl9pPr>
+          </a:lstStyle>
+          <a:p>
+            <a:pPr algn="ctr"/>
+            <a:r>
+              <a:rPr lang="ru-RU" sz="4800" b="1" dirty="0">
+                <a:solidFill>
+                  <a:schemeClr val="bg1"/>
+                </a:solidFill>
+                <a:latin typeface="Arial" panose="020B0604020202020204" pitchFamily="34" charset="0"/>
+                <a:cs typeface="Arial" panose="020B0604020202020204" pitchFamily="34" charset="0"/>
+              </a:rPr>
+              <a:t>Подробнее о шаблонах</a:t>
+            </a:r>
+          </a:p>
+        </p:txBody>
+      </p:sp>
+    </p:spTree>
+    <p:extLst>
+      <p:ext uri="{BB962C8B-B14F-4D97-AF65-F5344CB8AC3E}">
+        <p14:creationId xmlns:p14="http://schemas.microsoft.com/office/powerpoint/2010/main" val="482680070"/>
+      </p:ext>
+    </p:extLst>
+  </p:cSld>
+  <p:clrMapOvr>
+    <a:masterClrMapping/>
+  </p:clrMapOvr>
+</p:sld>
+</file>
+
+<file path=ppt/slides/slide15.xml><?xml version="1.0" encoding="utf-8"?>
+<p:sld xmlns:a="http://schemas.openxmlformats.org/drawingml/2006/main" xmlns:r="http://schemas.openxmlformats.org/officeDocument/2006/relationships" xmlns:p="http://schemas.openxmlformats.org/presentationml/2006/main">
+  <p:cSld>
+    <p:spTree>
+      <p:nvGrpSpPr>
+        <p:cNvPr id="1" name=""/>
+        <p:cNvGrpSpPr/>
+        <p:nvPr/>
+      </p:nvGrpSpPr>
+      <p:grpSpPr>
+        <a:xfrm>
+          <a:off x="0" y="0"/>
+          <a:ext cx="0" cy="0"/>
+          <a:chOff x="0" y="0"/>
+          <a:chExt cx="0" cy="0"/>
+        </a:xfrm>
+      </p:grpSpPr>
+      <p:sp>
+        <p:nvSpPr>
+          <p:cNvPr id="2" name="Заголовок 1">
+            <a:extLst>
+              <a:ext uri="{FF2B5EF4-FFF2-40B4-BE49-F238E27FC236}">
+                <a16:creationId xmlns:a16="http://schemas.microsoft.com/office/drawing/2014/main" id="{67BC2651-B760-5526-F424-E25E43FE79CE}"/>
+              </a:ext>
+            </a:extLst>
+          </p:cNvPr>
+          <p:cNvSpPr>
+            <a:spLocks noGrp="1"/>
+          </p:cNvSpPr>
+          <p:nvPr>
+            <p:ph type="title"/>
+          </p:nvPr>
+        </p:nvSpPr>
+        <p:spPr/>
+        <p:txBody>
+          <a:bodyPr/>
+          <a:lstStyle/>
+          <a:p>
+            <a:r>
+              <a:rPr lang="ru-RU" dirty="0"/>
+              <a:t>Шаблоны</a:t>
+            </a:r>
+          </a:p>
+        </p:txBody>
+      </p:sp>
+      <p:sp>
+        <p:nvSpPr>
+          <p:cNvPr id="3" name="Объект 2">
+            <a:extLst>
+              <a:ext uri="{FF2B5EF4-FFF2-40B4-BE49-F238E27FC236}">
+                <a16:creationId xmlns:a16="http://schemas.microsoft.com/office/drawing/2014/main" id="{58019062-87A2-892A-21C9-2D702B7B4A5F}"/>
+              </a:ext>
+            </a:extLst>
+          </p:cNvPr>
+          <p:cNvSpPr>
+            <a:spLocks noGrp="1"/>
+          </p:cNvSpPr>
+          <p:nvPr>
+            <p:ph idx="1"/>
+          </p:nvPr>
+        </p:nvSpPr>
+        <p:spPr/>
+        <p:txBody>
+          <a:bodyPr/>
+          <a:lstStyle/>
+          <a:p>
+            <a:endParaRPr lang="ru-RU"/>
+          </a:p>
+        </p:txBody>
+      </p:sp>
+    </p:spTree>
+    <p:extLst>
+      <p:ext uri="{BB962C8B-B14F-4D97-AF65-F5344CB8AC3E}">
+        <p14:creationId xmlns:p14="http://schemas.microsoft.com/office/powerpoint/2010/main" val="867023182"/>
+      </p:ext>
+    </p:extLst>
+  </p:cSld>
+  <p:clrMapOvr>
+    <a:masterClrMapping/>
+  </p:clrMapOvr>
+</p:sld>
+</file>
+
+<file path=ppt/slides/slide16.xml><?xml version="1.0" encoding="utf-8"?>
+<p:sld xmlns:a="http://schemas.openxmlformats.org/drawingml/2006/main" xmlns:r="http://schemas.openxmlformats.org/officeDocument/2006/relationships" xmlns:p="http://schemas.openxmlformats.org/presentationml/2006/main">
+  <p:cSld>
+    <p:spTree>
+      <p:nvGrpSpPr>
+        <p:cNvPr id="1" name=""/>
+        <p:cNvGrpSpPr/>
+        <p:nvPr/>
+      </p:nvGrpSpPr>
+      <p:grpSpPr>
+        <a:xfrm>
+          <a:off x="0" y="0"/>
+          <a:ext cx="0" cy="0"/>
+          <a:chOff x="0" y="0"/>
+          <a:chExt cx="0" cy="0"/>
+        </a:xfrm>
+      </p:grpSpPr>
+      <p:sp>
+        <p:nvSpPr>
+          <p:cNvPr id="2" name="Заголовок 1">
+            <a:extLst>
+              <a:ext uri="{FF2B5EF4-FFF2-40B4-BE49-F238E27FC236}">
+                <a16:creationId xmlns:a16="http://schemas.microsoft.com/office/drawing/2014/main" id="{67BC2651-B760-5526-F424-E25E43FE79CE}"/>
+              </a:ext>
+            </a:extLst>
+          </p:cNvPr>
+          <p:cNvSpPr>
+            <a:spLocks noGrp="1"/>
+          </p:cNvSpPr>
+          <p:nvPr>
+            <p:ph type="title"/>
+          </p:nvPr>
+        </p:nvSpPr>
+        <p:spPr/>
+        <p:txBody>
+          <a:bodyPr/>
+          <a:lstStyle/>
+          <a:p>
+            <a:r>
+              <a:rPr lang="ru-RU" dirty="0"/>
+              <a:t>Шаблоны</a:t>
+            </a:r>
+          </a:p>
+        </p:txBody>
+      </p:sp>
+      <p:sp>
+        <p:nvSpPr>
+          <p:cNvPr id="3" name="Объект 2">
+            <a:extLst>
+              <a:ext uri="{FF2B5EF4-FFF2-40B4-BE49-F238E27FC236}">
+                <a16:creationId xmlns:a16="http://schemas.microsoft.com/office/drawing/2014/main" id="{58019062-87A2-892A-21C9-2D702B7B4A5F}"/>
+              </a:ext>
+            </a:extLst>
+          </p:cNvPr>
+          <p:cNvSpPr>
+            <a:spLocks noGrp="1"/>
+          </p:cNvSpPr>
+          <p:nvPr>
+            <p:ph idx="1"/>
+          </p:nvPr>
+        </p:nvSpPr>
+        <p:spPr/>
+        <p:txBody>
+          <a:bodyPr/>
+          <a:lstStyle/>
+          <a:p>
+            <a:r>
+              <a:rPr lang="ru-RU" dirty="0"/>
+              <a:t>Шаблоны нельзя объявлять, а потом реализовывать</a:t>
+            </a:r>
+            <a:r>
+              <a:rPr lang="en-US" dirty="0"/>
+              <a:t>. </a:t>
+            </a:r>
+            <a:r>
+              <a:rPr lang="ru-RU" dirty="0"/>
+              <a:t>Это происходит по той причине</a:t>
+            </a:r>
+            <a:r>
+              <a:rPr lang="en-US" dirty="0"/>
+              <a:t>, </a:t>
+            </a:r>
+            <a:r>
+              <a:rPr lang="ru-RU" dirty="0"/>
+              <a:t>потому что компилятору нужно сразу видеть реализацию шаблонной функции</a:t>
+            </a:r>
+            <a:r>
+              <a:rPr lang="en-US" dirty="0"/>
+              <a:t>.</a:t>
+            </a:r>
+            <a:endParaRPr lang="ru-RU" dirty="0"/>
+          </a:p>
+        </p:txBody>
+      </p:sp>
+    </p:spTree>
+    <p:extLst>
+      <p:ext uri="{BB962C8B-B14F-4D97-AF65-F5344CB8AC3E}">
+        <p14:creationId xmlns:p14="http://schemas.microsoft.com/office/powerpoint/2010/main" val="791138567"/>
+      </p:ext>
+    </p:extLst>
+  </p:cSld>
+  <p:clrMapOvr>
+    <a:masterClrMapping/>
+  </p:clrMapOvr>
+</p:sld>
+</file>
+
+<file path=ppt/slides/slide17.xml><?xml version="1.0" encoding="utf-8"?>
+<p:sld xmlns:a="http://schemas.openxmlformats.org/drawingml/2006/main" xmlns:r="http://schemas.openxmlformats.org/officeDocument/2006/relationships" xmlns:p="http://schemas.openxmlformats.org/presentationml/2006/main">
+  <p:cSld>
+    <p:spTree>
+      <p:nvGrpSpPr>
+        <p:cNvPr id="1" name=""/>
+        <p:cNvGrpSpPr/>
+        <p:nvPr/>
+      </p:nvGrpSpPr>
+      <p:grpSpPr>
+        <a:xfrm>
+          <a:off x="0" y="0"/>
+          <a:ext cx="0" cy="0"/>
+          <a:chOff x="0" y="0"/>
+          <a:chExt cx="0" cy="0"/>
+        </a:xfrm>
+      </p:grpSpPr>
+      <p:sp>
+        <p:nvSpPr>
+          <p:cNvPr id="2" name="Заголовок 1">
+            <a:extLst>
+              <a:ext uri="{FF2B5EF4-FFF2-40B4-BE49-F238E27FC236}">
+                <a16:creationId xmlns:a16="http://schemas.microsoft.com/office/drawing/2014/main" id="{67BC2651-B760-5526-F424-E25E43FE79CE}"/>
+              </a:ext>
+            </a:extLst>
+          </p:cNvPr>
+          <p:cNvSpPr>
+            <a:spLocks noGrp="1"/>
+          </p:cNvSpPr>
+          <p:nvPr>
+            <p:ph type="title"/>
+          </p:nvPr>
+        </p:nvSpPr>
+        <p:spPr/>
+        <p:txBody>
+          <a:bodyPr/>
+          <a:lstStyle/>
+          <a:p>
+            <a:r>
+              <a:rPr lang="ru-RU" dirty="0"/>
+              <a:t>Шаблоны</a:t>
+            </a:r>
+          </a:p>
+        </p:txBody>
+      </p:sp>
+      <p:sp>
+        <p:nvSpPr>
+          <p:cNvPr id="3" name="Объект 2">
+            <a:extLst>
+              <a:ext uri="{FF2B5EF4-FFF2-40B4-BE49-F238E27FC236}">
+                <a16:creationId xmlns:a16="http://schemas.microsoft.com/office/drawing/2014/main" id="{58019062-87A2-892A-21C9-2D702B7B4A5F}"/>
+              </a:ext>
+            </a:extLst>
+          </p:cNvPr>
+          <p:cNvSpPr>
+            <a:spLocks noGrp="1"/>
+          </p:cNvSpPr>
+          <p:nvPr>
+            <p:ph idx="1"/>
+          </p:nvPr>
+        </p:nvSpPr>
+        <p:spPr/>
+        <p:txBody>
+          <a:bodyPr/>
+          <a:lstStyle/>
+          <a:p>
+            <a:r>
+              <a:rPr lang="ru-RU" dirty="0"/>
+              <a:t>Шаблоны нельзя объявлять, а потом реализовывать</a:t>
+            </a:r>
+            <a:r>
+              <a:rPr lang="en-US" dirty="0"/>
+              <a:t>. </a:t>
+            </a:r>
+            <a:r>
+              <a:rPr lang="ru-RU" dirty="0"/>
+              <a:t>Это происходит по той причине</a:t>
+            </a:r>
+            <a:r>
+              <a:rPr lang="en-US" dirty="0"/>
+              <a:t>, </a:t>
+            </a:r>
+            <a:r>
+              <a:rPr lang="ru-RU" dirty="0"/>
+              <a:t>потому что компилятору нужно сразу видеть реализацию шаблонной функции</a:t>
+            </a:r>
+            <a:r>
+              <a:rPr lang="en-US" dirty="0"/>
+              <a:t>.</a:t>
+            </a:r>
+            <a:endParaRPr lang="ru-RU" dirty="0"/>
+          </a:p>
+          <a:p>
+            <a:r>
+              <a:rPr lang="ru-RU" dirty="0"/>
+              <a:t>Шаблонные функции так же можно перегружать,</a:t>
+            </a:r>
+            <a:r>
+              <a:rPr lang="en-US" dirty="0"/>
+              <a:t> </a:t>
+            </a:r>
+            <a:r>
+              <a:rPr lang="ru-RU" dirty="0"/>
+              <a:t>как и обычные функции.</a:t>
+            </a:r>
+          </a:p>
+        </p:txBody>
+      </p:sp>
+    </p:spTree>
+    <p:extLst>
+      <p:ext uri="{BB962C8B-B14F-4D97-AF65-F5344CB8AC3E}">
+        <p14:creationId xmlns:p14="http://schemas.microsoft.com/office/powerpoint/2010/main" val="971411385"/>
+      </p:ext>
+    </p:extLst>
+  </p:cSld>
+  <p:clrMapOvr>
+    <a:masterClrMapping/>
+  </p:clrMapOvr>
+</p:sld>
+</file>
+
+<file path=ppt/slides/slide18.xml><?xml version="1.0" encoding="utf-8"?>
+<p:sld xmlns:a="http://schemas.openxmlformats.org/drawingml/2006/main" xmlns:r="http://schemas.openxmlformats.org/officeDocument/2006/relationships" xmlns:p="http://schemas.openxmlformats.org/presentationml/2006/main">
+  <p:cSld>
+    <p:spTree>
+      <p:nvGrpSpPr>
+        <p:cNvPr id="1" name=""/>
+        <p:cNvGrpSpPr/>
+        <p:nvPr/>
+      </p:nvGrpSpPr>
+      <p:grpSpPr>
+        <a:xfrm>
+          <a:off x="0" y="0"/>
+          <a:ext cx="0" cy="0"/>
+          <a:chOff x="0" y="0"/>
+          <a:chExt cx="0" cy="0"/>
+        </a:xfrm>
+      </p:grpSpPr>
+      <p:sp>
+        <p:nvSpPr>
+          <p:cNvPr id="2" name="Заголовок 1">
+            <a:extLst>
+              <a:ext uri="{FF2B5EF4-FFF2-40B4-BE49-F238E27FC236}">
+                <a16:creationId xmlns:a16="http://schemas.microsoft.com/office/drawing/2014/main" id="{67BC2651-B760-5526-F424-E25E43FE79CE}"/>
+              </a:ext>
+            </a:extLst>
+          </p:cNvPr>
+          <p:cNvSpPr>
+            <a:spLocks noGrp="1"/>
+          </p:cNvSpPr>
+          <p:nvPr>
+            <p:ph type="title"/>
+          </p:nvPr>
+        </p:nvSpPr>
+        <p:spPr/>
+        <p:txBody>
+          <a:bodyPr/>
+          <a:lstStyle/>
+          <a:p>
+            <a:r>
+              <a:rPr lang="ru-RU" dirty="0"/>
+              <a:t>Шаблоны</a:t>
+            </a:r>
+          </a:p>
+        </p:txBody>
+      </p:sp>
+      <p:sp>
+        <p:nvSpPr>
+          <p:cNvPr id="3" name="Объект 2">
+            <a:extLst>
+              <a:ext uri="{FF2B5EF4-FFF2-40B4-BE49-F238E27FC236}">
+                <a16:creationId xmlns:a16="http://schemas.microsoft.com/office/drawing/2014/main" id="{58019062-87A2-892A-21C9-2D702B7B4A5F}"/>
+              </a:ext>
+            </a:extLst>
+          </p:cNvPr>
+          <p:cNvSpPr>
+            <a:spLocks noGrp="1"/>
+          </p:cNvSpPr>
+          <p:nvPr>
+            <p:ph idx="1"/>
+          </p:nvPr>
+        </p:nvSpPr>
+        <p:spPr/>
+        <p:txBody>
+          <a:bodyPr/>
+          <a:lstStyle/>
+          <a:p>
+            <a:r>
+              <a:rPr lang="ru-RU" dirty="0"/>
+              <a:t>Шаблоны нельзя объявлять, а потом реализовывать</a:t>
+            </a:r>
+            <a:r>
+              <a:rPr lang="en-US" dirty="0"/>
+              <a:t>. </a:t>
+            </a:r>
+            <a:r>
+              <a:rPr lang="ru-RU" dirty="0"/>
+              <a:t>Это происходит по той причине</a:t>
+            </a:r>
+            <a:r>
+              <a:rPr lang="en-US" dirty="0"/>
+              <a:t>, </a:t>
+            </a:r>
+            <a:r>
+              <a:rPr lang="ru-RU" dirty="0"/>
+              <a:t>потому что компилятору нужно сразу видеть реализацию шаблонной функции</a:t>
+            </a:r>
+            <a:r>
+              <a:rPr lang="en-US" dirty="0"/>
+              <a:t>.</a:t>
+            </a:r>
+            <a:endParaRPr lang="ru-RU" dirty="0"/>
+          </a:p>
+          <a:p>
+            <a:r>
+              <a:rPr lang="ru-RU" dirty="0"/>
+              <a:t>Шаблонные функции так же можно перегружать,</a:t>
+            </a:r>
+            <a:r>
+              <a:rPr lang="en-US" dirty="0"/>
+              <a:t> </a:t>
+            </a:r>
+            <a:r>
+              <a:rPr lang="ru-RU" dirty="0"/>
+              <a:t>как и обычные функции.</a:t>
+            </a:r>
+            <a:endParaRPr lang="en-US" dirty="0"/>
+          </a:p>
+          <a:p>
+            <a:r>
+              <a:rPr lang="ru-RU" dirty="0"/>
+              <a:t>Помимо обычных шаблонов есть вариативные шаблоны (</a:t>
+            </a:r>
+            <a:r>
+              <a:rPr lang="en" dirty="0"/>
+              <a:t>variadic template</a:t>
+            </a:r>
+            <a:r>
+              <a:rPr lang="ru-RU" dirty="0"/>
+              <a:t>)</a:t>
+            </a:r>
+            <a:r>
+              <a:rPr lang="en-US" dirty="0"/>
+              <a:t>, </a:t>
+            </a:r>
+            <a:r>
+              <a:rPr lang="ru-RU" dirty="0"/>
+              <a:t>они используются для определения шаблонов с переменным числом аргументов</a:t>
+            </a:r>
+          </a:p>
+        </p:txBody>
+      </p:sp>
+    </p:spTree>
+    <p:extLst>
+      <p:ext uri="{BB962C8B-B14F-4D97-AF65-F5344CB8AC3E}">
+        <p14:creationId xmlns:p14="http://schemas.microsoft.com/office/powerpoint/2010/main" val="714760599"/>
+      </p:ext>
+    </p:extLst>
+  </p:cSld>
+  <p:clrMapOvr>
+    <a:masterClrMapping/>
+  </p:clrMapOvr>
+</p:sld>
+</file>
+
+<file path=ppt/slides/slide19.xml><?xml version="1.0" encoding="utf-8"?>
+<p:sld xmlns:a="http://schemas.openxmlformats.org/drawingml/2006/main" xmlns:r="http://schemas.openxmlformats.org/officeDocument/2006/relationships" xmlns:p="http://schemas.openxmlformats.org/presentationml/2006/main">
+  <p:cSld>
+    <p:bg>
+      <p:bgPr>
+        <a:solidFill>
+          <a:srgbClr val="7030A0"/>
+        </a:solidFill>
+        <a:effectLst/>
+      </p:bgPr>
+    </p:bg>
+    <p:spTree>
+      <p:nvGrpSpPr>
+        <p:cNvPr id="1" name=""/>
+        <p:cNvGrpSpPr/>
+        <p:nvPr/>
+      </p:nvGrpSpPr>
+      <p:grpSpPr>
+        <a:xfrm>
+          <a:off x="0" y="0"/>
+          <a:ext cx="0" cy="0"/>
+          <a:chOff x="0" y="0"/>
+          <a:chExt cx="0" cy="0"/>
+        </a:xfrm>
+      </p:grpSpPr>
+      <p:sp>
+        <p:nvSpPr>
+          <p:cNvPr id="4" name="Заголовок 1">
+            <a:extLst>
+              <a:ext uri="{FF2B5EF4-FFF2-40B4-BE49-F238E27FC236}">
+                <a16:creationId xmlns:a16="http://schemas.microsoft.com/office/drawing/2014/main" id="{3DF9D4E5-64B5-9848-9C2C-67E2768D38D6}"/>
+              </a:ext>
+            </a:extLst>
+          </p:cNvPr>
+          <p:cNvSpPr>
+            <a:spLocks noGrp="1"/>
+          </p:cNvSpPr>
+          <p:nvPr/>
+        </p:nvSpPr>
+        <p:spPr>
+          <a:xfrm>
+            <a:off x="2630121" y="2711918"/>
+            <a:ext cx="6931758" cy="1434163"/>
+          </a:xfrm>
+          <a:prstGeom prst="rect">
+            <a:avLst/>
+          </a:prstGeom>
+        </p:spPr>
+        <p:txBody>
+          <a:bodyPr vert="horz" lIns="91440" tIns="45720" rIns="91440" bIns="45720" rtlCol="0" anchor="ctr">
+            <a:noAutofit/>
+          </a:bodyPr>
+          <a:lstStyle>
+            <a:defPPr>
+              <a:defRPr lang="ru-RU"/>
+            </a:defPPr>
+            <a:lvl1pPr marL="0" algn="l" defTabSz="914400" rtl="0" eaLnBrk="1" latinLnBrk="0" hangingPunct="1">
+              <a:defRPr sz="1800" kern="1200">
+                <a:solidFill>
+                  <a:schemeClr val="tx1"/>
+                </a:solidFill>
+                <a:latin typeface="+mn-lt"/>
+                <a:ea typeface="+mn-ea"/>
+                <a:cs typeface="+mn-cs"/>
+              </a:defRPr>
+            </a:lvl1pPr>
+            <a:lvl2pPr marL="457200" algn="l" defTabSz="914400" rtl="0" eaLnBrk="1" latinLnBrk="0" hangingPunct="1">
+              <a:defRPr sz="1800" kern="1200">
+                <a:solidFill>
+                  <a:schemeClr val="tx1"/>
+                </a:solidFill>
+                <a:latin typeface="+mn-lt"/>
+                <a:ea typeface="+mn-ea"/>
+                <a:cs typeface="+mn-cs"/>
+              </a:defRPr>
+            </a:lvl2pPr>
+            <a:lvl3pPr marL="914400" algn="l" defTabSz="914400" rtl="0" eaLnBrk="1" latinLnBrk="0" hangingPunct="1">
+              <a:defRPr sz="1800" kern="1200">
+                <a:solidFill>
+                  <a:schemeClr val="tx1"/>
+                </a:solidFill>
+                <a:latin typeface="+mn-lt"/>
+                <a:ea typeface="+mn-ea"/>
+                <a:cs typeface="+mn-cs"/>
+              </a:defRPr>
+            </a:lvl3pPr>
+            <a:lvl4pPr marL="1371600" algn="l" defTabSz="914400" rtl="0" eaLnBrk="1" latinLnBrk="0" hangingPunct="1">
+              <a:defRPr sz="1800" kern="1200">
+                <a:solidFill>
+                  <a:schemeClr val="tx1"/>
+                </a:solidFill>
+                <a:latin typeface="+mn-lt"/>
+                <a:ea typeface="+mn-ea"/>
+                <a:cs typeface="+mn-cs"/>
+              </a:defRPr>
+            </a:lvl4pPr>
+            <a:lvl5pPr marL="1828800" algn="l" defTabSz="914400" rtl="0" eaLnBrk="1" latinLnBrk="0" hangingPunct="1">
+              <a:defRPr sz="1800" kern="1200">
+                <a:solidFill>
+                  <a:schemeClr val="tx1"/>
+                </a:solidFill>
+                <a:latin typeface="+mn-lt"/>
+                <a:ea typeface="+mn-ea"/>
+                <a:cs typeface="+mn-cs"/>
+              </a:defRPr>
+            </a:lvl5pPr>
+            <a:lvl6pPr marL="2286000" algn="l" defTabSz="914400" rtl="0" eaLnBrk="1" latinLnBrk="0" hangingPunct="1">
+              <a:defRPr sz="1800" kern="1200">
+                <a:solidFill>
+                  <a:schemeClr val="tx1"/>
+                </a:solidFill>
+                <a:latin typeface="+mn-lt"/>
+                <a:ea typeface="+mn-ea"/>
+                <a:cs typeface="+mn-cs"/>
+              </a:defRPr>
+            </a:lvl6pPr>
+            <a:lvl7pPr marL="2743200" algn="l" defTabSz="914400" rtl="0" eaLnBrk="1" latinLnBrk="0" hangingPunct="1">
+              <a:defRPr sz="1800" kern="1200">
+                <a:solidFill>
+                  <a:schemeClr val="tx1"/>
+                </a:solidFill>
+                <a:latin typeface="+mn-lt"/>
+                <a:ea typeface="+mn-ea"/>
+                <a:cs typeface="+mn-cs"/>
+              </a:defRPr>
+            </a:lvl7pPr>
+            <a:lvl8pPr marL="3200400" algn="l" defTabSz="914400" rtl="0" eaLnBrk="1" latinLnBrk="0" hangingPunct="1">
+              <a:defRPr sz="1800" kern="1200">
+                <a:solidFill>
+                  <a:schemeClr val="tx1"/>
+                </a:solidFill>
+                <a:latin typeface="+mn-lt"/>
+                <a:ea typeface="+mn-ea"/>
+                <a:cs typeface="+mn-cs"/>
+              </a:defRPr>
+            </a:lvl8pPr>
+            <a:lvl9pPr marL="3657600" algn="l" defTabSz="914400" rtl="0" eaLnBrk="1" latinLnBrk="0" hangingPunct="1">
+              <a:defRPr sz="1800" kern="1200">
+                <a:solidFill>
+                  <a:schemeClr val="tx1"/>
+                </a:solidFill>
+                <a:latin typeface="+mn-lt"/>
+                <a:ea typeface="+mn-ea"/>
+                <a:cs typeface="+mn-cs"/>
+              </a:defRPr>
+            </a:lvl9pPr>
+          </a:lstStyle>
+          <a:p>
+            <a:pPr algn="ctr"/>
+            <a:r>
+              <a:rPr lang="ru-RU" sz="4800" b="1" dirty="0">
+                <a:solidFill>
+                  <a:schemeClr val="bg1"/>
+                </a:solidFill>
+                <a:latin typeface="Arial" panose="020B0604020202020204" pitchFamily="34" charset="0"/>
+                <a:cs typeface="Arial" panose="020B0604020202020204" pitchFamily="34" charset="0"/>
+              </a:rPr>
+              <a:t>Перегрузка шаблонов</a:t>
+            </a:r>
+          </a:p>
+        </p:txBody>
+      </p:sp>
+    </p:spTree>
+    <p:extLst>
+      <p:ext uri="{BB962C8B-B14F-4D97-AF65-F5344CB8AC3E}">
+        <p14:creationId xmlns:p14="http://schemas.microsoft.com/office/powerpoint/2010/main" val="1295260627"/>
+      </p:ext>
+    </p:extLst>
+  </p:cSld>
+  <p:clrMapOvr>
+    <a:masterClrMapping/>
+  </p:clrMapOvr>
+</p:sld>
+</file>
+
 <file path=ppt/slides/slide2.xml><?xml version="1.0" encoding="utf-8"?>
 <p:sld xmlns:a="http://schemas.openxmlformats.org/drawingml/2006/main" xmlns:r="http://schemas.openxmlformats.org/officeDocument/2006/relationships" xmlns:p="http://schemas.openxmlformats.org/presentationml/2006/main">
   <p:cSld>
@@ -4227,6 +6274,6909 @@
     <p:extLst>
       <p:ext uri="{BB962C8B-B14F-4D97-AF65-F5344CB8AC3E}">
         <p14:creationId xmlns:p14="http://schemas.microsoft.com/office/powerpoint/2010/main" val="3389913956"/>
+      </p:ext>
+    </p:extLst>
+  </p:cSld>
+  <p:clrMapOvr>
+    <a:masterClrMapping/>
+  </p:clrMapOvr>
+</p:sld>
+</file>
+
+<file path=ppt/slides/slide20.xml><?xml version="1.0" encoding="utf-8"?>
+<p:sld xmlns:a="http://schemas.openxmlformats.org/drawingml/2006/main" xmlns:r="http://schemas.openxmlformats.org/officeDocument/2006/relationships" xmlns:p="http://schemas.openxmlformats.org/presentationml/2006/main">
+  <p:cSld>
+    <p:spTree>
+      <p:nvGrpSpPr>
+        <p:cNvPr id="1" name=""/>
+        <p:cNvGrpSpPr/>
+        <p:nvPr/>
+      </p:nvGrpSpPr>
+      <p:grpSpPr>
+        <a:xfrm>
+          <a:off x="0" y="0"/>
+          <a:ext cx="0" cy="0"/>
+          <a:chOff x="0" y="0"/>
+          <a:chExt cx="0" cy="0"/>
+        </a:xfrm>
+      </p:grpSpPr>
+      <p:sp>
+        <p:nvSpPr>
+          <p:cNvPr id="2" name="Заголовок 1">
+            <a:extLst>
+              <a:ext uri="{FF2B5EF4-FFF2-40B4-BE49-F238E27FC236}">
+                <a16:creationId xmlns:a16="http://schemas.microsoft.com/office/drawing/2014/main" id="{A49E8A2E-424D-E5B0-7425-AAD6A8812121}"/>
+              </a:ext>
+            </a:extLst>
+          </p:cNvPr>
+          <p:cNvSpPr>
+            <a:spLocks noGrp="1"/>
+          </p:cNvSpPr>
+          <p:nvPr>
+            <p:ph type="title"/>
+          </p:nvPr>
+        </p:nvSpPr>
+        <p:spPr/>
+        <p:txBody>
+          <a:bodyPr/>
+          <a:lstStyle/>
+          <a:p>
+            <a:r>
+              <a:rPr lang="ru-RU" dirty="0"/>
+              <a:t>Перегрузка шаблонов</a:t>
+            </a:r>
+          </a:p>
+        </p:txBody>
+      </p:sp>
+      <p:sp>
+        <p:nvSpPr>
+          <p:cNvPr id="3" name="Объект 2">
+            <a:extLst>
+              <a:ext uri="{FF2B5EF4-FFF2-40B4-BE49-F238E27FC236}">
+                <a16:creationId xmlns:a16="http://schemas.microsoft.com/office/drawing/2014/main" id="{17D22172-D5F7-552A-8056-CE38F1EDC355}"/>
+              </a:ext>
+            </a:extLst>
+          </p:cNvPr>
+          <p:cNvSpPr>
+            <a:spLocks noGrp="1"/>
+          </p:cNvSpPr>
+          <p:nvPr>
+            <p:ph idx="1"/>
+          </p:nvPr>
+        </p:nvSpPr>
+        <p:spPr/>
+        <p:txBody>
+          <a:bodyPr/>
+          <a:lstStyle/>
+          <a:p>
+            <a:pPr marL="0" indent="0">
+              <a:buNone/>
+            </a:pPr>
+            <a:r>
+              <a:rPr lang="ru-RU" dirty="0"/>
+              <a:t>	Шаблонные функции тоже можно перегружать. Пусть, например, мы хотим вычислять максимум двух векторов, но при этом сравнивать векторы сначала по размеру, а затем уже лексикографически. Стандартное сравнение векторов через оператор &gt; не будет учитывать размер.</a:t>
+            </a:r>
+          </a:p>
+        </p:txBody>
+      </p:sp>
+    </p:spTree>
+    <p:extLst>
+      <p:ext uri="{BB962C8B-B14F-4D97-AF65-F5344CB8AC3E}">
+        <p14:creationId xmlns:p14="http://schemas.microsoft.com/office/powerpoint/2010/main" val="2663193893"/>
+      </p:ext>
+    </p:extLst>
+  </p:cSld>
+  <p:clrMapOvr>
+    <a:masterClrMapping/>
+  </p:clrMapOvr>
+</p:sld>
+</file>
+
+<file path=ppt/slides/slide21.xml><?xml version="1.0" encoding="utf-8"?>
+<p:sld xmlns:a="http://schemas.openxmlformats.org/drawingml/2006/main" xmlns:r="http://schemas.openxmlformats.org/officeDocument/2006/relationships" xmlns:p="http://schemas.openxmlformats.org/presentationml/2006/main">
+  <p:cSld>
+    <p:spTree>
+      <p:nvGrpSpPr>
+        <p:cNvPr id="1" name=""/>
+        <p:cNvGrpSpPr/>
+        <p:nvPr/>
+      </p:nvGrpSpPr>
+      <p:grpSpPr>
+        <a:xfrm>
+          <a:off x="0" y="0"/>
+          <a:ext cx="0" cy="0"/>
+          <a:chOff x="0" y="0"/>
+          <a:chExt cx="0" cy="0"/>
+        </a:xfrm>
+      </p:grpSpPr>
+      <p:sp>
+        <p:nvSpPr>
+          <p:cNvPr id="2" name="Заголовок 1">
+            <a:extLst>
+              <a:ext uri="{FF2B5EF4-FFF2-40B4-BE49-F238E27FC236}">
+                <a16:creationId xmlns:a16="http://schemas.microsoft.com/office/drawing/2014/main" id="{A49E8A2E-424D-E5B0-7425-AAD6A8812121}"/>
+              </a:ext>
+            </a:extLst>
+          </p:cNvPr>
+          <p:cNvSpPr>
+            <a:spLocks noGrp="1"/>
+          </p:cNvSpPr>
+          <p:nvPr>
+            <p:ph type="title"/>
+          </p:nvPr>
+        </p:nvSpPr>
+        <p:spPr/>
+        <p:txBody>
+          <a:bodyPr/>
+          <a:lstStyle/>
+          <a:p>
+            <a:r>
+              <a:rPr lang="ru-RU" dirty="0"/>
+              <a:t>Перегрузка шаблонов</a:t>
+            </a:r>
+          </a:p>
+        </p:txBody>
+      </p:sp>
+      <p:sp>
+        <p:nvSpPr>
+          <p:cNvPr id="3" name="Объект 2">
+            <a:extLst>
+              <a:ext uri="{FF2B5EF4-FFF2-40B4-BE49-F238E27FC236}">
+                <a16:creationId xmlns:a16="http://schemas.microsoft.com/office/drawing/2014/main" id="{17D22172-D5F7-552A-8056-CE38F1EDC355}"/>
+              </a:ext>
+            </a:extLst>
+          </p:cNvPr>
+          <p:cNvSpPr>
+            <a:spLocks noGrp="1"/>
+          </p:cNvSpPr>
+          <p:nvPr>
+            <p:ph idx="1"/>
+          </p:nvPr>
+        </p:nvSpPr>
+        <p:spPr/>
+        <p:txBody>
+          <a:bodyPr/>
+          <a:lstStyle/>
+          <a:p>
+            <a:pPr marL="0" indent="0">
+              <a:buNone/>
+            </a:pPr>
+            <a:r>
+              <a:rPr lang="ru-RU" dirty="0"/>
+              <a:t>	Шаблонные функции тоже можно перегружать. Пусть, например, мы хотим вычислять максимум двух векторов, но при этом сравнивать векторы сначала по размеру, а затем уже лексикографически. Стандартное сравнение векторов через оператор &gt; не будет учитывать размер. </a:t>
+            </a:r>
+            <a:r>
+              <a:rPr lang="ru-RU" b="0" i="0" dirty="0">
+                <a:solidFill>
+                  <a:srgbClr val="354541"/>
+                </a:solidFill>
+                <a:effectLst/>
+                <a:latin typeface="YS Text"/>
+              </a:rPr>
+              <a:t>Поэтому рассмотрим отдельную перегрузку для векторов.</a:t>
+            </a:r>
+            <a:endParaRPr lang="ru-RU" dirty="0"/>
+          </a:p>
+        </p:txBody>
+      </p:sp>
+    </p:spTree>
+    <p:extLst>
+      <p:ext uri="{BB962C8B-B14F-4D97-AF65-F5344CB8AC3E}">
+        <p14:creationId xmlns:p14="http://schemas.microsoft.com/office/powerpoint/2010/main" val="4119801208"/>
+      </p:ext>
+    </p:extLst>
+  </p:cSld>
+  <p:clrMapOvr>
+    <a:masterClrMapping/>
+  </p:clrMapOvr>
+</p:sld>
+</file>
+
+<file path=ppt/slides/slide22.xml><?xml version="1.0" encoding="utf-8"?>
+<p:sld xmlns:a="http://schemas.openxmlformats.org/drawingml/2006/main" xmlns:r="http://schemas.openxmlformats.org/officeDocument/2006/relationships" xmlns:p="http://schemas.openxmlformats.org/presentationml/2006/main">
+  <p:cSld>
+    <p:bg>
+      <p:bgPr>
+        <a:solidFill>
+          <a:schemeClr val="tx1"/>
+        </a:solidFill>
+        <a:effectLst/>
+      </p:bgPr>
+    </p:bg>
+    <p:spTree>
+      <p:nvGrpSpPr>
+        <p:cNvPr id="1" name=""/>
+        <p:cNvGrpSpPr/>
+        <p:nvPr/>
+      </p:nvGrpSpPr>
+      <p:grpSpPr>
+        <a:xfrm>
+          <a:off x="0" y="0"/>
+          <a:ext cx="0" cy="0"/>
+          <a:chOff x="0" y="0"/>
+          <a:chExt cx="0" cy="0"/>
+        </a:xfrm>
+      </p:grpSpPr>
+      <p:sp>
+        <p:nvSpPr>
+          <p:cNvPr id="3" name="Объект 2">
+            <a:extLst>
+              <a:ext uri="{FF2B5EF4-FFF2-40B4-BE49-F238E27FC236}">
+                <a16:creationId xmlns:a16="http://schemas.microsoft.com/office/drawing/2014/main" id="{FB3258CE-2694-7D4C-CACF-EF95EC2D075C}"/>
+              </a:ext>
+            </a:extLst>
+          </p:cNvPr>
+          <p:cNvSpPr>
+            <a:spLocks noGrp="1"/>
+          </p:cNvSpPr>
+          <p:nvPr>
+            <p:ph idx="1"/>
+          </p:nvPr>
+        </p:nvSpPr>
+        <p:spPr>
+          <a:xfrm>
+            <a:off x="2623456" y="1157741"/>
+            <a:ext cx="6945087" cy="4542518"/>
+          </a:xfrm>
+        </p:spPr>
+        <p:txBody>
+          <a:bodyPr>
+            <a:normAutofit lnSpcReduction="10000"/>
+          </a:bodyPr>
+          <a:lstStyle/>
+          <a:p>
+            <a:pPr marL="0" indent="0">
+              <a:buNone/>
+            </a:pPr>
+            <a:r>
+              <a:rPr lang="ru-RU" b="0" dirty="0">
+                <a:solidFill>
+                  <a:srgbClr val="6A9955"/>
+                </a:solidFill>
+                <a:effectLst/>
+                <a:latin typeface="Menlo" panose="020B0609030804020204" pitchFamily="49" charset="0"/>
+              </a:rPr>
+              <a:t>// общая версия</a:t>
+            </a:r>
+            <a:endParaRPr lang="ru-RU" b="0" dirty="0">
+              <a:solidFill>
+                <a:srgbClr val="D4D4D4"/>
+              </a:solidFill>
+              <a:effectLst/>
+              <a:latin typeface="Menlo" panose="020B0609030804020204" pitchFamily="49" charset="0"/>
+            </a:endParaRPr>
+          </a:p>
+          <a:p>
+            <a:pPr marL="0" indent="0">
+              <a:buNone/>
+            </a:pPr>
+            <a:r>
+              <a:rPr lang="en" b="0" dirty="0">
+                <a:solidFill>
+                  <a:srgbClr val="569CD6"/>
+                </a:solidFill>
+                <a:effectLst/>
+                <a:latin typeface="Menlo" panose="020B0609030804020204" pitchFamily="49" charset="0"/>
+              </a:rPr>
+              <a:t>template</a:t>
+            </a:r>
+            <a:r>
+              <a:rPr lang="en" b="0" dirty="0">
+                <a:solidFill>
+                  <a:srgbClr val="D4D4D4"/>
+                </a:solidFill>
+                <a:effectLst/>
+                <a:latin typeface="Menlo" panose="020B0609030804020204" pitchFamily="49" charset="0"/>
+              </a:rPr>
+              <a:t> &lt;</a:t>
+            </a:r>
+            <a:r>
+              <a:rPr lang="en" b="0" dirty="0" err="1">
+                <a:solidFill>
+                  <a:srgbClr val="569CD6"/>
+                </a:solidFill>
+                <a:effectLst/>
+                <a:latin typeface="Menlo" panose="020B0609030804020204" pitchFamily="49" charset="0"/>
+              </a:rPr>
+              <a:t>typename</a:t>
+            </a:r>
+            <a:r>
+              <a:rPr lang="en" b="0" dirty="0">
+                <a:solidFill>
+                  <a:srgbClr val="D4D4D4"/>
+                </a:solidFill>
+                <a:effectLst/>
+                <a:latin typeface="Menlo" panose="020B0609030804020204" pitchFamily="49" charset="0"/>
+              </a:rPr>
+              <a:t> </a:t>
+            </a:r>
+            <a:r>
+              <a:rPr lang="en" b="0" dirty="0">
+                <a:solidFill>
+                  <a:srgbClr val="4EC9B0"/>
+                </a:solidFill>
+                <a:effectLst/>
+                <a:latin typeface="Menlo" panose="020B0609030804020204" pitchFamily="49" charset="0"/>
+              </a:rPr>
+              <a:t>T</a:t>
+            </a:r>
+            <a:r>
+              <a:rPr lang="en" b="0" dirty="0">
+                <a:solidFill>
+                  <a:srgbClr val="D4D4D4"/>
+                </a:solidFill>
+                <a:effectLst/>
+                <a:latin typeface="Menlo" panose="020B0609030804020204" pitchFamily="49" charset="0"/>
+              </a:rPr>
+              <a:t>&gt;</a:t>
+            </a:r>
+          </a:p>
+          <a:p>
+            <a:pPr marL="0" indent="0">
+              <a:buNone/>
+            </a:pPr>
+            <a:r>
+              <a:rPr lang="en" b="0" dirty="0">
+                <a:solidFill>
+                  <a:srgbClr val="4EC9B0"/>
+                </a:solidFill>
+                <a:effectLst/>
+                <a:latin typeface="Menlo" panose="020B0609030804020204" pitchFamily="49" charset="0"/>
+              </a:rPr>
+              <a:t>T</a:t>
+            </a:r>
+            <a:r>
+              <a:rPr lang="en" b="0" dirty="0">
+                <a:solidFill>
+                  <a:srgbClr val="D4D4D4"/>
+                </a:solidFill>
+                <a:effectLst/>
+                <a:latin typeface="Menlo" panose="020B0609030804020204" pitchFamily="49" charset="0"/>
+              </a:rPr>
+              <a:t> </a:t>
+            </a:r>
+            <a:r>
+              <a:rPr lang="en" b="0" dirty="0">
+                <a:solidFill>
+                  <a:srgbClr val="DCDCAA"/>
+                </a:solidFill>
+                <a:effectLst/>
+                <a:latin typeface="Menlo" panose="020B0609030804020204" pitchFamily="49" charset="0"/>
+              </a:rPr>
+              <a:t>Max</a:t>
+            </a:r>
+            <a:r>
+              <a:rPr lang="en" b="0" dirty="0">
+                <a:solidFill>
+                  <a:srgbClr val="D4D4D4"/>
+                </a:solidFill>
+                <a:effectLst/>
+                <a:latin typeface="Menlo" panose="020B0609030804020204" pitchFamily="49" charset="0"/>
+              </a:rPr>
+              <a:t>(</a:t>
+            </a:r>
+            <a:r>
+              <a:rPr lang="en" b="0" dirty="0">
+                <a:solidFill>
+                  <a:srgbClr val="569CD6"/>
+                </a:solidFill>
+                <a:effectLst/>
+                <a:latin typeface="Menlo" panose="020B0609030804020204" pitchFamily="49" charset="0"/>
+              </a:rPr>
+              <a:t>const</a:t>
+            </a:r>
+            <a:r>
+              <a:rPr lang="en" b="0" dirty="0">
+                <a:solidFill>
+                  <a:srgbClr val="D4D4D4"/>
+                </a:solidFill>
+                <a:effectLst/>
+                <a:latin typeface="Menlo" panose="020B0609030804020204" pitchFamily="49" charset="0"/>
+              </a:rPr>
+              <a:t> </a:t>
+            </a:r>
+            <a:r>
+              <a:rPr lang="en" b="0" dirty="0">
+                <a:solidFill>
+                  <a:srgbClr val="4EC9B0"/>
+                </a:solidFill>
+                <a:effectLst/>
+                <a:latin typeface="Menlo" panose="020B0609030804020204" pitchFamily="49" charset="0"/>
+              </a:rPr>
+              <a:t>T</a:t>
+            </a:r>
+            <a:r>
+              <a:rPr lang="en" b="0" dirty="0">
+                <a:solidFill>
+                  <a:srgbClr val="569CD6"/>
+                </a:solidFill>
+                <a:effectLst/>
+                <a:latin typeface="Menlo" panose="020B0609030804020204" pitchFamily="49" charset="0"/>
+              </a:rPr>
+              <a:t>&amp;</a:t>
+            </a:r>
+            <a:r>
+              <a:rPr lang="en" b="0" dirty="0">
+                <a:solidFill>
+                  <a:srgbClr val="D4D4D4"/>
+                </a:solidFill>
+                <a:effectLst/>
+                <a:latin typeface="Menlo" panose="020B0609030804020204" pitchFamily="49" charset="0"/>
+              </a:rPr>
+              <a:t> </a:t>
+            </a:r>
+            <a:r>
+              <a:rPr lang="en" b="0" dirty="0">
+                <a:solidFill>
+                  <a:srgbClr val="9CDCFE"/>
+                </a:solidFill>
+                <a:effectLst/>
+                <a:latin typeface="Menlo" panose="020B0609030804020204" pitchFamily="49" charset="0"/>
+              </a:rPr>
+              <a:t>x</a:t>
+            </a:r>
+            <a:r>
+              <a:rPr lang="en" b="0" dirty="0">
+                <a:solidFill>
+                  <a:srgbClr val="D4D4D4"/>
+                </a:solidFill>
+                <a:effectLst/>
+                <a:latin typeface="Menlo" panose="020B0609030804020204" pitchFamily="49" charset="0"/>
+              </a:rPr>
+              <a:t>, </a:t>
+            </a:r>
+            <a:r>
+              <a:rPr lang="en" b="0" dirty="0">
+                <a:solidFill>
+                  <a:srgbClr val="569CD6"/>
+                </a:solidFill>
+                <a:effectLst/>
+                <a:latin typeface="Menlo" panose="020B0609030804020204" pitchFamily="49" charset="0"/>
+              </a:rPr>
+              <a:t>const</a:t>
+            </a:r>
+            <a:r>
+              <a:rPr lang="en" b="0" dirty="0">
+                <a:solidFill>
+                  <a:srgbClr val="D4D4D4"/>
+                </a:solidFill>
+                <a:effectLst/>
+                <a:latin typeface="Menlo" panose="020B0609030804020204" pitchFamily="49" charset="0"/>
+              </a:rPr>
+              <a:t> </a:t>
+            </a:r>
+            <a:r>
+              <a:rPr lang="en" b="0" dirty="0">
+                <a:solidFill>
+                  <a:srgbClr val="4EC9B0"/>
+                </a:solidFill>
+                <a:effectLst/>
+                <a:latin typeface="Menlo" panose="020B0609030804020204" pitchFamily="49" charset="0"/>
+              </a:rPr>
+              <a:t>T</a:t>
+            </a:r>
+            <a:r>
+              <a:rPr lang="en" b="0" dirty="0">
+                <a:solidFill>
+                  <a:srgbClr val="569CD6"/>
+                </a:solidFill>
+                <a:effectLst/>
+                <a:latin typeface="Menlo" panose="020B0609030804020204" pitchFamily="49" charset="0"/>
+              </a:rPr>
+              <a:t>&amp;</a:t>
+            </a:r>
+            <a:r>
+              <a:rPr lang="en" b="0" dirty="0">
+                <a:solidFill>
+                  <a:srgbClr val="D4D4D4"/>
+                </a:solidFill>
+                <a:effectLst/>
+                <a:latin typeface="Menlo" panose="020B0609030804020204" pitchFamily="49" charset="0"/>
+              </a:rPr>
+              <a:t> </a:t>
+            </a:r>
+            <a:r>
+              <a:rPr lang="en" b="0" dirty="0">
+                <a:solidFill>
+                  <a:srgbClr val="9CDCFE"/>
+                </a:solidFill>
+                <a:effectLst/>
+                <a:latin typeface="Menlo" panose="020B0609030804020204" pitchFamily="49" charset="0"/>
+              </a:rPr>
+              <a:t>y</a:t>
+            </a:r>
+            <a:r>
+              <a:rPr lang="en" b="0" dirty="0">
+                <a:solidFill>
+                  <a:srgbClr val="D4D4D4"/>
+                </a:solidFill>
+                <a:effectLst/>
+                <a:latin typeface="Menlo" panose="020B0609030804020204" pitchFamily="49" charset="0"/>
+              </a:rPr>
+              <a:t>) {</a:t>
+            </a:r>
+          </a:p>
+          <a:p>
+            <a:pPr marL="0" indent="0">
+              <a:buNone/>
+            </a:pPr>
+            <a:r>
+              <a:rPr lang="en" b="0" dirty="0">
+                <a:solidFill>
+                  <a:srgbClr val="C586C0"/>
+                </a:solidFill>
+                <a:effectLst/>
+                <a:latin typeface="Menlo" panose="020B0609030804020204" pitchFamily="49" charset="0"/>
+              </a:rPr>
+              <a:t>	if</a:t>
+            </a:r>
+            <a:r>
+              <a:rPr lang="en" b="0" dirty="0">
+                <a:solidFill>
+                  <a:srgbClr val="D4D4D4"/>
+                </a:solidFill>
+                <a:effectLst/>
+                <a:latin typeface="Menlo" panose="020B0609030804020204" pitchFamily="49" charset="0"/>
+              </a:rPr>
+              <a:t> (</a:t>
+            </a:r>
+            <a:r>
+              <a:rPr lang="en" b="0" dirty="0">
+                <a:solidFill>
+                  <a:srgbClr val="9CDCFE"/>
+                </a:solidFill>
+                <a:effectLst/>
+                <a:latin typeface="Menlo" panose="020B0609030804020204" pitchFamily="49" charset="0"/>
+              </a:rPr>
+              <a:t>x</a:t>
+            </a:r>
+            <a:r>
+              <a:rPr lang="en" b="0" dirty="0">
+                <a:solidFill>
+                  <a:srgbClr val="D4D4D4"/>
+                </a:solidFill>
+                <a:effectLst/>
+                <a:latin typeface="Menlo" panose="020B0609030804020204" pitchFamily="49" charset="0"/>
+              </a:rPr>
+              <a:t> &gt; </a:t>
+            </a:r>
+            <a:r>
+              <a:rPr lang="en" b="0" dirty="0">
+                <a:solidFill>
+                  <a:srgbClr val="9CDCFE"/>
+                </a:solidFill>
+                <a:effectLst/>
+                <a:latin typeface="Menlo" panose="020B0609030804020204" pitchFamily="49" charset="0"/>
+              </a:rPr>
+              <a:t>y</a:t>
+            </a:r>
+            <a:r>
+              <a:rPr lang="en" b="0" dirty="0">
+                <a:solidFill>
+                  <a:srgbClr val="D4D4D4"/>
+                </a:solidFill>
+                <a:effectLst/>
+                <a:latin typeface="Menlo" panose="020B0609030804020204" pitchFamily="49" charset="0"/>
+              </a:rPr>
+              <a:t>) {</a:t>
+            </a:r>
+          </a:p>
+          <a:p>
+            <a:pPr marL="0" indent="0">
+              <a:buNone/>
+            </a:pPr>
+            <a:r>
+              <a:rPr lang="en" b="0" dirty="0">
+                <a:solidFill>
+                  <a:srgbClr val="C586C0"/>
+                </a:solidFill>
+                <a:effectLst/>
+                <a:latin typeface="Menlo" panose="020B0609030804020204" pitchFamily="49" charset="0"/>
+              </a:rPr>
+              <a:t>		return</a:t>
+            </a:r>
+            <a:r>
+              <a:rPr lang="en" b="0" dirty="0">
+                <a:solidFill>
+                  <a:srgbClr val="D4D4D4"/>
+                </a:solidFill>
+                <a:effectLst/>
+                <a:latin typeface="Menlo" panose="020B0609030804020204" pitchFamily="49" charset="0"/>
+              </a:rPr>
+              <a:t> </a:t>
+            </a:r>
+            <a:r>
+              <a:rPr lang="en" b="0" dirty="0">
+                <a:solidFill>
+                  <a:srgbClr val="9CDCFE"/>
+                </a:solidFill>
+                <a:effectLst/>
+                <a:latin typeface="Menlo" panose="020B0609030804020204" pitchFamily="49" charset="0"/>
+              </a:rPr>
+              <a:t>x</a:t>
+            </a:r>
+            <a:r>
+              <a:rPr lang="en" b="0" dirty="0">
+                <a:solidFill>
+                  <a:srgbClr val="D4D4D4"/>
+                </a:solidFill>
+                <a:effectLst/>
+                <a:latin typeface="Menlo" panose="020B0609030804020204" pitchFamily="49" charset="0"/>
+              </a:rPr>
+              <a:t>;</a:t>
+            </a:r>
+          </a:p>
+          <a:p>
+            <a:pPr marL="0" indent="0">
+              <a:buNone/>
+            </a:pPr>
+            <a:r>
+              <a:rPr lang="en" b="0" dirty="0">
+                <a:solidFill>
+                  <a:srgbClr val="D4D4D4"/>
+                </a:solidFill>
+                <a:effectLst/>
+                <a:latin typeface="Menlo" panose="020B0609030804020204" pitchFamily="49" charset="0"/>
+              </a:rPr>
+              <a:t>	} </a:t>
+            </a:r>
+            <a:r>
+              <a:rPr lang="en" b="0" dirty="0">
+                <a:solidFill>
+                  <a:srgbClr val="C586C0"/>
+                </a:solidFill>
+                <a:effectLst/>
+                <a:latin typeface="Menlo" panose="020B0609030804020204" pitchFamily="49" charset="0"/>
+              </a:rPr>
+              <a:t>else</a:t>
+            </a:r>
+            <a:r>
+              <a:rPr lang="en" b="0" dirty="0">
+                <a:solidFill>
+                  <a:srgbClr val="D4D4D4"/>
+                </a:solidFill>
+                <a:effectLst/>
+                <a:latin typeface="Menlo" panose="020B0609030804020204" pitchFamily="49" charset="0"/>
+              </a:rPr>
+              <a:t> {</a:t>
+            </a:r>
+          </a:p>
+          <a:p>
+            <a:pPr marL="0" indent="0">
+              <a:buNone/>
+            </a:pPr>
+            <a:r>
+              <a:rPr lang="en" b="0" dirty="0">
+                <a:solidFill>
+                  <a:srgbClr val="C586C0"/>
+                </a:solidFill>
+                <a:effectLst/>
+                <a:latin typeface="Menlo" panose="020B0609030804020204" pitchFamily="49" charset="0"/>
+              </a:rPr>
+              <a:t>		return</a:t>
+            </a:r>
+            <a:r>
+              <a:rPr lang="en" b="0" dirty="0">
+                <a:solidFill>
+                  <a:srgbClr val="D4D4D4"/>
+                </a:solidFill>
+                <a:effectLst/>
+                <a:latin typeface="Menlo" panose="020B0609030804020204" pitchFamily="49" charset="0"/>
+              </a:rPr>
+              <a:t> </a:t>
+            </a:r>
+            <a:r>
+              <a:rPr lang="en" b="0" dirty="0">
+                <a:solidFill>
+                  <a:srgbClr val="9CDCFE"/>
+                </a:solidFill>
+                <a:effectLst/>
+                <a:latin typeface="Menlo" panose="020B0609030804020204" pitchFamily="49" charset="0"/>
+              </a:rPr>
+              <a:t>y</a:t>
+            </a:r>
+            <a:r>
+              <a:rPr lang="en" b="0" dirty="0">
+                <a:solidFill>
+                  <a:srgbClr val="D4D4D4"/>
+                </a:solidFill>
+                <a:effectLst/>
+                <a:latin typeface="Menlo" panose="020B0609030804020204" pitchFamily="49" charset="0"/>
+              </a:rPr>
+              <a:t>;</a:t>
+            </a:r>
+          </a:p>
+          <a:p>
+            <a:pPr marL="0" indent="0">
+              <a:buNone/>
+            </a:pPr>
+            <a:r>
+              <a:rPr lang="en" b="0" dirty="0">
+                <a:solidFill>
+                  <a:srgbClr val="D4D4D4"/>
+                </a:solidFill>
+                <a:effectLst/>
+                <a:latin typeface="Menlo" panose="020B0609030804020204" pitchFamily="49" charset="0"/>
+              </a:rPr>
+              <a:t>	}</a:t>
+            </a:r>
+          </a:p>
+          <a:p>
+            <a:pPr marL="0" indent="0">
+              <a:buNone/>
+            </a:pPr>
+            <a:r>
+              <a:rPr lang="en" b="0" dirty="0">
+                <a:solidFill>
+                  <a:srgbClr val="D4D4D4"/>
+                </a:solidFill>
+                <a:effectLst/>
+                <a:latin typeface="Menlo" panose="020B0609030804020204" pitchFamily="49" charset="0"/>
+              </a:rPr>
+              <a:t>}</a:t>
+            </a:r>
+          </a:p>
+          <a:p>
+            <a:pPr marL="0" indent="0">
+              <a:buNone/>
+            </a:pPr>
+            <a:endParaRPr lang="ru-RU" dirty="0"/>
+          </a:p>
+        </p:txBody>
+      </p:sp>
+    </p:spTree>
+    <p:extLst>
+      <p:ext uri="{BB962C8B-B14F-4D97-AF65-F5344CB8AC3E}">
+        <p14:creationId xmlns:p14="http://schemas.microsoft.com/office/powerpoint/2010/main" val="3129295628"/>
+      </p:ext>
+    </p:extLst>
+  </p:cSld>
+  <p:clrMapOvr>
+    <a:masterClrMapping/>
+  </p:clrMapOvr>
+</p:sld>
+</file>
+
+<file path=ppt/slides/slide23.xml><?xml version="1.0" encoding="utf-8"?>
+<p:sld xmlns:a="http://schemas.openxmlformats.org/drawingml/2006/main" xmlns:r="http://schemas.openxmlformats.org/officeDocument/2006/relationships" xmlns:p="http://schemas.openxmlformats.org/presentationml/2006/main">
+  <p:cSld>
+    <p:bg>
+      <p:bgPr>
+        <a:solidFill>
+          <a:schemeClr val="tx1"/>
+        </a:solidFill>
+        <a:effectLst/>
+      </p:bgPr>
+    </p:bg>
+    <p:spTree>
+      <p:nvGrpSpPr>
+        <p:cNvPr id="1" name=""/>
+        <p:cNvGrpSpPr/>
+        <p:nvPr/>
+      </p:nvGrpSpPr>
+      <p:grpSpPr>
+        <a:xfrm>
+          <a:off x="0" y="0"/>
+          <a:ext cx="0" cy="0"/>
+          <a:chOff x="0" y="0"/>
+          <a:chExt cx="0" cy="0"/>
+        </a:xfrm>
+      </p:grpSpPr>
+      <p:sp>
+        <p:nvSpPr>
+          <p:cNvPr id="3" name="Объект 2">
+            <a:extLst>
+              <a:ext uri="{FF2B5EF4-FFF2-40B4-BE49-F238E27FC236}">
+                <a16:creationId xmlns:a16="http://schemas.microsoft.com/office/drawing/2014/main" id="{FB3258CE-2694-7D4C-CACF-EF95EC2D075C}"/>
+              </a:ext>
+            </a:extLst>
+          </p:cNvPr>
+          <p:cNvSpPr>
+            <a:spLocks noGrp="1"/>
+          </p:cNvSpPr>
+          <p:nvPr>
+            <p:ph idx="1"/>
+          </p:nvPr>
+        </p:nvSpPr>
+        <p:spPr>
+          <a:xfrm>
+            <a:off x="1758042" y="377485"/>
+            <a:ext cx="8675915" cy="6103030"/>
+          </a:xfrm>
+        </p:spPr>
+        <p:txBody>
+          <a:bodyPr>
+            <a:noAutofit/>
+          </a:bodyPr>
+          <a:lstStyle/>
+          <a:p>
+            <a:pPr marL="0" indent="0">
+              <a:buNone/>
+            </a:pPr>
+            <a:r>
+              <a:rPr lang="en" sz="2400" b="0" dirty="0">
+                <a:solidFill>
+                  <a:srgbClr val="569CD6"/>
+                </a:solidFill>
+                <a:effectLst/>
+                <a:latin typeface="Menlo" panose="020B0609030804020204" pitchFamily="49" charset="0"/>
+              </a:rPr>
+              <a:t>template</a:t>
+            </a:r>
+            <a:r>
+              <a:rPr lang="en" sz="2400" b="0" dirty="0">
+                <a:solidFill>
+                  <a:srgbClr val="D4D4D4"/>
+                </a:solidFill>
+                <a:effectLst/>
+                <a:latin typeface="Menlo" panose="020B0609030804020204" pitchFamily="49" charset="0"/>
+              </a:rPr>
+              <a:t> &lt;</a:t>
+            </a:r>
+            <a:r>
+              <a:rPr lang="en" sz="2400" b="0" dirty="0" err="1">
+                <a:solidFill>
+                  <a:srgbClr val="569CD6"/>
+                </a:solidFill>
+                <a:effectLst/>
+                <a:latin typeface="Menlo" panose="020B0609030804020204" pitchFamily="49" charset="0"/>
+              </a:rPr>
+              <a:t>typename</a:t>
+            </a:r>
+            <a:r>
+              <a:rPr lang="en" sz="2400" b="0" dirty="0">
+                <a:solidFill>
+                  <a:srgbClr val="D4D4D4"/>
+                </a:solidFill>
+                <a:effectLst/>
+                <a:latin typeface="Menlo" panose="020B0609030804020204" pitchFamily="49" charset="0"/>
+              </a:rPr>
+              <a:t> </a:t>
+            </a:r>
+            <a:r>
+              <a:rPr lang="en" sz="2400" b="0" dirty="0">
+                <a:solidFill>
+                  <a:srgbClr val="4EC9B0"/>
+                </a:solidFill>
+                <a:effectLst/>
+                <a:latin typeface="Menlo" panose="020B0609030804020204" pitchFamily="49" charset="0"/>
+              </a:rPr>
+              <a:t>T</a:t>
+            </a:r>
+            <a:r>
+              <a:rPr lang="en" sz="2400" b="0" dirty="0">
+                <a:solidFill>
+                  <a:srgbClr val="D4D4D4"/>
+                </a:solidFill>
+                <a:effectLst/>
+                <a:latin typeface="Menlo" panose="020B0609030804020204" pitchFamily="49" charset="0"/>
+              </a:rPr>
+              <a:t>&gt;</a:t>
+            </a:r>
+          </a:p>
+          <a:p>
+            <a:pPr marL="0" indent="0">
+              <a:buNone/>
+            </a:pPr>
+            <a:r>
+              <a:rPr lang="en" sz="2400" b="0" dirty="0">
+                <a:solidFill>
+                  <a:srgbClr val="569CD6"/>
+                </a:solidFill>
+                <a:effectLst/>
+                <a:latin typeface="Menlo" panose="020B0609030804020204" pitchFamily="49" charset="0"/>
+              </a:rPr>
+              <a:t>const</a:t>
+            </a:r>
+            <a:r>
+              <a:rPr lang="en" sz="2400" b="0" dirty="0">
+                <a:solidFill>
+                  <a:srgbClr val="D4D4D4"/>
+                </a:solidFill>
+                <a:effectLst/>
+                <a:latin typeface="Menlo" panose="020B0609030804020204" pitchFamily="49" charset="0"/>
+              </a:rPr>
+              <a:t> </a:t>
+            </a:r>
+            <a:r>
+              <a:rPr lang="en" sz="2400" b="0" dirty="0">
+                <a:solidFill>
+                  <a:srgbClr val="4EC9B0"/>
+                </a:solidFill>
+                <a:effectLst/>
+                <a:latin typeface="Menlo" panose="020B0609030804020204" pitchFamily="49" charset="0"/>
+              </a:rPr>
+              <a:t>std</a:t>
+            </a:r>
+            <a:r>
+              <a:rPr lang="en" sz="2400" b="0" dirty="0">
+                <a:solidFill>
+                  <a:srgbClr val="D4D4D4"/>
+                </a:solidFill>
+                <a:effectLst/>
+                <a:latin typeface="Menlo" panose="020B0609030804020204" pitchFamily="49" charset="0"/>
+              </a:rPr>
+              <a:t>::</a:t>
+            </a:r>
+            <a:r>
+              <a:rPr lang="en" sz="2400" b="0" dirty="0">
+                <a:solidFill>
+                  <a:srgbClr val="4EC9B0"/>
+                </a:solidFill>
+                <a:effectLst/>
+                <a:latin typeface="Menlo" panose="020B0609030804020204" pitchFamily="49" charset="0"/>
+              </a:rPr>
+              <a:t>vector</a:t>
+            </a:r>
+            <a:r>
+              <a:rPr lang="en" sz="2400" b="0" dirty="0">
+                <a:solidFill>
+                  <a:srgbClr val="D4D4D4"/>
+                </a:solidFill>
+                <a:effectLst/>
+                <a:latin typeface="Menlo" panose="020B0609030804020204" pitchFamily="49" charset="0"/>
+              </a:rPr>
+              <a:t>&lt;</a:t>
+            </a:r>
+            <a:r>
+              <a:rPr lang="en" sz="2400" b="0" dirty="0">
+                <a:solidFill>
+                  <a:srgbClr val="4EC9B0"/>
+                </a:solidFill>
+                <a:effectLst/>
+                <a:latin typeface="Menlo" panose="020B0609030804020204" pitchFamily="49" charset="0"/>
+              </a:rPr>
+              <a:t>T</a:t>
+            </a:r>
+            <a:r>
+              <a:rPr lang="en" sz="2400" b="0" dirty="0">
+                <a:solidFill>
+                  <a:srgbClr val="D4D4D4"/>
+                </a:solidFill>
+                <a:effectLst/>
+                <a:latin typeface="Menlo" panose="020B0609030804020204" pitchFamily="49" charset="0"/>
+              </a:rPr>
+              <a:t>&gt;</a:t>
+            </a:r>
+            <a:r>
+              <a:rPr lang="en" sz="2400" b="0" dirty="0">
+                <a:solidFill>
+                  <a:srgbClr val="569CD6"/>
+                </a:solidFill>
+                <a:effectLst/>
+                <a:latin typeface="Menlo" panose="020B0609030804020204" pitchFamily="49" charset="0"/>
+              </a:rPr>
+              <a:t>&amp;</a:t>
+            </a:r>
+            <a:r>
+              <a:rPr lang="en" sz="2400" b="0" dirty="0">
+                <a:solidFill>
+                  <a:srgbClr val="D4D4D4"/>
+                </a:solidFill>
+                <a:effectLst/>
+                <a:latin typeface="Menlo" panose="020B0609030804020204" pitchFamily="49" charset="0"/>
+              </a:rPr>
+              <a:t> </a:t>
+            </a:r>
+            <a:r>
+              <a:rPr lang="en" sz="2400" b="0" dirty="0">
+                <a:solidFill>
+                  <a:srgbClr val="DCDCAA"/>
+                </a:solidFill>
+                <a:effectLst/>
+                <a:latin typeface="Menlo" panose="020B0609030804020204" pitchFamily="49" charset="0"/>
+              </a:rPr>
+              <a:t>Max</a:t>
+            </a:r>
+            <a:r>
+              <a:rPr lang="en" sz="2400" b="0" dirty="0">
+                <a:solidFill>
+                  <a:srgbClr val="D4D4D4"/>
+                </a:solidFill>
+                <a:effectLst/>
+                <a:latin typeface="Menlo" panose="020B0609030804020204" pitchFamily="49" charset="0"/>
+              </a:rPr>
+              <a:t>(</a:t>
+            </a:r>
+            <a:r>
+              <a:rPr lang="en" sz="2400" b="0" dirty="0">
+                <a:solidFill>
+                  <a:srgbClr val="569CD6"/>
+                </a:solidFill>
+                <a:effectLst/>
+                <a:latin typeface="Menlo" panose="020B0609030804020204" pitchFamily="49" charset="0"/>
+              </a:rPr>
+              <a:t>const</a:t>
+            </a:r>
+            <a:r>
+              <a:rPr lang="en" sz="2400" b="0" dirty="0">
+                <a:solidFill>
+                  <a:srgbClr val="D4D4D4"/>
+                </a:solidFill>
+                <a:effectLst/>
+                <a:latin typeface="Menlo" panose="020B0609030804020204" pitchFamily="49" charset="0"/>
+              </a:rPr>
+              <a:t> </a:t>
+            </a:r>
+            <a:r>
+              <a:rPr lang="en" sz="2400" b="0" dirty="0">
+                <a:solidFill>
+                  <a:srgbClr val="4EC9B0"/>
+                </a:solidFill>
+                <a:effectLst/>
+                <a:latin typeface="Menlo" panose="020B0609030804020204" pitchFamily="49" charset="0"/>
+              </a:rPr>
+              <a:t>std</a:t>
+            </a:r>
+            <a:r>
+              <a:rPr lang="en" sz="2400" b="0" dirty="0">
+                <a:solidFill>
+                  <a:srgbClr val="D4D4D4"/>
+                </a:solidFill>
+                <a:effectLst/>
+                <a:latin typeface="Menlo" panose="020B0609030804020204" pitchFamily="49" charset="0"/>
+              </a:rPr>
+              <a:t>::</a:t>
+            </a:r>
+            <a:r>
+              <a:rPr lang="en" sz="2400" b="0" dirty="0">
+                <a:solidFill>
+                  <a:srgbClr val="4EC9B0"/>
+                </a:solidFill>
+                <a:effectLst/>
+                <a:latin typeface="Menlo" panose="020B0609030804020204" pitchFamily="49" charset="0"/>
+              </a:rPr>
+              <a:t>vector</a:t>
+            </a:r>
+            <a:r>
+              <a:rPr lang="en" sz="2400" b="0" dirty="0">
+                <a:solidFill>
+                  <a:srgbClr val="D4D4D4"/>
+                </a:solidFill>
+                <a:effectLst/>
+                <a:latin typeface="Menlo" panose="020B0609030804020204" pitchFamily="49" charset="0"/>
+              </a:rPr>
+              <a:t>&lt;</a:t>
+            </a:r>
+            <a:r>
+              <a:rPr lang="en" sz="2400" b="0" dirty="0">
+                <a:solidFill>
+                  <a:srgbClr val="4EC9B0"/>
+                </a:solidFill>
+                <a:effectLst/>
+                <a:latin typeface="Menlo" panose="020B0609030804020204" pitchFamily="49" charset="0"/>
+              </a:rPr>
+              <a:t>T</a:t>
+            </a:r>
+            <a:r>
+              <a:rPr lang="en" sz="2400" b="0" dirty="0">
+                <a:solidFill>
+                  <a:srgbClr val="D4D4D4"/>
+                </a:solidFill>
+                <a:effectLst/>
+                <a:latin typeface="Menlo" panose="020B0609030804020204" pitchFamily="49" charset="0"/>
+              </a:rPr>
+              <a:t>&gt;</a:t>
+            </a:r>
+            <a:r>
+              <a:rPr lang="en" sz="2400" b="0" dirty="0">
+                <a:solidFill>
+                  <a:srgbClr val="569CD6"/>
+                </a:solidFill>
+                <a:effectLst/>
+                <a:latin typeface="Menlo" panose="020B0609030804020204" pitchFamily="49" charset="0"/>
+              </a:rPr>
+              <a:t>&amp;</a:t>
+            </a:r>
+            <a:r>
+              <a:rPr lang="en" sz="2400" b="0" dirty="0">
+                <a:solidFill>
+                  <a:srgbClr val="D4D4D4"/>
+                </a:solidFill>
+                <a:effectLst/>
+                <a:latin typeface="Menlo" panose="020B0609030804020204" pitchFamily="49" charset="0"/>
+              </a:rPr>
+              <a:t> </a:t>
+            </a:r>
+            <a:r>
+              <a:rPr lang="en" sz="2400" b="0" dirty="0">
+                <a:solidFill>
+                  <a:srgbClr val="9CDCFE"/>
+                </a:solidFill>
+                <a:effectLst/>
+                <a:latin typeface="Menlo" panose="020B0609030804020204" pitchFamily="49" charset="0"/>
+              </a:rPr>
+              <a:t>v1</a:t>
+            </a:r>
+            <a:r>
+              <a:rPr lang="en" sz="2400" b="0" dirty="0">
+                <a:solidFill>
+                  <a:srgbClr val="D4D4D4"/>
+                </a:solidFill>
+                <a:effectLst/>
+                <a:latin typeface="Menlo" panose="020B0609030804020204" pitchFamily="49" charset="0"/>
+              </a:rPr>
+              <a:t>, </a:t>
+            </a:r>
+            <a:r>
+              <a:rPr lang="en" sz="2400" b="0" dirty="0">
+                <a:solidFill>
+                  <a:srgbClr val="569CD6"/>
+                </a:solidFill>
+                <a:effectLst/>
+                <a:latin typeface="Menlo" panose="020B0609030804020204" pitchFamily="49" charset="0"/>
+              </a:rPr>
+              <a:t>const</a:t>
+            </a:r>
+            <a:r>
+              <a:rPr lang="en" sz="2400" b="0" dirty="0">
+                <a:solidFill>
+                  <a:srgbClr val="D4D4D4"/>
+                </a:solidFill>
+                <a:effectLst/>
+                <a:latin typeface="Menlo" panose="020B0609030804020204" pitchFamily="49" charset="0"/>
+              </a:rPr>
+              <a:t> </a:t>
+            </a:r>
+            <a:r>
+              <a:rPr lang="en" sz="2400" b="0" dirty="0">
+                <a:solidFill>
+                  <a:srgbClr val="4EC9B0"/>
+                </a:solidFill>
+                <a:effectLst/>
+                <a:latin typeface="Menlo" panose="020B0609030804020204" pitchFamily="49" charset="0"/>
+              </a:rPr>
+              <a:t>std</a:t>
+            </a:r>
+            <a:r>
+              <a:rPr lang="en" sz="2400" b="0" dirty="0">
+                <a:solidFill>
+                  <a:srgbClr val="D4D4D4"/>
+                </a:solidFill>
+                <a:effectLst/>
+                <a:latin typeface="Menlo" panose="020B0609030804020204" pitchFamily="49" charset="0"/>
+              </a:rPr>
+              <a:t>::</a:t>
+            </a:r>
+            <a:r>
+              <a:rPr lang="en" sz="2400" b="0" dirty="0">
+                <a:solidFill>
+                  <a:srgbClr val="4EC9B0"/>
+                </a:solidFill>
+                <a:effectLst/>
+                <a:latin typeface="Menlo" panose="020B0609030804020204" pitchFamily="49" charset="0"/>
+              </a:rPr>
+              <a:t>vector</a:t>
+            </a:r>
+            <a:r>
+              <a:rPr lang="en" sz="2400" b="0" dirty="0">
+                <a:solidFill>
+                  <a:srgbClr val="D4D4D4"/>
+                </a:solidFill>
+                <a:effectLst/>
+                <a:latin typeface="Menlo" panose="020B0609030804020204" pitchFamily="49" charset="0"/>
+              </a:rPr>
+              <a:t>&lt;</a:t>
+            </a:r>
+            <a:r>
+              <a:rPr lang="en" sz="2400" b="0" dirty="0">
+                <a:solidFill>
+                  <a:srgbClr val="4EC9B0"/>
+                </a:solidFill>
+                <a:effectLst/>
+                <a:latin typeface="Menlo" panose="020B0609030804020204" pitchFamily="49" charset="0"/>
+              </a:rPr>
+              <a:t>T</a:t>
+            </a:r>
+            <a:r>
+              <a:rPr lang="en" sz="2400" b="0" dirty="0">
+                <a:solidFill>
+                  <a:srgbClr val="D4D4D4"/>
+                </a:solidFill>
+                <a:effectLst/>
+                <a:latin typeface="Menlo" panose="020B0609030804020204" pitchFamily="49" charset="0"/>
+              </a:rPr>
+              <a:t>&gt;</a:t>
+            </a:r>
+            <a:r>
+              <a:rPr lang="en" sz="2400" b="0" dirty="0">
+                <a:solidFill>
+                  <a:srgbClr val="569CD6"/>
+                </a:solidFill>
+                <a:effectLst/>
+                <a:latin typeface="Menlo" panose="020B0609030804020204" pitchFamily="49" charset="0"/>
+              </a:rPr>
+              <a:t>&amp;</a:t>
+            </a:r>
+            <a:r>
+              <a:rPr lang="en" sz="2400" b="0" dirty="0">
+                <a:solidFill>
+                  <a:srgbClr val="D4D4D4"/>
+                </a:solidFill>
+                <a:effectLst/>
+                <a:latin typeface="Menlo" panose="020B0609030804020204" pitchFamily="49" charset="0"/>
+              </a:rPr>
+              <a:t> </a:t>
+            </a:r>
+            <a:r>
+              <a:rPr lang="en" sz="2400" b="0" dirty="0">
+                <a:solidFill>
+                  <a:srgbClr val="9CDCFE"/>
+                </a:solidFill>
+                <a:effectLst/>
+                <a:latin typeface="Menlo" panose="020B0609030804020204" pitchFamily="49" charset="0"/>
+              </a:rPr>
+              <a:t>v2</a:t>
+            </a:r>
+            <a:r>
+              <a:rPr lang="en" sz="2400" b="0" dirty="0">
+                <a:solidFill>
+                  <a:srgbClr val="D4D4D4"/>
+                </a:solidFill>
+                <a:effectLst/>
+                <a:latin typeface="Menlo" panose="020B0609030804020204" pitchFamily="49" charset="0"/>
+              </a:rPr>
+              <a:t>) {</a:t>
+            </a:r>
+          </a:p>
+          <a:p>
+            <a:pPr marL="0" indent="0">
+              <a:buNone/>
+            </a:pPr>
+            <a:r>
+              <a:rPr lang="en" sz="2400" b="0" dirty="0">
+                <a:solidFill>
+                  <a:srgbClr val="C586C0"/>
+                </a:solidFill>
+                <a:effectLst/>
+                <a:latin typeface="Menlo" panose="020B0609030804020204" pitchFamily="49" charset="0"/>
+              </a:rPr>
+              <a:t>	if</a:t>
+            </a:r>
+            <a:r>
+              <a:rPr lang="en" sz="2400" b="0" dirty="0">
+                <a:solidFill>
+                  <a:srgbClr val="D4D4D4"/>
+                </a:solidFill>
+                <a:effectLst/>
+                <a:latin typeface="Menlo" panose="020B0609030804020204" pitchFamily="49" charset="0"/>
+              </a:rPr>
+              <a:t> (</a:t>
+            </a:r>
+            <a:r>
+              <a:rPr lang="en" sz="2400" b="0" dirty="0">
+                <a:solidFill>
+                  <a:srgbClr val="9CDCFE"/>
+                </a:solidFill>
+                <a:effectLst/>
+                <a:latin typeface="Menlo" panose="020B0609030804020204" pitchFamily="49" charset="0"/>
+              </a:rPr>
+              <a:t>v1</a:t>
+            </a:r>
+            <a:r>
+              <a:rPr lang="en" sz="2400" b="0" dirty="0">
+                <a:solidFill>
+                  <a:srgbClr val="D4D4D4"/>
+                </a:solidFill>
+                <a:effectLst/>
+                <a:latin typeface="Menlo" panose="020B0609030804020204" pitchFamily="49" charset="0"/>
+              </a:rPr>
+              <a:t>.</a:t>
+            </a:r>
+            <a:r>
+              <a:rPr lang="en" sz="2400" b="0" dirty="0">
+                <a:solidFill>
+                  <a:srgbClr val="DCDCAA"/>
+                </a:solidFill>
+                <a:effectLst/>
+                <a:latin typeface="Menlo" panose="020B0609030804020204" pitchFamily="49" charset="0"/>
+              </a:rPr>
+              <a:t>size</a:t>
+            </a:r>
+            <a:r>
+              <a:rPr lang="en" sz="2400" b="0" dirty="0">
+                <a:solidFill>
+                  <a:srgbClr val="D4D4D4"/>
+                </a:solidFill>
+                <a:effectLst/>
+                <a:latin typeface="Menlo" panose="020B0609030804020204" pitchFamily="49" charset="0"/>
+              </a:rPr>
+              <a:t>() &gt; </a:t>
+            </a:r>
+            <a:r>
+              <a:rPr lang="en" sz="2400" b="0" dirty="0">
+                <a:solidFill>
+                  <a:srgbClr val="9CDCFE"/>
+                </a:solidFill>
+                <a:effectLst/>
+                <a:latin typeface="Menlo" panose="020B0609030804020204" pitchFamily="49" charset="0"/>
+              </a:rPr>
+              <a:t>v2</a:t>
+            </a:r>
+            <a:r>
+              <a:rPr lang="en" sz="2400" b="0" dirty="0">
+                <a:solidFill>
+                  <a:srgbClr val="D4D4D4"/>
+                </a:solidFill>
+                <a:effectLst/>
+                <a:latin typeface="Menlo" panose="020B0609030804020204" pitchFamily="49" charset="0"/>
+              </a:rPr>
+              <a:t>.</a:t>
+            </a:r>
+            <a:r>
+              <a:rPr lang="en" sz="2400" b="0" dirty="0">
+                <a:solidFill>
+                  <a:srgbClr val="DCDCAA"/>
+                </a:solidFill>
+                <a:effectLst/>
+                <a:latin typeface="Menlo" panose="020B0609030804020204" pitchFamily="49" charset="0"/>
+              </a:rPr>
+              <a:t>size</a:t>
+            </a:r>
+            <a:r>
+              <a:rPr lang="en" sz="2400" b="0" dirty="0">
+                <a:solidFill>
+                  <a:srgbClr val="D4D4D4"/>
+                </a:solidFill>
+                <a:effectLst/>
+                <a:latin typeface="Menlo" panose="020B0609030804020204" pitchFamily="49" charset="0"/>
+              </a:rPr>
+              <a:t>()) {</a:t>
+            </a:r>
+          </a:p>
+          <a:p>
+            <a:pPr marL="0" indent="0">
+              <a:buNone/>
+            </a:pPr>
+            <a:r>
+              <a:rPr lang="en" sz="2400" b="0" dirty="0">
+                <a:solidFill>
+                  <a:srgbClr val="C586C0"/>
+                </a:solidFill>
+                <a:effectLst/>
+                <a:latin typeface="Menlo" panose="020B0609030804020204" pitchFamily="49" charset="0"/>
+              </a:rPr>
+              <a:t>		return</a:t>
+            </a:r>
+            <a:r>
+              <a:rPr lang="en" sz="2400" b="0" dirty="0">
+                <a:solidFill>
+                  <a:srgbClr val="D4D4D4"/>
+                </a:solidFill>
+                <a:effectLst/>
+                <a:latin typeface="Menlo" panose="020B0609030804020204" pitchFamily="49" charset="0"/>
+              </a:rPr>
+              <a:t> </a:t>
+            </a:r>
+            <a:r>
+              <a:rPr lang="en" sz="2400" b="0" dirty="0">
+                <a:solidFill>
+                  <a:srgbClr val="9CDCFE"/>
+                </a:solidFill>
+                <a:effectLst/>
+                <a:latin typeface="Menlo" panose="020B0609030804020204" pitchFamily="49" charset="0"/>
+              </a:rPr>
+              <a:t>v1</a:t>
+            </a:r>
+            <a:r>
+              <a:rPr lang="en" sz="2400" b="0" dirty="0">
+                <a:solidFill>
+                  <a:srgbClr val="D4D4D4"/>
+                </a:solidFill>
+                <a:effectLst/>
+                <a:latin typeface="Menlo" panose="020B0609030804020204" pitchFamily="49" charset="0"/>
+              </a:rPr>
+              <a:t>;</a:t>
+            </a:r>
+          </a:p>
+          <a:p>
+            <a:pPr marL="0" indent="0">
+              <a:buNone/>
+            </a:pPr>
+            <a:r>
+              <a:rPr lang="en" sz="2400" b="0" dirty="0">
+                <a:solidFill>
+                  <a:srgbClr val="D4D4D4"/>
+                </a:solidFill>
+                <a:effectLst/>
+                <a:latin typeface="Menlo" panose="020B0609030804020204" pitchFamily="49" charset="0"/>
+              </a:rPr>
+              <a:t>	} </a:t>
+            </a:r>
+            <a:r>
+              <a:rPr lang="en" sz="2400" b="0" dirty="0">
+                <a:solidFill>
+                  <a:srgbClr val="C586C0"/>
+                </a:solidFill>
+                <a:effectLst/>
+                <a:latin typeface="Menlo" panose="020B0609030804020204" pitchFamily="49" charset="0"/>
+              </a:rPr>
+              <a:t>else</a:t>
+            </a:r>
+            <a:r>
+              <a:rPr lang="en" sz="2400" b="0" dirty="0">
+                <a:solidFill>
+                  <a:srgbClr val="D4D4D4"/>
+                </a:solidFill>
+                <a:effectLst/>
+                <a:latin typeface="Menlo" panose="020B0609030804020204" pitchFamily="49" charset="0"/>
+              </a:rPr>
+              <a:t> </a:t>
+            </a:r>
+            <a:r>
+              <a:rPr lang="en" sz="2400" b="0" dirty="0">
+                <a:solidFill>
+                  <a:srgbClr val="C586C0"/>
+                </a:solidFill>
+                <a:effectLst/>
+                <a:latin typeface="Menlo" panose="020B0609030804020204" pitchFamily="49" charset="0"/>
+              </a:rPr>
+              <a:t>if</a:t>
+            </a:r>
+            <a:r>
+              <a:rPr lang="en" sz="2400" b="0" dirty="0">
+                <a:solidFill>
+                  <a:srgbClr val="D4D4D4"/>
+                </a:solidFill>
+                <a:effectLst/>
+                <a:latin typeface="Menlo" panose="020B0609030804020204" pitchFamily="49" charset="0"/>
+              </a:rPr>
+              <a:t> (</a:t>
+            </a:r>
+            <a:r>
+              <a:rPr lang="en" sz="2400" b="0" dirty="0">
+                <a:solidFill>
+                  <a:srgbClr val="9CDCFE"/>
+                </a:solidFill>
+                <a:effectLst/>
+                <a:latin typeface="Menlo" panose="020B0609030804020204" pitchFamily="49" charset="0"/>
+              </a:rPr>
+              <a:t>v1</a:t>
+            </a:r>
+            <a:r>
+              <a:rPr lang="en" sz="2400" b="0" dirty="0">
+                <a:solidFill>
+                  <a:srgbClr val="D4D4D4"/>
+                </a:solidFill>
+                <a:effectLst/>
+                <a:latin typeface="Menlo" panose="020B0609030804020204" pitchFamily="49" charset="0"/>
+              </a:rPr>
+              <a:t>.</a:t>
+            </a:r>
+            <a:r>
+              <a:rPr lang="en" sz="2400" b="0" dirty="0">
+                <a:solidFill>
+                  <a:srgbClr val="DCDCAA"/>
+                </a:solidFill>
+                <a:effectLst/>
+                <a:latin typeface="Menlo" panose="020B0609030804020204" pitchFamily="49" charset="0"/>
+              </a:rPr>
+              <a:t>size</a:t>
+            </a:r>
+            <a:r>
+              <a:rPr lang="en" sz="2400" b="0" dirty="0">
+                <a:solidFill>
+                  <a:srgbClr val="D4D4D4"/>
+                </a:solidFill>
+                <a:effectLst/>
+                <a:latin typeface="Menlo" panose="020B0609030804020204" pitchFamily="49" charset="0"/>
+              </a:rPr>
+              <a:t>() &lt; </a:t>
+            </a:r>
+            <a:r>
+              <a:rPr lang="en" sz="2400" b="0" dirty="0">
+                <a:solidFill>
+                  <a:srgbClr val="9CDCFE"/>
+                </a:solidFill>
+                <a:effectLst/>
+                <a:latin typeface="Menlo" panose="020B0609030804020204" pitchFamily="49" charset="0"/>
+              </a:rPr>
+              <a:t>v2</a:t>
+            </a:r>
+            <a:r>
+              <a:rPr lang="en" sz="2400" b="0" dirty="0">
+                <a:solidFill>
+                  <a:srgbClr val="D4D4D4"/>
+                </a:solidFill>
+                <a:effectLst/>
+                <a:latin typeface="Menlo" panose="020B0609030804020204" pitchFamily="49" charset="0"/>
+              </a:rPr>
+              <a:t>.</a:t>
+            </a:r>
+            <a:r>
+              <a:rPr lang="en" sz="2400" b="0" dirty="0">
+                <a:solidFill>
+                  <a:srgbClr val="DCDCAA"/>
+                </a:solidFill>
+                <a:effectLst/>
+                <a:latin typeface="Menlo" panose="020B0609030804020204" pitchFamily="49" charset="0"/>
+              </a:rPr>
+              <a:t>size</a:t>
+            </a:r>
+            <a:r>
+              <a:rPr lang="en" sz="2400" b="0" dirty="0">
+                <a:solidFill>
+                  <a:srgbClr val="D4D4D4"/>
+                </a:solidFill>
+                <a:effectLst/>
+                <a:latin typeface="Menlo" panose="020B0609030804020204" pitchFamily="49" charset="0"/>
+              </a:rPr>
+              <a:t>()) {</a:t>
+            </a:r>
+          </a:p>
+          <a:p>
+            <a:pPr marL="0" indent="0">
+              <a:buNone/>
+            </a:pPr>
+            <a:r>
+              <a:rPr lang="en" sz="2400" b="0" dirty="0">
+                <a:solidFill>
+                  <a:srgbClr val="C586C0"/>
+                </a:solidFill>
+                <a:effectLst/>
+                <a:latin typeface="Menlo" panose="020B0609030804020204" pitchFamily="49" charset="0"/>
+              </a:rPr>
+              <a:t>		return</a:t>
+            </a:r>
+            <a:r>
+              <a:rPr lang="en" sz="2400" b="0" dirty="0">
+                <a:solidFill>
+                  <a:srgbClr val="D4D4D4"/>
+                </a:solidFill>
+                <a:effectLst/>
+                <a:latin typeface="Menlo" panose="020B0609030804020204" pitchFamily="49" charset="0"/>
+              </a:rPr>
+              <a:t> </a:t>
+            </a:r>
+            <a:r>
+              <a:rPr lang="en" sz="2400" b="0" dirty="0">
+                <a:solidFill>
+                  <a:srgbClr val="9CDCFE"/>
+                </a:solidFill>
+                <a:effectLst/>
+                <a:latin typeface="Menlo" panose="020B0609030804020204" pitchFamily="49" charset="0"/>
+              </a:rPr>
+              <a:t>v2</a:t>
+            </a:r>
+            <a:r>
+              <a:rPr lang="en" sz="2400" b="0" dirty="0">
+                <a:solidFill>
+                  <a:srgbClr val="D4D4D4"/>
+                </a:solidFill>
+                <a:effectLst/>
+                <a:latin typeface="Menlo" panose="020B0609030804020204" pitchFamily="49" charset="0"/>
+              </a:rPr>
+              <a:t>;</a:t>
+            </a:r>
+          </a:p>
+          <a:p>
+            <a:pPr marL="0" indent="0">
+              <a:buNone/>
+            </a:pPr>
+            <a:r>
+              <a:rPr lang="en" sz="2400" b="0" dirty="0">
+                <a:solidFill>
+                  <a:srgbClr val="D4D4D4"/>
+                </a:solidFill>
+                <a:effectLst/>
+                <a:latin typeface="Menlo" panose="020B0609030804020204" pitchFamily="49" charset="0"/>
+              </a:rPr>
+              <a:t>	} </a:t>
+            </a:r>
+            <a:r>
+              <a:rPr lang="en" sz="2400" b="0" dirty="0">
+                <a:solidFill>
+                  <a:srgbClr val="C586C0"/>
+                </a:solidFill>
+                <a:effectLst/>
+                <a:latin typeface="Menlo" panose="020B0609030804020204" pitchFamily="49" charset="0"/>
+              </a:rPr>
+              <a:t>else</a:t>
+            </a:r>
+            <a:r>
+              <a:rPr lang="en" sz="2400" b="0" dirty="0">
+                <a:solidFill>
+                  <a:srgbClr val="D4D4D4"/>
+                </a:solidFill>
+                <a:effectLst/>
+                <a:latin typeface="Menlo" panose="020B0609030804020204" pitchFamily="49" charset="0"/>
+              </a:rPr>
+              <a:t> </a:t>
+            </a:r>
+            <a:r>
+              <a:rPr lang="en" sz="2400" b="0" dirty="0">
+                <a:solidFill>
+                  <a:srgbClr val="C586C0"/>
+                </a:solidFill>
+                <a:effectLst/>
+                <a:latin typeface="Menlo" panose="020B0609030804020204" pitchFamily="49" charset="0"/>
+              </a:rPr>
+              <a:t>if</a:t>
+            </a:r>
+            <a:r>
+              <a:rPr lang="en" sz="2400" b="0" dirty="0">
+                <a:solidFill>
+                  <a:srgbClr val="D4D4D4"/>
+                </a:solidFill>
+                <a:effectLst/>
+                <a:latin typeface="Menlo" panose="020B0609030804020204" pitchFamily="49" charset="0"/>
+              </a:rPr>
+              <a:t> (</a:t>
+            </a:r>
+            <a:r>
+              <a:rPr lang="en" sz="2400" b="0" dirty="0">
+                <a:solidFill>
+                  <a:srgbClr val="9CDCFE"/>
+                </a:solidFill>
+                <a:effectLst/>
+                <a:latin typeface="Menlo" panose="020B0609030804020204" pitchFamily="49" charset="0"/>
+              </a:rPr>
+              <a:t>v1</a:t>
+            </a:r>
+            <a:r>
+              <a:rPr lang="en" sz="2400" b="0" dirty="0">
+                <a:solidFill>
+                  <a:srgbClr val="D4D4D4"/>
+                </a:solidFill>
+                <a:effectLst/>
+                <a:latin typeface="Menlo" panose="020B0609030804020204" pitchFamily="49" charset="0"/>
+              </a:rPr>
+              <a:t> &gt; </a:t>
+            </a:r>
+            <a:r>
+              <a:rPr lang="en" sz="2400" b="0" dirty="0">
+                <a:solidFill>
+                  <a:srgbClr val="9CDCFE"/>
+                </a:solidFill>
+                <a:effectLst/>
+                <a:latin typeface="Menlo" panose="020B0609030804020204" pitchFamily="49" charset="0"/>
+              </a:rPr>
+              <a:t>v2</a:t>
+            </a:r>
+            <a:r>
+              <a:rPr lang="en" sz="2400" b="0" dirty="0">
+                <a:solidFill>
+                  <a:srgbClr val="D4D4D4"/>
+                </a:solidFill>
+                <a:effectLst/>
+                <a:latin typeface="Menlo" panose="020B0609030804020204" pitchFamily="49" charset="0"/>
+              </a:rPr>
+              <a:t>) {</a:t>
+            </a:r>
+          </a:p>
+          <a:p>
+            <a:pPr marL="0" indent="0">
+              <a:buNone/>
+            </a:pPr>
+            <a:r>
+              <a:rPr lang="en" sz="2400" b="0" dirty="0">
+                <a:solidFill>
+                  <a:srgbClr val="C586C0"/>
+                </a:solidFill>
+                <a:effectLst/>
+                <a:latin typeface="Menlo" panose="020B0609030804020204" pitchFamily="49" charset="0"/>
+              </a:rPr>
+              <a:t>		return</a:t>
+            </a:r>
+            <a:r>
+              <a:rPr lang="en" sz="2400" b="0" dirty="0">
+                <a:solidFill>
+                  <a:srgbClr val="D4D4D4"/>
+                </a:solidFill>
+                <a:effectLst/>
+                <a:latin typeface="Menlo" panose="020B0609030804020204" pitchFamily="49" charset="0"/>
+              </a:rPr>
+              <a:t> </a:t>
+            </a:r>
+            <a:r>
+              <a:rPr lang="en" sz="2400" b="0" dirty="0">
+                <a:solidFill>
+                  <a:srgbClr val="9CDCFE"/>
+                </a:solidFill>
+                <a:effectLst/>
+                <a:latin typeface="Menlo" panose="020B0609030804020204" pitchFamily="49" charset="0"/>
+              </a:rPr>
+              <a:t>v1</a:t>
+            </a:r>
+            <a:r>
+              <a:rPr lang="en" sz="2400" b="0" dirty="0">
+                <a:solidFill>
+                  <a:srgbClr val="D4D4D4"/>
+                </a:solidFill>
+                <a:effectLst/>
+                <a:latin typeface="Menlo" panose="020B0609030804020204" pitchFamily="49" charset="0"/>
+              </a:rPr>
+              <a:t>;</a:t>
+            </a:r>
+          </a:p>
+          <a:p>
+            <a:pPr marL="0" indent="0">
+              <a:buNone/>
+            </a:pPr>
+            <a:r>
+              <a:rPr lang="en" sz="2400" b="0" dirty="0">
+                <a:solidFill>
+                  <a:srgbClr val="D4D4D4"/>
+                </a:solidFill>
+                <a:effectLst/>
+                <a:latin typeface="Menlo" panose="020B0609030804020204" pitchFamily="49" charset="0"/>
+              </a:rPr>
+              <a:t>	} </a:t>
+            </a:r>
+            <a:r>
+              <a:rPr lang="en" sz="2400" b="0" dirty="0">
+                <a:solidFill>
+                  <a:srgbClr val="C586C0"/>
+                </a:solidFill>
+                <a:effectLst/>
+                <a:latin typeface="Menlo" panose="020B0609030804020204" pitchFamily="49" charset="0"/>
+              </a:rPr>
+              <a:t>else</a:t>
+            </a:r>
+            <a:r>
+              <a:rPr lang="en" sz="2400" b="0" dirty="0">
+                <a:solidFill>
+                  <a:srgbClr val="D4D4D4"/>
+                </a:solidFill>
+                <a:effectLst/>
+                <a:latin typeface="Menlo" panose="020B0609030804020204" pitchFamily="49" charset="0"/>
+              </a:rPr>
+              <a:t> {</a:t>
+            </a:r>
+          </a:p>
+          <a:p>
+            <a:pPr marL="0" indent="0">
+              <a:buNone/>
+            </a:pPr>
+            <a:r>
+              <a:rPr lang="en" sz="2400" b="0" dirty="0">
+                <a:solidFill>
+                  <a:srgbClr val="C586C0"/>
+                </a:solidFill>
+                <a:effectLst/>
+                <a:latin typeface="Menlo" panose="020B0609030804020204" pitchFamily="49" charset="0"/>
+              </a:rPr>
+              <a:t>		return</a:t>
+            </a:r>
+            <a:r>
+              <a:rPr lang="en" sz="2400" b="0" dirty="0">
+                <a:solidFill>
+                  <a:srgbClr val="D4D4D4"/>
+                </a:solidFill>
+                <a:effectLst/>
+                <a:latin typeface="Menlo" panose="020B0609030804020204" pitchFamily="49" charset="0"/>
+              </a:rPr>
+              <a:t> </a:t>
+            </a:r>
+            <a:r>
+              <a:rPr lang="en" sz="2400" b="0" dirty="0">
+                <a:solidFill>
+                  <a:srgbClr val="9CDCFE"/>
+                </a:solidFill>
+                <a:effectLst/>
+                <a:latin typeface="Menlo" panose="020B0609030804020204" pitchFamily="49" charset="0"/>
+              </a:rPr>
+              <a:t>v2</a:t>
+            </a:r>
+            <a:r>
+              <a:rPr lang="en" sz="2400" b="0" dirty="0">
+                <a:solidFill>
+                  <a:srgbClr val="D4D4D4"/>
+                </a:solidFill>
+                <a:effectLst/>
+                <a:latin typeface="Menlo" panose="020B0609030804020204" pitchFamily="49" charset="0"/>
+              </a:rPr>
+              <a:t>;</a:t>
+            </a:r>
+          </a:p>
+          <a:p>
+            <a:pPr marL="0" indent="0">
+              <a:buNone/>
+            </a:pPr>
+            <a:r>
+              <a:rPr lang="en" sz="2400" b="0" dirty="0">
+                <a:solidFill>
+                  <a:srgbClr val="D4D4D4"/>
+                </a:solidFill>
+                <a:effectLst/>
+                <a:latin typeface="Menlo" panose="020B0609030804020204" pitchFamily="49" charset="0"/>
+              </a:rPr>
+              <a:t>	}</a:t>
+            </a:r>
+          </a:p>
+          <a:p>
+            <a:pPr marL="0" indent="0">
+              <a:buNone/>
+            </a:pPr>
+            <a:r>
+              <a:rPr lang="en" sz="2400" b="0" dirty="0">
+                <a:solidFill>
+                  <a:srgbClr val="D4D4D4"/>
+                </a:solidFill>
+                <a:effectLst/>
+                <a:latin typeface="Menlo" panose="020B0609030804020204" pitchFamily="49" charset="0"/>
+              </a:rPr>
+              <a:t>}</a:t>
+            </a:r>
+          </a:p>
+        </p:txBody>
+      </p:sp>
+    </p:spTree>
+    <p:extLst>
+      <p:ext uri="{BB962C8B-B14F-4D97-AF65-F5344CB8AC3E}">
+        <p14:creationId xmlns:p14="http://schemas.microsoft.com/office/powerpoint/2010/main" val="1225850357"/>
+      </p:ext>
+    </p:extLst>
+  </p:cSld>
+  <p:clrMapOvr>
+    <a:masterClrMapping/>
+  </p:clrMapOvr>
+</p:sld>
+</file>
+
+<file path=ppt/slides/slide24.xml><?xml version="1.0" encoding="utf-8"?>
+<p:sld xmlns:a="http://schemas.openxmlformats.org/drawingml/2006/main" xmlns:r="http://schemas.openxmlformats.org/officeDocument/2006/relationships" xmlns:p="http://schemas.openxmlformats.org/presentationml/2006/main">
+  <p:cSld>
+    <p:bg>
+      <p:bgPr>
+        <a:solidFill>
+          <a:schemeClr val="tx1"/>
+        </a:solidFill>
+        <a:effectLst/>
+      </p:bgPr>
+    </p:bg>
+    <p:spTree>
+      <p:nvGrpSpPr>
+        <p:cNvPr id="1" name=""/>
+        <p:cNvGrpSpPr/>
+        <p:nvPr/>
+      </p:nvGrpSpPr>
+      <p:grpSpPr>
+        <a:xfrm>
+          <a:off x="0" y="0"/>
+          <a:ext cx="0" cy="0"/>
+          <a:chOff x="0" y="0"/>
+          <a:chExt cx="0" cy="0"/>
+        </a:xfrm>
+      </p:grpSpPr>
+      <p:pic>
+        <p:nvPicPr>
+          <p:cNvPr id="5" name="Рисунок 4">
+            <a:extLst>
+              <a:ext uri="{FF2B5EF4-FFF2-40B4-BE49-F238E27FC236}">
+                <a16:creationId xmlns:a16="http://schemas.microsoft.com/office/drawing/2014/main" id="{EEDECE20-32DC-5782-31F8-5D0B765760DD}"/>
+              </a:ext>
+            </a:extLst>
+          </p:cNvPr>
+          <p:cNvPicPr>
+            <a:picLocks noChangeAspect="1"/>
+          </p:cNvPicPr>
+          <p:nvPr/>
+        </p:nvPicPr>
+        <p:blipFill>
+          <a:blip r:embed="rId2"/>
+          <a:stretch>
+            <a:fillRect/>
+          </a:stretch>
+        </p:blipFill>
+        <p:spPr>
+          <a:xfrm>
+            <a:off x="537863" y="429078"/>
+            <a:ext cx="11116274" cy="5999843"/>
+          </a:xfrm>
+          <a:prstGeom prst="rect">
+            <a:avLst/>
+          </a:prstGeom>
+        </p:spPr>
+      </p:pic>
+    </p:spTree>
+    <p:extLst>
+      <p:ext uri="{BB962C8B-B14F-4D97-AF65-F5344CB8AC3E}">
+        <p14:creationId xmlns:p14="http://schemas.microsoft.com/office/powerpoint/2010/main" val="1495433248"/>
+      </p:ext>
+    </p:extLst>
+  </p:cSld>
+  <p:clrMapOvr>
+    <a:masterClrMapping/>
+  </p:clrMapOvr>
+</p:sld>
+</file>
+
+<file path=ppt/slides/slide25.xml><?xml version="1.0" encoding="utf-8"?>
+<p:sld xmlns:a="http://schemas.openxmlformats.org/drawingml/2006/main" xmlns:r="http://schemas.openxmlformats.org/officeDocument/2006/relationships" xmlns:p="http://schemas.openxmlformats.org/presentationml/2006/main">
+  <p:cSld>
+    <p:bg>
+      <p:bgPr>
+        <a:solidFill>
+          <a:srgbClr val="7030A0"/>
+        </a:solidFill>
+        <a:effectLst/>
+      </p:bgPr>
+    </p:bg>
+    <p:spTree>
+      <p:nvGrpSpPr>
+        <p:cNvPr id="1" name=""/>
+        <p:cNvGrpSpPr/>
+        <p:nvPr/>
+      </p:nvGrpSpPr>
+      <p:grpSpPr>
+        <a:xfrm>
+          <a:off x="0" y="0"/>
+          <a:ext cx="0" cy="0"/>
+          <a:chOff x="0" y="0"/>
+          <a:chExt cx="0" cy="0"/>
+        </a:xfrm>
+      </p:grpSpPr>
+      <p:sp>
+        <p:nvSpPr>
+          <p:cNvPr id="4" name="Заголовок 1">
+            <a:extLst>
+              <a:ext uri="{FF2B5EF4-FFF2-40B4-BE49-F238E27FC236}">
+                <a16:creationId xmlns:a16="http://schemas.microsoft.com/office/drawing/2014/main" id="{3DF9D4E5-64B5-9848-9C2C-67E2768D38D6}"/>
+              </a:ext>
+            </a:extLst>
+          </p:cNvPr>
+          <p:cNvSpPr>
+            <a:spLocks noGrp="1"/>
+          </p:cNvSpPr>
+          <p:nvPr/>
+        </p:nvSpPr>
+        <p:spPr>
+          <a:xfrm>
+            <a:off x="2343760" y="2711918"/>
+            <a:ext cx="7504479" cy="1434163"/>
+          </a:xfrm>
+          <a:prstGeom prst="rect">
+            <a:avLst/>
+          </a:prstGeom>
+        </p:spPr>
+        <p:txBody>
+          <a:bodyPr vert="horz" lIns="91440" tIns="45720" rIns="91440" bIns="45720" rtlCol="0" anchor="ctr">
+            <a:noAutofit/>
+          </a:bodyPr>
+          <a:lstStyle>
+            <a:defPPr>
+              <a:defRPr lang="ru-RU"/>
+            </a:defPPr>
+            <a:lvl1pPr marL="0" algn="l" defTabSz="914400" rtl="0" eaLnBrk="1" latinLnBrk="0" hangingPunct="1">
+              <a:defRPr sz="1800" kern="1200">
+                <a:solidFill>
+                  <a:schemeClr val="tx1"/>
+                </a:solidFill>
+                <a:latin typeface="+mn-lt"/>
+                <a:ea typeface="+mn-ea"/>
+                <a:cs typeface="+mn-cs"/>
+              </a:defRPr>
+            </a:lvl1pPr>
+            <a:lvl2pPr marL="457200" algn="l" defTabSz="914400" rtl="0" eaLnBrk="1" latinLnBrk="0" hangingPunct="1">
+              <a:defRPr sz="1800" kern="1200">
+                <a:solidFill>
+                  <a:schemeClr val="tx1"/>
+                </a:solidFill>
+                <a:latin typeface="+mn-lt"/>
+                <a:ea typeface="+mn-ea"/>
+                <a:cs typeface="+mn-cs"/>
+              </a:defRPr>
+            </a:lvl2pPr>
+            <a:lvl3pPr marL="914400" algn="l" defTabSz="914400" rtl="0" eaLnBrk="1" latinLnBrk="0" hangingPunct="1">
+              <a:defRPr sz="1800" kern="1200">
+                <a:solidFill>
+                  <a:schemeClr val="tx1"/>
+                </a:solidFill>
+                <a:latin typeface="+mn-lt"/>
+                <a:ea typeface="+mn-ea"/>
+                <a:cs typeface="+mn-cs"/>
+              </a:defRPr>
+            </a:lvl3pPr>
+            <a:lvl4pPr marL="1371600" algn="l" defTabSz="914400" rtl="0" eaLnBrk="1" latinLnBrk="0" hangingPunct="1">
+              <a:defRPr sz="1800" kern="1200">
+                <a:solidFill>
+                  <a:schemeClr val="tx1"/>
+                </a:solidFill>
+                <a:latin typeface="+mn-lt"/>
+                <a:ea typeface="+mn-ea"/>
+                <a:cs typeface="+mn-cs"/>
+              </a:defRPr>
+            </a:lvl4pPr>
+            <a:lvl5pPr marL="1828800" algn="l" defTabSz="914400" rtl="0" eaLnBrk="1" latinLnBrk="0" hangingPunct="1">
+              <a:defRPr sz="1800" kern="1200">
+                <a:solidFill>
+                  <a:schemeClr val="tx1"/>
+                </a:solidFill>
+                <a:latin typeface="+mn-lt"/>
+                <a:ea typeface="+mn-ea"/>
+                <a:cs typeface="+mn-cs"/>
+              </a:defRPr>
+            </a:lvl5pPr>
+            <a:lvl6pPr marL="2286000" algn="l" defTabSz="914400" rtl="0" eaLnBrk="1" latinLnBrk="0" hangingPunct="1">
+              <a:defRPr sz="1800" kern="1200">
+                <a:solidFill>
+                  <a:schemeClr val="tx1"/>
+                </a:solidFill>
+                <a:latin typeface="+mn-lt"/>
+                <a:ea typeface="+mn-ea"/>
+                <a:cs typeface="+mn-cs"/>
+              </a:defRPr>
+            </a:lvl6pPr>
+            <a:lvl7pPr marL="2743200" algn="l" defTabSz="914400" rtl="0" eaLnBrk="1" latinLnBrk="0" hangingPunct="1">
+              <a:defRPr sz="1800" kern="1200">
+                <a:solidFill>
+                  <a:schemeClr val="tx1"/>
+                </a:solidFill>
+                <a:latin typeface="+mn-lt"/>
+                <a:ea typeface="+mn-ea"/>
+                <a:cs typeface="+mn-cs"/>
+              </a:defRPr>
+            </a:lvl7pPr>
+            <a:lvl8pPr marL="3200400" algn="l" defTabSz="914400" rtl="0" eaLnBrk="1" latinLnBrk="0" hangingPunct="1">
+              <a:defRPr sz="1800" kern="1200">
+                <a:solidFill>
+                  <a:schemeClr val="tx1"/>
+                </a:solidFill>
+                <a:latin typeface="+mn-lt"/>
+                <a:ea typeface="+mn-ea"/>
+                <a:cs typeface="+mn-cs"/>
+              </a:defRPr>
+            </a:lvl8pPr>
+            <a:lvl9pPr marL="3657600" algn="l" defTabSz="914400" rtl="0" eaLnBrk="1" latinLnBrk="0" hangingPunct="1">
+              <a:defRPr sz="1800" kern="1200">
+                <a:solidFill>
+                  <a:schemeClr val="tx1"/>
+                </a:solidFill>
+                <a:latin typeface="+mn-lt"/>
+                <a:ea typeface="+mn-ea"/>
+                <a:cs typeface="+mn-cs"/>
+              </a:defRPr>
+            </a:lvl9pPr>
+          </a:lstStyle>
+          <a:p>
+            <a:pPr algn="ctr"/>
+            <a:r>
+              <a:rPr lang="ru-RU" sz="4800" b="1" dirty="0">
+                <a:solidFill>
+                  <a:schemeClr val="bg1"/>
+                </a:solidFill>
+                <a:latin typeface="Arial" panose="020B0604020202020204" pitchFamily="34" charset="0"/>
+                <a:cs typeface="Arial" panose="020B0604020202020204" pitchFamily="34" charset="0"/>
+              </a:rPr>
+              <a:t>Вариативные шаблоны</a:t>
+            </a:r>
+          </a:p>
+        </p:txBody>
+      </p:sp>
+    </p:spTree>
+    <p:extLst>
+      <p:ext uri="{BB962C8B-B14F-4D97-AF65-F5344CB8AC3E}">
+        <p14:creationId xmlns:p14="http://schemas.microsoft.com/office/powerpoint/2010/main" val="1472309799"/>
+      </p:ext>
+    </p:extLst>
+  </p:cSld>
+  <p:clrMapOvr>
+    <a:masterClrMapping/>
+  </p:clrMapOvr>
+</p:sld>
+</file>
+
+<file path=ppt/slides/slide26.xml><?xml version="1.0" encoding="utf-8"?>
+<p:sld xmlns:a="http://schemas.openxmlformats.org/drawingml/2006/main" xmlns:r="http://schemas.openxmlformats.org/officeDocument/2006/relationships" xmlns:p="http://schemas.openxmlformats.org/presentationml/2006/main">
+  <p:cSld>
+    <p:spTree>
+      <p:nvGrpSpPr>
+        <p:cNvPr id="1" name=""/>
+        <p:cNvGrpSpPr/>
+        <p:nvPr/>
+      </p:nvGrpSpPr>
+      <p:grpSpPr>
+        <a:xfrm>
+          <a:off x="0" y="0"/>
+          <a:ext cx="0" cy="0"/>
+          <a:chOff x="0" y="0"/>
+          <a:chExt cx="0" cy="0"/>
+        </a:xfrm>
+      </p:grpSpPr>
+      <p:sp>
+        <p:nvSpPr>
+          <p:cNvPr id="2" name="Заголовок 1">
+            <a:extLst>
+              <a:ext uri="{FF2B5EF4-FFF2-40B4-BE49-F238E27FC236}">
+                <a16:creationId xmlns:a16="http://schemas.microsoft.com/office/drawing/2014/main" id="{8C5EF06B-DFDA-5B7A-91BE-B13E22D06A1C}"/>
+              </a:ext>
+            </a:extLst>
+          </p:cNvPr>
+          <p:cNvSpPr>
+            <a:spLocks noGrp="1"/>
+          </p:cNvSpPr>
+          <p:nvPr>
+            <p:ph type="title"/>
+          </p:nvPr>
+        </p:nvSpPr>
+        <p:spPr/>
+        <p:txBody>
+          <a:bodyPr/>
+          <a:lstStyle/>
+          <a:p>
+            <a:r>
+              <a:rPr lang="ru-RU" dirty="0"/>
+              <a:t>Вариативные шаблоны</a:t>
+            </a:r>
+          </a:p>
+        </p:txBody>
+      </p:sp>
+      <p:sp>
+        <p:nvSpPr>
+          <p:cNvPr id="3" name="Объект 2">
+            <a:extLst>
+              <a:ext uri="{FF2B5EF4-FFF2-40B4-BE49-F238E27FC236}">
+                <a16:creationId xmlns:a16="http://schemas.microsoft.com/office/drawing/2014/main" id="{226338F7-D590-551F-E427-7354D7047595}"/>
+              </a:ext>
+            </a:extLst>
+          </p:cNvPr>
+          <p:cNvSpPr>
+            <a:spLocks noGrp="1"/>
+          </p:cNvSpPr>
+          <p:nvPr>
+            <p:ph idx="1"/>
+          </p:nvPr>
+        </p:nvSpPr>
+        <p:spPr/>
+        <p:txBody>
+          <a:bodyPr/>
+          <a:lstStyle/>
+          <a:p>
+            <a:endParaRPr lang="ru-RU"/>
+          </a:p>
+        </p:txBody>
+      </p:sp>
+    </p:spTree>
+    <p:extLst>
+      <p:ext uri="{BB962C8B-B14F-4D97-AF65-F5344CB8AC3E}">
+        <p14:creationId xmlns:p14="http://schemas.microsoft.com/office/powerpoint/2010/main" val="2078925467"/>
+      </p:ext>
+    </p:extLst>
+  </p:cSld>
+  <p:clrMapOvr>
+    <a:masterClrMapping/>
+  </p:clrMapOvr>
+</p:sld>
+</file>
+
+<file path=ppt/slides/slide27.xml><?xml version="1.0" encoding="utf-8"?>
+<p:sld xmlns:a="http://schemas.openxmlformats.org/drawingml/2006/main" xmlns:r="http://schemas.openxmlformats.org/officeDocument/2006/relationships" xmlns:p="http://schemas.openxmlformats.org/presentationml/2006/main">
+  <p:cSld>
+    <p:spTree>
+      <p:nvGrpSpPr>
+        <p:cNvPr id="1" name=""/>
+        <p:cNvGrpSpPr/>
+        <p:nvPr/>
+      </p:nvGrpSpPr>
+      <p:grpSpPr>
+        <a:xfrm>
+          <a:off x="0" y="0"/>
+          <a:ext cx="0" cy="0"/>
+          <a:chOff x="0" y="0"/>
+          <a:chExt cx="0" cy="0"/>
+        </a:xfrm>
+      </p:grpSpPr>
+      <p:sp>
+        <p:nvSpPr>
+          <p:cNvPr id="2" name="Заголовок 1">
+            <a:extLst>
+              <a:ext uri="{FF2B5EF4-FFF2-40B4-BE49-F238E27FC236}">
+                <a16:creationId xmlns:a16="http://schemas.microsoft.com/office/drawing/2014/main" id="{8C5EF06B-DFDA-5B7A-91BE-B13E22D06A1C}"/>
+              </a:ext>
+            </a:extLst>
+          </p:cNvPr>
+          <p:cNvSpPr>
+            <a:spLocks noGrp="1"/>
+          </p:cNvSpPr>
+          <p:nvPr>
+            <p:ph type="title"/>
+          </p:nvPr>
+        </p:nvSpPr>
+        <p:spPr/>
+        <p:txBody>
+          <a:bodyPr/>
+          <a:lstStyle/>
+          <a:p>
+            <a:r>
+              <a:rPr lang="ru-RU" dirty="0"/>
+              <a:t>Вариативные шаблоны</a:t>
+            </a:r>
+          </a:p>
+        </p:txBody>
+      </p:sp>
+      <p:sp>
+        <p:nvSpPr>
+          <p:cNvPr id="3" name="Объект 2">
+            <a:extLst>
+              <a:ext uri="{FF2B5EF4-FFF2-40B4-BE49-F238E27FC236}">
+                <a16:creationId xmlns:a16="http://schemas.microsoft.com/office/drawing/2014/main" id="{226338F7-D590-551F-E427-7354D7047595}"/>
+              </a:ext>
+            </a:extLst>
+          </p:cNvPr>
+          <p:cNvSpPr>
+            <a:spLocks noGrp="1"/>
+          </p:cNvSpPr>
+          <p:nvPr>
+            <p:ph idx="1"/>
+          </p:nvPr>
+        </p:nvSpPr>
+        <p:spPr/>
+        <p:txBody>
+          <a:bodyPr/>
+          <a:lstStyle/>
+          <a:p>
+            <a:pPr marL="0" indent="0" algn="l">
+              <a:buNone/>
+            </a:pPr>
+            <a:r>
+              <a:rPr lang="ru-RU" dirty="0"/>
+              <a:t>	</a:t>
+            </a:r>
+            <a:r>
+              <a:rPr lang="en" dirty="0"/>
+              <a:t>V</a:t>
+            </a:r>
+            <a:r>
+              <a:rPr lang="en-US" dirty="0" err="1"/>
+              <a:t>ariadic</a:t>
+            </a:r>
+            <a:r>
+              <a:rPr lang="en-US" dirty="0"/>
+              <a:t> template - </a:t>
+            </a:r>
+            <a:r>
+              <a:rPr lang="ru-RU" dirty="0"/>
+              <a:t>это класс или шаблон функции, поддерживающий произвольное количество аргументов. Этот механизм особенно полезен разработчикам библиотек </a:t>
+            </a:r>
+            <a:r>
+              <a:rPr lang="en" dirty="0"/>
+              <a:t>C++: </a:t>
+            </a:r>
+            <a:r>
+              <a:rPr lang="ru-RU" dirty="0"/>
+              <a:t>его можно применить как к шаблонам классов, так и к шаблонам функций, и таким образом обеспечить широкий спектр </a:t>
+            </a:r>
+            <a:r>
+              <a:rPr lang="ru-RU" dirty="0" err="1"/>
+              <a:t>типобезопасных</a:t>
+            </a:r>
+            <a:r>
+              <a:rPr lang="ru-RU" dirty="0"/>
+              <a:t> и нетривиальных функциональных возможностей и гибкости.</a:t>
+            </a:r>
+          </a:p>
+        </p:txBody>
+      </p:sp>
+    </p:spTree>
+    <p:extLst>
+      <p:ext uri="{BB962C8B-B14F-4D97-AF65-F5344CB8AC3E}">
+        <p14:creationId xmlns:p14="http://schemas.microsoft.com/office/powerpoint/2010/main" val="2748650850"/>
+      </p:ext>
+    </p:extLst>
+  </p:cSld>
+  <p:clrMapOvr>
+    <a:masterClrMapping/>
+  </p:clrMapOvr>
+</p:sld>
+</file>
+
+<file path=ppt/slides/slide28.xml><?xml version="1.0" encoding="utf-8"?>
+<p:sld xmlns:a="http://schemas.openxmlformats.org/drawingml/2006/main" xmlns:r="http://schemas.openxmlformats.org/officeDocument/2006/relationships" xmlns:p="http://schemas.openxmlformats.org/presentationml/2006/main">
+  <p:cSld>
+    <p:spTree>
+      <p:nvGrpSpPr>
+        <p:cNvPr id="1" name=""/>
+        <p:cNvGrpSpPr/>
+        <p:nvPr/>
+      </p:nvGrpSpPr>
+      <p:grpSpPr>
+        <a:xfrm>
+          <a:off x="0" y="0"/>
+          <a:ext cx="0" cy="0"/>
+          <a:chOff x="0" y="0"/>
+          <a:chExt cx="0" cy="0"/>
+        </a:xfrm>
+      </p:grpSpPr>
+      <p:sp>
+        <p:nvSpPr>
+          <p:cNvPr id="2" name="Заголовок 1">
+            <a:extLst>
+              <a:ext uri="{FF2B5EF4-FFF2-40B4-BE49-F238E27FC236}">
+                <a16:creationId xmlns:a16="http://schemas.microsoft.com/office/drawing/2014/main" id="{8C5EF06B-DFDA-5B7A-91BE-B13E22D06A1C}"/>
+              </a:ext>
+            </a:extLst>
+          </p:cNvPr>
+          <p:cNvSpPr>
+            <a:spLocks noGrp="1"/>
+          </p:cNvSpPr>
+          <p:nvPr>
+            <p:ph type="title"/>
+          </p:nvPr>
+        </p:nvSpPr>
+        <p:spPr/>
+        <p:txBody>
+          <a:bodyPr/>
+          <a:lstStyle/>
+          <a:p>
+            <a:r>
+              <a:rPr lang="ru-RU" dirty="0"/>
+              <a:t>Вариативные шаблоны</a:t>
+            </a:r>
+          </a:p>
+        </p:txBody>
+      </p:sp>
+      <p:sp>
+        <p:nvSpPr>
+          <p:cNvPr id="3" name="Объект 2">
+            <a:extLst>
+              <a:ext uri="{FF2B5EF4-FFF2-40B4-BE49-F238E27FC236}">
+                <a16:creationId xmlns:a16="http://schemas.microsoft.com/office/drawing/2014/main" id="{226338F7-D590-551F-E427-7354D7047595}"/>
+              </a:ext>
+            </a:extLst>
+          </p:cNvPr>
+          <p:cNvSpPr>
+            <a:spLocks noGrp="1"/>
+          </p:cNvSpPr>
+          <p:nvPr>
+            <p:ph idx="1"/>
+          </p:nvPr>
+        </p:nvSpPr>
+        <p:spPr/>
+        <p:txBody>
+          <a:bodyPr/>
+          <a:lstStyle/>
+          <a:p>
+            <a:pPr marL="0" indent="0" algn="l">
+              <a:buNone/>
+            </a:pPr>
+            <a:r>
+              <a:rPr lang="ru-RU" dirty="0"/>
+              <a:t>	</a:t>
+            </a:r>
+            <a:r>
+              <a:rPr lang="en" dirty="0"/>
+              <a:t>V</a:t>
+            </a:r>
+            <a:r>
+              <a:rPr lang="en-US" dirty="0" err="1"/>
+              <a:t>ariadic</a:t>
+            </a:r>
+            <a:r>
+              <a:rPr lang="en-US" dirty="0"/>
+              <a:t> template - </a:t>
+            </a:r>
+            <a:r>
+              <a:rPr lang="ru-RU" dirty="0"/>
+              <a:t>это класс или шаблон функции, поддерживающий произвольное количество аргументов. Этот механизм особенно полезен разработчикам библиотек </a:t>
+            </a:r>
+            <a:r>
+              <a:rPr lang="en" dirty="0"/>
+              <a:t>C++: </a:t>
+            </a:r>
+            <a:r>
+              <a:rPr lang="ru-RU" dirty="0"/>
+              <a:t>его можно применить как к шаблонам классов, так и к шаблонам функций, и таким образом обеспечить широкий спектр </a:t>
+            </a:r>
+            <a:r>
+              <a:rPr lang="ru-RU" dirty="0" err="1"/>
+              <a:t>типобезопасных</a:t>
+            </a:r>
+            <a:r>
+              <a:rPr lang="ru-RU" dirty="0"/>
+              <a:t> и нетривиальных функциональных возможностей и гибкости.</a:t>
+            </a:r>
+          </a:p>
+          <a:p>
+            <a:pPr marL="0" indent="0" algn="l">
+              <a:buNone/>
+            </a:pPr>
+            <a:endParaRPr lang="ru-RU" dirty="0"/>
+          </a:p>
+          <a:p>
+            <a:pPr marL="0" indent="0">
+              <a:buNone/>
+            </a:pPr>
+            <a:r>
+              <a:rPr lang="en" b="0" dirty="0">
+                <a:solidFill>
+                  <a:srgbClr val="569CD6"/>
+                </a:solidFill>
+                <a:effectLst/>
+                <a:latin typeface="Menlo" panose="020B0609030804020204" pitchFamily="49" charset="0"/>
+              </a:rPr>
+              <a:t>template</a:t>
+            </a:r>
+            <a:r>
+              <a:rPr lang="en" b="0" dirty="0">
+                <a:solidFill>
+                  <a:srgbClr val="D4D4D4"/>
+                </a:solidFill>
+                <a:effectLst/>
+                <a:latin typeface="Menlo" panose="020B0609030804020204" pitchFamily="49" charset="0"/>
+              </a:rPr>
+              <a:t>&lt;</a:t>
+            </a:r>
+            <a:r>
+              <a:rPr lang="en" b="0" dirty="0" err="1">
+                <a:solidFill>
+                  <a:srgbClr val="569CD6"/>
+                </a:solidFill>
+                <a:effectLst/>
+                <a:latin typeface="Menlo" panose="020B0609030804020204" pitchFamily="49" charset="0"/>
+              </a:rPr>
+              <a:t>typename</a:t>
+            </a:r>
+            <a:r>
+              <a:rPr lang="en" b="0" dirty="0">
+                <a:solidFill>
+                  <a:srgbClr val="D4D4D4"/>
+                </a:solidFill>
+                <a:effectLst/>
+                <a:latin typeface="Menlo" panose="020B0609030804020204" pitchFamily="49" charset="0"/>
+              </a:rPr>
+              <a:t> ...</a:t>
+            </a:r>
+            <a:r>
+              <a:rPr lang="en" b="0" dirty="0">
+                <a:solidFill>
+                  <a:srgbClr val="4EC9B0"/>
+                </a:solidFill>
+                <a:effectLst/>
+                <a:latin typeface="Menlo" panose="020B0609030804020204" pitchFamily="49" charset="0"/>
+              </a:rPr>
+              <a:t>Arguments</a:t>
+            </a:r>
+            <a:r>
+              <a:rPr lang="en" b="0" dirty="0">
+                <a:solidFill>
+                  <a:srgbClr val="D4D4D4"/>
+                </a:solidFill>
+                <a:effectLst/>
+                <a:latin typeface="Menlo" panose="020B0609030804020204" pitchFamily="49" charset="0"/>
+              </a:rPr>
+              <a:t>&gt; </a:t>
+            </a:r>
+            <a:r>
+              <a:rPr lang="en" b="0" dirty="0">
+                <a:solidFill>
+                  <a:srgbClr val="569CD6"/>
+                </a:solidFill>
+                <a:effectLst/>
+                <a:latin typeface="Menlo" panose="020B0609030804020204" pitchFamily="49" charset="0"/>
+              </a:rPr>
+              <a:t>class</a:t>
+            </a:r>
+            <a:r>
+              <a:rPr lang="en" b="0" dirty="0">
+                <a:solidFill>
+                  <a:srgbClr val="D4D4D4"/>
+                </a:solidFill>
+                <a:effectLst/>
+                <a:latin typeface="Menlo" panose="020B0609030804020204" pitchFamily="49" charset="0"/>
+              </a:rPr>
+              <a:t> </a:t>
+            </a:r>
+            <a:r>
+              <a:rPr lang="en" b="0" dirty="0" err="1">
+                <a:solidFill>
+                  <a:srgbClr val="4EC9B0"/>
+                </a:solidFill>
+                <a:effectLst/>
+                <a:latin typeface="Menlo" panose="020B0609030804020204" pitchFamily="49" charset="0"/>
+              </a:rPr>
+              <a:t>classname</a:t>
+            </a:r>
+            <a:r>
+              <a:rPr lang="en" b="0" dirty="0">
+                <a:solidFill>
+                  <a:srgbClr val="D4D4D4"/>
+                </a:solidFill>
+                <a:effectLst/>
+                <a:latin typeface="Menlo" panose="020B0609030804020204" pitchFamily="49" charset="0"/>
+              </a:rPr>
+              <a:t>;</a:t>
+            </a:r>
+          </a:p>
+        </p:txBody>
+      </p:sp>
+    </p:spTree>
+    <p:extLst>
+      <p:ext uri="{BB962C8B-B14F-4D97-AF65-F5344CB8AC3E}">
+        <p14:creationId xmlns:p14="http://schemas.microsoft.com/office/powerpoint/2010/main" val="2607697496"/>
+      </p:ext>
+    </p:extLst>
+  </p:cSld>
+  <p:clrMapOvr>
+    <a:masterClrMapping/>
+  </p:clrMapOvr>
+</p:sld>
+</file>
+
+<file path=ppt/slides/slide29.xml><?xml version="1.0" encoding="utf-8"?>
+<p:sld xmlns:a="http://schemas.openxmlformats.org/drawingml/2006/main" xmlns:r="http://schemas.openxmlformats.org/officeDocument/2006/relationships" xmlns:p="http://schemas.openxmlformats.org/presentationml/2006/main">
+  <p:cSld>
+    <p:bg>
+      <p:bgPr>
+        <a:solidFill>
+          <a:schemeClr val="tx1"/>
+        </a:solidFill>
+        <a:effectLst/>
+      </p:bgPr>
+    </p:bg>
+    <p:spTree>
+      <p:nvGrpSpPr>
+        <p:cNvPr id="1" name=""/>
+        <p:cNvGrpSpPr/>
+        <p:nvPr/>
+      </p:nvGrpSpPr>
+      <p:grpSpPr>
+        <a:xfrm>
+          <a:off x="0" y="0"/>
+          <a:ext cx="0" cy="0"/>
+          <a:chOff x="0" y="0"/>
+          <a:chExt cx="0" cy="0"/>
+        </a:xfrm>
+      </p:grpSpPr>
+      <p:sp>
+        <p:nvSpPr>
+          <p:cNvPr id="3" name="Объект 2">
+            <a:extLst>
+              <a:ext uri="{FF2B5EF4-FFF2-40B4-BE49-F238E27FC236}">
+                <a16:creationId xmlns:a16="http://schemas.microsoft.com/office/drawing/2014/main" id="{32BBD526-46F9-27F7-DA73-1187253FDF71}"/>
+              </a:ext>
+            </a:extLst>
+          </p:cNvPr>
+          <p:cNvSpPr>
+            <a:spLocks noGrp="1"/>
+          </p:cNvSpPr>
+          <p:nvPr>
+            <p:ph idx="1"/>
+          </p:nvPr>
+        </p:nvSpPr>
+        <p:spPr>
+          <a:xfrm>
+            <a:off x="511628" y="432254"/>
+            <a:ext cx="10515600" cy="4351338"/>
+          </a:xfrm>
+        </p:spPr>
+        <p:txBody>
+          <a:bodyPr/>
+          <a:lstStyle/>
+          <a:p>
+            <a:pPr marL="0" indent="0">
+              <a:buNone/>
+            </a:pPr>
+            <a:r>
+              <a:rPr lang="en" b="0" dirty="0">
+                <a:solidFill>
+                  <a:srgbClr val="569CD6"/>
+                </a:solidFill>
+                <a:effectLst/>
+                <a:latin typeface="Menlo" panose="020B0609030804020204" pitchFamily="49" charset="0"/>
+              </a:rPr>
+              <a:t>template</a:t>
+            </a:r>
+            <a:r>
+              <a:rPr lang="en" b="0" dirty="0">
+                <a:solidFill>
+                  <a:srgbClr val="D4D4D4"/>
+                </a:solidFill>
+                <a:effectLst/>
+                <a:latin typeface="Menlo" panose="020B0609030804020204" pitchFamily="49" charset="0"/>
+              </a:rPr>
+              <a:t> &lt;</a:t>
+            </a:r>
+            <a:r>
+              <a:rPr lang="en" b="0" dirty="0" err="1">
+                <a:solidFill>
+                  <a:srgbClr val="569CD6"/>
+                </a:solidFill>
+                <a:effectLst/>
+                <a:latin typeface="Menlo" panose="020B0609030804020204" pitchFamily="49" charset="0"/>
+              </a:rPr>
+              <a:t>typename</a:t>
+            </a:r>
+            <a:r>
+              <a:rPr lang="en" b="0" dirty="0">
+                <a:solidFill>
+                  <a:srgbClr val="D4D4D4"/>
+                </a:solidFill>
+                <a:effectLst/>
+                <a:latin typeface="Menlo" panose="020B0609030804020204" pitchFamily="49" charset="0"/>
+              </a:rPr>
+              <a:t>... </a:t>
+            </a:r>
+            <a:r>
+              <a:rPr lang="en" b="0" dirty="0" err="1">
+                <a:solidFill>
+                  <a:srgbClr val="4EC9B0"/>
+                </a:solidFill>
+                <a:effectLst/>
+                <a:latin typeface="Menlo" panose="020B0609030804020204" pitchFamily="49" charset="0"/>
+              </a:rPr>
+              <a:t>Args</a:t>
+            </a:r>
+            <a:r>
+              <a:rPr lang="en" b="0" dirty="0">
+                <a:solidFill>
+                  <a:srgbClr val="D4D4D4"/>
+                </a:solidFill>
+                <a:effectLst/>
+                <a:latin typeface="Menlo" panose="020B0609030804020204" pitchFamily="49" charset="0"/>
+              </a:rPr>
+              <a:t>&gt;</a:t>
+            </a:r>
+          </a:p>
+          <a:p>
+            <a:pPr marL="0" indent="0">
+              <a:buNone/>
+            </a:pPr>
+            <a:endParaRPr lang="ru-RU" dirty="0"/>
+          </a:p>
+        </p:txBody>
+      </p:sp>
+    </p:spTree>
+    <p:extLst>
+      <p:ext uri="{BB962C8B-B14F-4D97-AF65-F5344CB8AC3E}">
+        <p14:creationId xmlns:p14="http://schemas.microsoft.com/office/powerpoint/2010/main" val="2123910728"/>
+      </p:ext>
+    </p:extLst>
+  </p:cSld>
+  <p:clrMapOvr>
+    <a:masterClrMapping/>
+  </p:clrMapOvr>
+</p:sld>
+</file>
+
+<file path=ppt/slides/slide3.xml><?xml version="1.0" encoding="utf-8"?>
+<p:sld xmlns:a="http://schemas.openxmlformats.org/drawingml/2006/main" xmlns:r="http://schemas.openxmlformats.org/officeDocument/2006/relationships" xmlns:p="http://schemas.openxmlformats.org/presentationml/2006/main">
+  <p:cSld>
+    <p:spTree>
+      <p:nvGrpSpPr>
+        <p:cNvPr id="1" name=""/>
+        <p:cNvGrpSpPr/>
+        <p:nvPr/>
+      </p:nvGrpSpPr>
+      <p:grpSpPr>
+        <a:xfrm>
+          <a:off x="0" y="0"/>
+          <a:ext cx="0" cy="0"/>
+          <a:chOff x="0" y="0"/>
+          <a:chExt cx="0" cy="0"/>
+        </a:xfrm>
+      </p:grpSpPr>
+      <p:sp>
+        <p:nvSpPr>
+          <p:cNvPr id="2" name="Заголовок 1">
+            <a:extLst>
+              <a:ext uri="{FF2B5EF4-FFF2-40B4-BE49-F238E27FC236}">
+                <a16:creationId xmlns:a16="http://schemas.microsoft.com/office/drawing/2014/main" id="{80903BAD-605F-E0A6-8015-5853AE7F7022}"/>
+              </a:ext>
+            </a:extLst>
+          </p:cNvPr>
+          <p:cNvSpPr>
+            <a:spLocks noGrp="1"/>
+          </p:cNvSpPr>
+          <p:nvPr>
+            <p:ph type="title"/>
+          </p:nvPr>
+        </p:nvSpPr>
+        <p:spPr/>
+        <p:txBody>
+          <a:bodyPr/>
+          <a:lstStyle/>
+          <a:p>
+            <a:r>
+              <a:rPr lang="ru-RU" dirty="0"/>
+              <a:t>Шаблоны</a:t>
+            </a:r>
+          </a:p>
+        </p:txBody>
+      </p:sp>
+      <p:sp>
+        <p:nvSpPr>
+          <p:cNvPr id="3" name="Объект 2">
+            <a:extLst>
+              <a:ext uri="{FF2B5EF4-FFF2-40B4-BE49-F238E27FC236}">
+                <a16:creationId xmlns:a16="http://schemas.microsoft.com/office/drawing/2014/main" id="{315AA196-6A8E-F3F3-D91F-A0AD8DC1DE41}"/>
+              </a:ext>
+            </a:extLst>
+          </p:cNvPr>
+          <p:cNvSpPr>
+            <a:spLocks noGrp="1"/>
+          </p:cNvSpPr>
+          <p:nvPr>
+            <p:ph idx="1"/>
+          </p:nvPr>
+        </p:nvSpPr>
+        <p:spPr/>
+        <p:txBody>
+          <a:bodyPr/>
+          <a:lstStyle/>
+          <a:p>
+            <a:endParaRPr lang="ru-RU"/>
+          </a:p>
+        </p:txBody>
+      </p:sp>
+    </p:spTree>
+    <p:extLst>
+      <p:ext uri="{BB962C8B-B14F-4D97-AF65-F5344CB8AC3E}">
+        <p14:creationId xmlns:p14="http://schemas.microsoft.com/office/powerpoint/2010/main" val="2745523204"/>
+      </p:ext>
+    </p:extLst>
+  </p:cSld>
+  <p:clrMapOvr>
+    <a:masterClrMapping/>
+  </p:clrMapOvr>
+</p:sld>
+</file>
+
+<file path=ppt/slides/slide30.xml><?xml version="1.0" encoding="utf-8"?>
+<p:sld xmlns:a="http://schemas.openxmlformats.org/drawingml/2006/main" xmlns:r="http://schemas.openxmlformats.org/officeDocument/2006/relationships" xmlns:p="http://schemas.openxmlformats.org/presentationml/2006/main">
+  <p:cSld>
+    <p:bg>
+      <p:bgPr>
+        <a:solidFill>
+          <a:schemeClr val="tx1"/>
+        </a:solidFill>
+        <a:effectLst/>
+      </p:bgPr>
+    </p:bg>
+    <p:spTree>
+      <p:nvGrpSpPr>
+        <p:cNvPr id="1" name=""/>
+        <p:cNvGrpSpPr/>
+        <p:nvPr/>
+      </p:nvGrpSpPr>
+      <p:grpSpPr>
+        <a:xfrm>
+          <a:off x="0" y="0"/>
+          <a:ext cx="0" cy="0"/>
+          <a:chOff x="0" y="0"/>
+          <a:chExt cx="0" cy="0"/>
+        </a:xfrm>
+      </p:grpSpPr>
+      <p:sp>
+        <p:nvSpPr>
+          <p:cNvPr id="3" name="Объект 2">
+            <a:extLst>
+              <a:ext uri="{FF2B5EF4-FFF2-40B4-BE49-F238E27FC236}">
+                <a16:creationId xmlns:a16="http://schemas.microsoft.com/office/drawing/2014/main" id="{32BBD526-46F9-27F7-DA73-1187253FDF71}"/>
+              </a:ext>
+            </a:extLst>
+          </p:cNvPr>
+          <p:cNvSpPr>
+            <a:spLocks noGrp="1"/>
+          </p:cNvSpPr>
+          <p:nvPr>
+            <p:ph idx="1"/>
+          </p:nvPr>
+        </p:nvSpPr>
+        <p:spPr>
+          <a:xfrm>
+            <a:off x="511628" y="432254"/>
+            <a:ext cx="10515600" cy="4351338"/>
+          </a:xfrm>
+        </p:spPr>
+        <p:txBody>
+          <a:bodyPr/>
+          <a:lstStyle/>
+          <a:p>
+            <a:pPr marL="0" indent="0">
+              <a:buNone/>
+            </a:pPr>
+            <a:r>
+              <a:rPr lang="en" b="0" dirty="0">
+                <a:solidFill>
+                  <a:srgbClr val="569CD6"/>
+                </a:solidFill>
+                <a:effectLst/>
+                <a:latin typeface="Menlo" panose="020B0609030804020204" pitchFamily="49" charset="0"/>
+              </a:rPr>
+              <a:t>template</a:t>
+            </a:r>
+            <a:r>
+              <a:rPr lang="en" b="0" dirty="0">
+                <a:solidFill>
+                  <a:srgbClr val="D4D4D4"/>
+                </a:solidFill>
+                <a:effectLst/>
+                <a:latin typeface="Menlo" panose="020B0609030804020204" pitchFamily="49" charset="0"/>
+              </a:rPr>
+              <a:t> &lt;</a:t>
+            </a:r>
+            <a:r>
+              <a:rPr lang="en" b="0" dirty="0" err="1">
+                <a:solidFill>
+                  <a:srgbClr val="569CD6"/>
+                </a:solidFill>
+                <a:effectLst/>
+                <a:latin typeface="Menlo" panose="020B0609030804020204" pitchFamily="49" charset="0"/>
+              </a:rPr>
+              <a:t>typename</a:t>
+            </a:r>
+            <a:r>
+              <a:rPr lang="en" b="0" dirty="0">
+                <a:solidFill>
+                  <a:srgbClr val="D4D4D4"/>
+                </a:solidFill>
+                <a:effectLst/>
+                <a:latin typeface="Menlo" panose="020B0609030804020204" pitchFamily="49" charset="0"/>
+              </a:rPr>
+              <a:t>... </a:t>
+            </a:r>
+            <a:r>
+              <a:rPr lang="en" b="0" dirty="0" err="1">
+                <a:solidFill>
+                  <a:srgbClr val="4EC9B0"/>
+                </a:solidFill>
+                <a:effectLst/>
+                <a:latin typeface="Menlo" panose="020B0609030804020204" pitchFamily="49" charset="0"/>
+              </a:rPr>
+              <a:t>Args</a:t>
+            </a:r>
+            <a:r>
+              <a:rPr lang="en" b="0" dirty="0">
+                <a:solidFill>
+                  <a:srgbClr val="D4D4D4"/>
+                </a:solidFill>
+                <a:effectLst/>
+                <a:latin typeface="Menlo" panose="020B0609030804020204" pitchFamily="49" charset="0"/>
+              </a:rPr>
+              <a:t>&gt;</a:t>
+            </a:r>
+          </a:p>
+          <a:p>
+            <a:pPr marL="0" indent="0">
+              <a:buNone/>
+            </a:pPr>
+            <a:r>
+              <a:rPr lang="en" b="0" dirty="0">
+                <a:solidFill>
+                  <a:srgbClr val="569CD6"/>
+                </a:solidFill>
+                <a:effectLst/>
+                <a:latin typeface="Menlo" panose="020B0609030804020204" pitchFamily="49" charset="0"/>
+              </a:rPr>
+              <a:t>void</a:t>
+            </a:r>
+            <a:r>
+              <a:rPr lang="en" b="0" dirty="0">
+                <a:solidFill>
+                  <a:srgbClr val="D4D4D4"/>
+                </a:solidFill>
+                <a:effectLst/>
+                <a:latin typeface="Menlo" panose="020B0609030804020204" pitchFamily="49" charset="0"/>
+              </a:rPr>
+              <a:t> </a:t>
+            </a:r>
+            <a:r>
+              <a:rPr lang="en" b="0" dirty="0" err="1">
+                <a:solidFill>
+                  <a:srgbClr val="DCDCAA"/>
+                </a:solidFill>
+                <a:effectLst/>
+                <a:latin typeface="Menlo" panose="020B0609030804020204" pitchFamily="49" charset="0"/>
+              </a:rPr>
+              <a:t>printArgs</a:t>
+            </a:r>
+            <a:r>
+              <a:rPr lang="en" b="0" dirty="0">
+                <a:solidFill>
+                  <a:srgbClr val="D4D4D4"/>
+                </a:solidFill>
+                <a:effectLst/>
+                <a:latin typeface="Menlo" panose="020B0609030804020204" pitchFamily="49" charset="0"/>
+              </a:rPr>
+              <a:t>(</a:t>
+            </a:r>
+            <a:r>
+              <a:rPr lang="en" b="0" dirty="0" err="1">
+                <a:solidFill>
+                  <a:srgbClr val="4EC9B0"/>
+                </a:solidFill>
+                <a:effectLst/>
+                <a:latin typeface="Menlo" panose="020B0609030804020204" pitchFamily="49" charset="0"/>
+              </a:rPr>
+              <a:t>Args</a:t>
+            </a:r>
+            <a:r>
+              <a:rPr lang="en" b="0" dirty="0">
+                <a:solidFill>
+                  <a:srgbClr val="D4D4D4"/>
+                </a:solidFill>
+                <a:effectLst/>
+                <a:latin typeface="Menlo" panose="020B0609030804020204" pitchFamily="49" charset="0"/>
+              </a:rPr>
+              <a:t>... </a:t>
+            </a:r>
+            <a:r>
+              <a:rPr lang="en" b="0" dirty="0" err="1">
+                <a:solidFill>
+                  <a:srgbClr val="9CDCFE"/>
+                </a:solidFill>
+                <a:effectLst/>
+                <a:latin typeface="Menlo" panose="020B0609030804020204" pitchFamily="49" charset="0"/>
+              </a:rPr>
+              <a:t>args</a:t>
+            </a:r>
+            <a:r>
+              <a:rPr lang="en" b="0" dirty="0">
+                <a:solidFill>
+                  <a:srgbClr val="D4D4D4"/>
+                </a:solidFill>
+                <a:effectLst/>
+                <a:latin typeface="Menlo" panose="020B0609030804020204" pitchFamily="49" charset="0"/>
+              </a:rPr>
+              <a:t>)</a:t>
+            </a:r>
+          </a:p>
+          <a:p>
+            <a:pPr marL="0" indent="0">
+              <a:buNone/>
+            </a:pPr>
+            <a:endParaRPr lang="ru-RU" dirty="0"/>
+          </a:p>
+        </p:txBody>
+      </p:sp>
+    </p:spTree>
+    <p:extLst>
+      <p:ext uri="{BB962C8B-B14F-4D97-AF65-F5344CB8AC3E}">
+        <p14:creationId xmlns:p14="http://schemas.microsoft.com/office/powerpoint/2010/main" val="2301904099"/>
+      </p:ext>
+    </p:extLst>
+  </p:cSld>
+  <p:clrMapOvr>
+    <a:masterClrMapping/>
+  </p:clrMapOvr>
+</p:sld>
+</file>
+
+<file path=ppt/slides/slide31.xml><?xml version="1.0" encoding="utf-8"?>
+<p:sld xmlns:a="http://schemas.openxmlformats.org/drawingml/2006/main" xmlns:r="http://schemas.openxmlformats.org/officeDocument/2006/relationships" xmlns:p="http://schemas.openxmlformats.org/presentationml/2006/main">
+  <p:cSld>
+    <p:bg>
+      <p:bgPr>
+        <a:solidFill>
+          <a:schemeClr val="tx1"/>
+        </a:solidFill>
+        <a:effectLst/>
+      </p:bgPr>
+    </p:bg>
+    <p:spTree>
+      <p:nvGrpSpPr>
+        <p:cNvPr id="1" name=""/>
+        <p:cNvGrpSpPr/>
+        <p:nvPr/>
+      </p:nvGrpSpPr>
+      <p:grpSpPr>
+        <a:xfrm>
+          <a:off x="0" y="0"/>
+          <a:ext cx="0" cy="0"/>
+          <a:chOff x="0" y="0"/>
+          <a:chExt cx="0" cy="0"/>
+        </a:xfrm>
+      </p:grpSpPr>
+      <p:sp>
+        <p:nvSpPr>
+          <p:cNvPr id="3" name="Объект 2">
+            <a:extLst>
+              <a:ext uri="{FF2B5EF4-FFF2-40B4-BE49-F238E27FC236}">
+                <a16:creationId xmlns:a16="http://schemas.microsoft.com/office/drawing/2014/main" id="{32BBD526-46F9-27F7-DA73-1187253FDF71}"/>
+              </a:ext>
+            </a:extLst>
+          </p:cNvPr>
+          <p:cNvSpPr>
+            <a:spLocks noGrp="1"/>
+          </p:cNvSpPr>
+          <p:nvPr>
+            <p:ph idx="1"/>
+          </p:nvPr>
+        </p:nvSpPr>
+        <p:spPr>
+          <a:xfrm>
+            <a:off x="511628" y="432254"/>
+            <a:ext cx="10515600" cy="4351338"/>
+          </a:xfrm>
+        </p:spPr>
+        <p:txBody>
+          <a:bodyPr/>
+          <a:lstStyle/>
+          <a:p>
+            <a:pPr marL="0" indent="0">
+              <a:buNone/>
+            </a:pPr>
+            <a:r>
+              <a:rPr lang="en" b="0" dirty="0">
+                <a:solidFill>
+                  <a:srgbClr val="569CD6"/>
+                </a:solidFill>
+                <a:effectLst/>
+                <a:latin typeface="Menlo" panose="020B0609030804020204" pitchFamily="49" charset="0"/>
+              </a:rPr>
+              <a:t>template</a:t>
+            </a:r>
+            <a:r>
+              <a:rPr lang="en" b="0" dirty="0">
+                <a:solidFill>
+                  <a:srgbClr val="D4D4D4"/>
+                </a:solidFill>
+                <a:effectLst/>
+                <a:latin typeface="Menlo" panose="020B0609030804020204" pitchFamily="49" charset="0"/>
+              </a:rPr>
+              <a:t> &lt;</a:t>
+            </a:r>
+            <a:r>
+              <a:rPr lang="en" b="0" dirty="0" err="1">
+                <a:solidFill>
+                  <a:srgbClr val="569CD6"/>
+                </a:solidFill>
+                <a:effectLst/>
+                <a:latin typeface="Menlo" panose="020B0609030804020204" pitchFamily="49" charset="0"/>
+              </a:rPr>
+              <a:t>typename</a:t>
+            </a:r>
+            <a:r>
+              <a:rPr lang="en" b="0" dirty="0">
+                <a:solidFill>
+                  <a:srgbClr val="D4D4D4"/>
+                </a:solidFill>
+                <a:effectLst/>
+                <a:latin typeface="Menlo" panose="020B0609030804020204" pitchFamily="49" charset="0"/>
+              </a:rPr>
+              <a:t>... </a:t>
+            </a:r>
+            <a:r>
+              <a:rPr lang="en" b="0" dirty="0" err="1">
+                <a:solidFill>
+                  <a:srgbClr val="4EC9B0"/>
+                </a:solidFill>
+                <a:effectLst/>
+                <a:latin typeface="Menlo" panose="020B0609030804020204" pitchFamily="49" charset="0"/>
+              </a:rPr>
+              <a:t>Args</a:t>
+            </a:r>
+            <a:r>
+              <a:rPr lang="en" b="0" dirty="0">
+                <a:solidFill>
+                  <a:srgbClr val="D4D4D4"/>
+                </a:solidFill>
+                <a:effectLst/>
+                <a:latin typeface="Menlo" panose="020B0609030804020204" pitchFamily="49" charset="0"/>
+              </a:rPr>
+              <a:t>&gt;</a:t>
+            </a:r>
+          </a:p>
+          <a:p>
+            <a:pPr marL="0" indent="0">
+              <a:buNone/>
+            </a:pPr>
+            <a:r>
+              <a:rPr lang="en" b="0" dirty="0">
+                <a:solidFill>
+                  <a:srgbClr val="569CD6"/>
+                </a:solidFill>
+                <a:effectLst/>
+                <a:latin typeface="Menlo" panose="020B0609030804020204" pitchFamily="49" charset="0"/>
+              </a:rPr>
+              <a:t>void</a:t>
+            </a:r>
+            <a:r>
+              <a:rPr lang="en" b="0" dirty="0">
+                <a:solidFill>
+                  <a:srgbClr val="D4D4D4"/>
+                </a:solidFill>
+                <a:effectLst/>
+                <a:latin typeface="Menlo" panose="020B0609030804020204" pitchFamily="49" charset="0"/>
+              </a:rPr>
+              <a:t> </a:t>
+            </a:r>
+            <a:r>
+              <a:rPr lang="en" b="0" dirty="0" err="1">
+                <a:solidFill>
+                  <a:srgbClr val="DCDCAA"/>
+                </a:solidFill>
+                <a:effectLst/>
+                <a:latin typeface="Menlo" panose="020B0609030804020204" pitchFamily="49" charset="0"/>
+              </a:rPr>
+              <a:t>printArgs</a:t>
+            </a:r>
+            <a:r>
+              <a:rPr lang="en" b="0" dirty="0">
+                <a:solidFill>
+                  <a:srgbClr val="D4D4D4"/>
+                </a:solidFill>
+                <a:effectLst/>
+                <a:latin typeface="Menlo" panose="020B0609030804020204" pitchFamily="49" charset="0"/>
+              </a:rPr>
+              <a:t>(</a:t>
+            </a:r>
+            <a:r>
+              <a:rPr lang="en" b="0" dirty="0" err="1">
+                <a:solidFill>
+                  <a:srgbClr val="4EC9B0"/>
+                </a:solidFill>
+                <a:effectLst/>
+                <a:latin typeface="Menlo" panose="020B0609030804020204" pitchFamily="49" charset="0"/>
+              </a:rPr>
+              <a:t>Args</a:t>
+            </a:r>
+            <a:r>
+              <a:rPr lang="en" b="0" dirty="0">
+                <a:solidFill>
+                  <a:srgbClr val="D4D4D4"/>
+                </a:solidFill>
+                <a:effectLst/>
+                <a:latin typeface="Menlo" panose="020B0609030804020204" pitchFamily="49" charset="0"/>
+              </a:rPr>
+              <a:t>... </a:t>
+            </a:r>
+            <a:r>
+              <a:rPr lang="en" b="0" dirty="0" err="1">
+                <a:solidFill>
+                  <a:srgbClr val="9CDCFE"/>
+                </a:solidFill>
+                <a:effectLst/>
+                <a:latin typeface="Menlo" panose="020B0609030804020204" pitchFamily="49" charset="0"/>
+              </a:rPr>
+              <a:t>args</a:t>
+            </a:r>
+            <a:r>
+              <a:rPr lang="en" b="0" dirty="0">
+                <a:solidFill>
+                  <a:srgbClr val="D4D4D4"/>
+                </a:solidFill>
+                <a:effectLst/>
+                <a:latin typeface="Menlo" panose="020B0609030804020204" pitchFamily="49" charset="0"/>
+              </a:rPr>
+              <a:t>)</a:t>
+            </a:r>
+          </a:p>
+          <a:p>
+            <a:pPr marL="0" indent="0">
+              <a:buNone/>
+            </a:pPr>
+            <a:r>
+              <a:rPr lang="en" b="0" dirty="0">
+                <a:solidFill>
+                  <a:srgbClr val="D4D4D4"/>
+                </a:solidFill>
+                <a:effectLst/>
+                <a:latin typeface="Menlo" panose="020B0609030804020204" pitchFamily="49" charset="0"/>
+              </a:rPr>
+              <a:t>{</a:t>
+            </a:r>
+          </a:p>
+          <a:p>
+            <a:pPr marL="0" indent="0">
+              <a:buNone/>
+            </a:pPr>
+            <a:r>
+              <a:rPr lang="ru-RU" b="0" dirty="0">
+                <a:solidFill>
+                  <a:srgbClr val="D4D4D4"/>
+                </a:solidFill>
+                <a:effectLst/>
+                <a:latin typeface="Menlo" panose="020B0609030804020204" pitchFamily="49" charset="0"/>
+              </a:rPr>
+              <a:t>	</a:t>
+            </a:r>
+            <a:r>
+              <a:rPr lang="en" b="0" dirty="0">
+                <a:solidFill>
+                  <a:srgbClr val="D4D4D4"/>
+                </a:solidFill>
+                <a:effectLst/>
+                <a:latin typeface="Menlo" panose="020B0609030804020204" pitchFamily="49" charset="0"/>
+              </a:rPr>
+              <a:t>((</a:t>
+            </a:r>
+            <a:r>
+              <a:rPr lang="en" b="0" dirty="0">
+                <a:solidFill>
+                  <a:srgbClr val="4EC9B0"/>
+                </a:solidFill>
+                <a:effectLst/>
+                <a:latin typeface="Menlo" panose="020B0609030804020204" pitchFamily="49" charset="0"/>
+              </a:rPr>
+              <a:t>std</a:t>
+            </a:r>
+            <a:r>
+              <a:rPr lang="en" b="0" dirty="0">
+                <a:solidFill>
+                  <a:srgbClr val="D4D4D4"/>
+                </a:solidFill>
+                <a:effectLst/>
+                <a:latin typeface="Menlo" panose="020B0609030804020204" pitchFamily="49" charset="0"/>
+              </a:rPr>
+              <a:t>::</a:t>
+            </a:r>
+            <a:r>
+              <a:rPr lang="en" b="0" dirty="0">
+                <a:solidFill>
+                  <a:srgbClr val="9CDCFE"/>
+                </a:solidFill>
+                <a:effectLst/>
+                <a:latin typeface="Menlo" panose="020B0609030804020204" pitchFamily="49" charset="0"/>
+              </a:rPr>
+              <a:t>cout</a:t>
+            </a:r>
+            <a:r>
+              <a:rPr lang="en" b="0" dirty="0">
+                <a:solidFill>
+                  <a:srgbClr val="D4D4D4"/>
+                </a:solidFill>
+                <a:effectLst/>
+                <a:latin typeface="Menlo" panose="020B0609030804020204" pitchFamily="49" charset="0"/>
+              </a:rPr>
+              <a:t> &lt;&lt; </a:t>
+            </a:r>
+            <a:r>
+              <a:rPr lang="en" b="0" dirty="0" err="1">
+                <a:solidFill>
+                  <a:srgbClr val="9CDCFE"/>
+                </a:solidFill>
+                <a:effectLst/>
+                <a:latin typeface="Menlo" panose="020B0609030804020204" pitchFamily="49" charset="0"/>
+              </a:rPr>
+              <a:t>args</a:t>
+            </a:r>
+            <a:r>
+              <a:rPr lang="en" b="0" dirty="0">
+                <a:solidFill>
+                  <a:srgbClr val="D4D4D4"/>
+                </a:solidFill>
+                <a:effectLst/>
+                <a:latin typeface="Menlo" panose="020B0609030804020204" pitchFamily="49" charset="0"/>
+              </a:rPr>
+              <a:t>), ...);</a:t>
+            </a:r>
+          </a:p>
+          <a:p>
+            <a:pPr marL="0" indent="0">
+              <a:buNone/>
+            </a:pPr>
+            <a:r>
+              <a:rPr lang="en" b="0" dirty="0">
+                <a:solidFill>
+                  <a:srgbClr val="D4D4D4"/>
+                </a:solidFill>
+                <a:effectLst/>
+                <a:latin typeface="Menlo" panose="020B0609030804020204" pitchFamily="49" charset="0"/>
+              </a:rPr>
+              <a:t>}</a:t>
+            </a:r>
+          </a:p>
+          <a:p>
+            <a:pPr marL="0" indent="0">
+              <a:buNone/>
+            </a:pPr>
+            <a:endParaRPr lang="en" dirty="0">
+              <a:solidFill>
+                <a:srgbClr val="D4D4D4"/>
+              </a:solidFill>
+              <a:latin typeface="Menlo" panose="020B0609030804020204" pitchFamily="49" charset="0"/>
+            </a:endParaRPr>
+          </a:p>
+          <a:p>
+            <a:pPr marL="0" indent="0">
+              <a:buNone/>
+            </a:pPr>
+            <a:endParaRPr lang="en" b="0" dirty="0">
+              <a:solidFill>
+                <a:srgbClr val="D4D4D4"/>
+              </a:solidFill>
+              <a:effectLst/>
+              <a:latin typeface="Menlo" panose="020B0609030804020204" pitchFamily="49" charset="0"/>
+            </a:endParaRPr>
+          </a:p>
+          <a:p>
+            <a:pPr marL="0" indent="0">
+              <a:buNone/>
+            </a:pPr>
+            <a:endParaRPr lang="ru-RU" dirty="0"/>
+          </a:p>
+        </p:txBody>
+      </p:sp>
+    </p:spTree>
+    <p:extLst>
+      <p:ext uri="{BB962C8B-B14F-4D97-AF65-F5344CB8AC3E}">
+        <p14:creationId xmlns:p14="http://schemas.microsoft.com/office/powerpoint/2010/main" val="2008589494"/>
+      </p:ext>
+    </p:extLst>
+  </p:cSld>
+  <p:clrMapOvr>
+    <a:masterClrMapping/>
+  </p:clrMapOvr>
+</p:sld>
+</file>
+
+<file path=ppt/slides/slide32.xml><?xml version="1.0" encoding="utf-8"?>
+<p:sld xmlns:a="http://schemas.openxmlformats.org/drawingml/2006/main" xmlns:r="http://schemas.openxmlformats.org/officeDocument/2006/relationships" xmlns:p="http://schemas.openxmlformats.org/presentationml/2006/main">
+  <p:cSld>
+    <p:bg>
+      <p:bgPr>
+        <a:solidFill>
+          <a:schemeClr val="tx1"/>
+        </a:solidFill>
+        <a:effectLst/>
+      </p:bgPr>
+    </p:bg>
+    <p:spTree>
+      <p:nvGrpSpPr>
+        <p:cNvPr id="1" name=""/>
+        <p:cNvGrpSpPr/>
+        <p:nvPr/>
+      </p:nvGrpSpPr>
+      <p:grpSpPr>
+        <a:xfrm>
+          <a:off x="0" y="0"/>
+          <a:ext cx="0" cy="0"/>
+          <a:chOff x="0" y="0"/>
+          <a:chExt cx="0" cy="0"/>
+        </a:xfrm>
+      </p:grpSpPr>
+      <p:sp>
+        <p:nvSpPr>
+          <p:cNvPr id="3" name="Объект 2">
+            <a:extLst>
+              <a:ext uri="{FF2B5EF4-FFF2-40B4-BE49-F238E27FC236}">
+                <a16:creationId xmlns:a16="http://schemas.microsoft.com/office/drawing/2014/main" id="{32BBD526-46F9-27F7-DA73-1187253FDF71}"/>
+              </a:ext>
+            </a:extLst>
+          </p:cNvPr>
+          <p:cNvSpPr>
+            <a:spLocks noGrp="1"/>
+          </p:cNvSpPr>
+          <p:nvPr>
+            <p:ph idx="1"/>
+          </p:nvPr>
+        </p:nvSpPr>
+        <p:spPr>
+          <a:xfrm>
+            <a:off x="511628" y="432253"/>
+            <a:ext cx="10515600" cy="6327775"/>
+          </a:xfrm>
+        </p:spPr>
+        <p:txBody>
+          <a:bodyPr/>
+          <a:lstStyle/>
+          <a:p>
+            <a:pPr marL="0" indent="0">
+              <a:buNone/>
+            </a:pPr>
+            <a:r>
+              <a:rPr lang="en" b="0" dirty="0">
+                <a:solidFill>
+                  <a:srgbClr val="569CD6"/>
+                </a:solidFill>
+                <a:effectLst/>
+                <a:latin typeface="Menlo" panose="020B0609030804020204" pitchFamily="49" charset="0"/>
+              </a:rPr>
+              <a:t>template</a:t>
+            </a:r>
+            <a:r>
+              <a:rPr lang="en" b="0" dirty="0">
+                <a:solidFill>
+                  <a:srgbClr val="D4D4D4"/>
+                </a:solidFill>
+                <a:effectLst/>
+                <a:latin typeface="Menlo" panose="020B0609030804020204" pitchFamily="49" charset="0"/>
+              </a:rPr>
+              <a:t> &lt;</a:t>
+            </a:r>
+            <a:r>
+              <a:rPr lang="en" b="0" dirty="0" err="1">
+                <a:solidFill>
+                  <a:srgbClr val="569CD6"/>
+                </a:solidFill>
+                <a:effectLst/>
+                <a:latin typeface="Menlo" panose="020B0609030804020204" pitchFamily="49" charset="0"/>
+              </a:rPr>
+              <a:t>typename</a:t>
+            </a:r>
+            <a:r>
+              <a:rPr lang="en" b="0" dirty="0">
+                <a:solidFill>
+                  <a:srgbClr val="D4D4D4"/>
+                </a:solidFill>
+                <a:effectLst/>
+                <a:latin typeface="Menlo" panose="020B0609030804020204" pitchFamily="49" charset="0"/>
+              </a:rPr>
+              <a:t>... </a:t>
+            </a:r>
+            <a:r>
+              <a:rPr lang="en" b="0" dirty="0" err="1">
+                <a:solidFill>
+                  <a:srgbClr val="4EC9B0"/>
+                </a:solidFill>
+                <a:effectLst/>
+                <a:latin typeface="Menlo" panose="020B0609030804020204" pitchFamily="49" charset="0"/>
+              </a:rPr>
+              <a:t>Args</a:t>
+            </a:r>
+            <a:r>
+              <a:rPr lang="en" b="0" dirty="0">
+                <a:solidFill>
+                  <a:srgbClr val="D4D4D4"/>
+                </a:solidFill>
+                <a:effectLst/>
+                <a:latin typeface="Menlo" panose="020B0609030804020204" pitchFamily="49" charset="0"/>
+              </a:rPr>
+              <a:t>&gt;</a:t>
+            </a:r>
+          </a:p>
+          <a:p>
+            <a:pPr marL="0" indent="0">
+              <a:buNone/>
+            </a:pPr>
+            <a:r>
+              <a:rPr lang="en" b="0" dirty="0">
+                <a:solidFill>
+                  <a:srgbClr val="569CD6"/>
+                </a:solidFill>
+                <a:effectLst/>
+                <a:latin typeface="Menlo" panose="020B0609030804020204" pitchFamily="49" charset="0"/>
+              </a:rPr>
+              <a:t>void</a:t>
+            </a:r>
+            <a:r>
+              <a:rPr lang="en" b="0" dirty="0">
+                <a:solidFill>
+                  <a:srgbClr val="D4D4D4"/>
+                </a:solidFill>
+                <a:effectLst/>
+                <a:latin typeface="Menlo" panose="020B0609030804020204" pitchFamily="49" charset="0"/>
+              </a:rPr>
+              <a:t> </a:t>
+            </a:r>
+            <a:r>
+              <a:rPr lang="en" b="0" dirty="0" err="1">
+                <a:solidFill>
+                  <a:srgbClr val="DCDCAA"/>
+                </a:solidFill>
+                <a:effectLst/>
+                <a:latin typeface="Menlo" panose="020B0609030804020204" pitchFamily="49" charset="0"/>
+              </a:rPr>
+              <a:t>printArgs</a:t>
+            </a:r>
+            <a:r>
+              <a:rPr lang="en" b="0" dirty="0">
+                <a:solidFill>
+                  <a:srgbClr val="D4D4D4"/>
+                </a:solidFill>
+                <a:effectLst/>
+                <a:latin typeface="Menlo" panose="020B0609030804020204" pitchFamily="49" charset="0"/>
+              </a:rPr>
+              <a:t>(</a:t>
+            </a:r>
+            <a:r>
+              <a:rPr lang="en" b="0" dirty="0" err="1">
+                <a:solidFill>
+                  <a:srgbClr val="4EC9B0"/>
+                </a:solidFill>
+                <a:effectLst/>
+                <a:latin typeface="Menlo" panose="020B0609030804020204" pitchFamily="49" charset="0"/>
+              </a:rPr>
+              <a:t>Args</a:t>
+            </a:r>
+            <a:r>
+              <a:rPr lang="en" b="0" dirty="0">
+                <a:solidFill>
+                  <a:srgbClr val="D4D4D4"/>
+                </a:solidFill>
+                <a:effectLst/>
+                <a:latin typeface="Menlo" panose="020B0609030804020204" pitchFamily="49" charset="0"/>
+              </a:rPr>
+              <a:t>... </a:t>
+            </a:r>
+            <a:r>
+              <a:rPr lang="en" b="0" dirty="0" err="1">
+                <a:solidFill>
+                  <a:srgbClr val="9CDCFE"/>
+                </a:solidFill>
+                <a:effectLst/>
+                <a:latin typeface="Menlo" panose="020B0609030804020204" pitchFamily="49" charset="0"/>
+              </a:rPr>
+              <a:t>args</a:t>
+            </a:r>
+            <a:r>
+              <a:rPr lang="en" b="0" dirty="0">
+                <a:solidFill>
+                  <a:srgbClr val="D4D4D4"/>
+                </a:solidFill>
+                <a:effectLst/>
+                <a:latin typeface="Menlo" panose="020B0609030804020204" pitchFamily="49" charset="0"/>
+              </a:rPr>
+              <a:t>)</a:t>
+            </a:r>
+          </a:p>
+          <a:p>
+            <a:pPr marL="0" indent="0">
+              <a:buNone/>
+            </a:pPr>
+            <a:r>
+              <a:rPr lang="en" b="0" dirty="0">
+                <a:solidFill>
+                  <a:srgbClr val="D4D4D4"/>
+                </a:solidFill>
+                <a:effectLst/>
+                <a:latin typeface="Menlo" panose="020B0609030804020204" pitchFamily="49" charset="0"/>
+              </a:rPr>
+              <a:t>{</a:t>
+            </a:r>
+          </a:p>
+          <a:p>
+            <a:pPr marL="0" indent="0">
+              <a:buNone/>
+            </a:pPr>
+            <a:r>
+              <a:rPr lang="ru-RU" b="0" dirty="0">
+                <a:solidFill>
+                  <a:srgbClr val="D4D4D4"/>
+                </a:solidFill>
+                <a:effectLst/>
+                <a:latin typeface="Menlo" panose="020B0609030804020204" pitchFamily="49" charset="0"/>
+              </a:rPr>
+              <a:t>	</a:t>
+            </a:r>
+            <a:r>
+              <a:rPr lang="en" b="0" dirty="0">
+                <a:solidFill>
+                  <a:srgbClr val="D4D4D4"/>
+                </a:solidFill>
+                <a:effectLst/>
+                <a:latin typeface="Menlo" panose="020B0609030804020204" pitchFamily="49" charset="0"/>
+              </a:rPr>
+              <a:t>((</a:t>
+            </a:r>
+            <a:r>
+              <a:rPr lang="en" b="0" dirty="0">
+                <a:solidFill>
+                  <a:srgbClr val="4EC9B0"/>
+                </a:solidFill>
+                <a:effectLst/>
+                <a:latin typeface="Menlo" panose="020B0609030804020204" pitchFamily="49" charset="0"/>
+              </a:rPr>
+              <a:t>std</a:t>
+            </a:r>
+            <a:r>
+              <a:rPr lang="en" b="0" dirty="0">
+                <a:solidFill>
+                  <a:srgbClr val="D4D4D4"/>
+                </a:solidFill>
+                <a:effectLst/>
+                <a:latin typeface="Menlo" panose="020B0609030804020204" pitchFamily="49" charset="0"/>
+              </a:rPr>
+              <a:t>::</a:t>
+            </a:r>
+            <a:r>
+              <a:rPr lang="en" b="0" dirty="0">
+                <a:solidFill>
+                  <a:srgbClr val="9CDCFE"/>
+                </a:solidFill>
+                <a:effectLst/>
+                <a:latin typeface="Menlo" panose="020B0609030804020204" pitchFamily="49" charset="0"/>
+              </a:rPr>
+              <a:t>cout</a:t>
+            </a:r>
+            <a:r>
+              <a:rPr lang="en" b="0" dirty="0">
+                <a:solidFill>
+                  <a:srgbClr val="D4D4D4"/>
+                </a:solidFill>
+                <a:effectLst/>
+                <a:latin typeface="Menlo" panose="020B0609030804020204" pitchFamily="49" charset="0"/>
+              </a:rPr>
+              <a:t> &lt;&lt; </a:t>
+            </a:r>
+            <a:r>
+              <a:rPr lang="en" b="0" dirty="0" err="1">
+                <a:solidFill>
+                  <a:srgbClr val="9CDCFE"/>
+                </a:solidFill>
+                <a:effectLst/>
+                <a:latin typeface="Menlo" panose="020B0609030804020204" pitchFamily="49" charset="0"/>
+              </a:rPr>
+              <a:t>args</a:t>
+            </a:r>
+            <a:r>
+              <a:rPr lang="en" b="0" dirty="0">
+                <a:solidFill>
+                  <a:srgbClr val="D4D4D4"/>
+                </a:solidFill>
+                <a:effectLst/>
+                <a:latin typeface="Menlo" panose="020B0609030804020204" pitchFamily="49" charset="0"/>
+              </a:rPr>
+              <a:t>), ...);</a:t>
+            </a:r>
+          </a:p>
+          <a:p>
+            <a:pPr marL="0" indent="0">
+              <a:buNone/>
+            </a:pPr>
+            <a:r>
+              <a:rPr lang="en" b="0" dirty="0">
+                <a:solidFill>
+                  <a:srgbClr val="D4D4D4"/>
+                </a:solidFill>
+                <a:effectLst/>
+                <a:latin typeface="Menlo" panose="020B0609030804020204" pitchFamily="49" charset="0"/>
+              </a:rPr>
+              <a:t>}</a:t>
+            </a:r>
+          </a:p>
+          <a:p>
+            <a:pPr marL="0" indent="0">
+              <a:buNone/>
+            </a:pPr>
+            <a:endParaRPr lang="en" dirty="0">
+              <a:solidFill>
+                <a:srgbClr val="D4D4D4"/>
+              </a:solidFill>
+              <a:latin typeface="Menlo" panose="020B0609030804020204" pitchFamily="49" charset="0"/>
+            </a:endParaRPr>
+          </a:p>
+          <a:p>
+            <a:pPr marL="0" indent="0">
+              <a:buNone/>
+            </a:pPr>
+            <a:r>
+              <a:rPr lang="en" b="0" dirty="0">
+                <a:solidFill>
+                  <a:srgbClr val="569CD6"/>
+                </a:solidFill>
+                <a:effectLst/>
+                <a:latin typeface="Menlo" panose="020B0609030804020204" pitchFamily="49" charset="0"/>
+              </a:rPr>
+              <a:t>int</a:t>
+            </a:r>
+            <a:r>
+              <a:rPr lang="en" b="0" dirty="0">
+                <a:solidFill>
+                  <a:srgbClr val="D4D4D4"/>
+                </a:solidFill>
+                <a:effectLst/>
+                <a:latin typeface="Menlo" panose="020B0609030804020204" pitchFamily="49" charset="0"/>
+              </a:rPr>
+              <a:t> </a:t>
+            </a:r>
+            <a:r>
+              <a:rPr lang="en" b="0" dirty="0">
+                <a:solidFill>
+                  <a:srgbClr val="DCDCAA"/>
+                </a:solidFill>
+                <a:effectLst/>
+                <a:latin typeface="Menlo" panose="020B0609030804020204" pitchFamily="49" charset="0"/>
+              </a:rPr>
+              <a:t>main</a:t>
+            </a:r>
+            <a:r>
+              <a:rPr lang="en" b="0" dirty="0">
+                <a:solidFill>
+                  <a:srgbClr val="D4D4D4"/>
+                </a:solidFill>
+                <a:effectLst/>
+                <a:latin typeface="Menlo" panose="020B0609030804020204" pitchFamily="49" charset="0"/>
+              </a:rPr>
+              <a:t>()</a:t>
+            </a:r>
+          </a:p>
+          <a:p>
+            <a:pPr marL="0" indent="0">
+              <a:buNone/>
+            </a:pPr>
+            <a:r>
+              <a:rPr lang="en" b="0" dirty="0">
+                <a:solidFill>
+                  <a:srgbClr val="D4D4D4"/>
+                </a:solidFill>
+                <a:effectLst/>
+                <a:latin typeface="Menlo" panose="020B0609030804020204" pitchFamily="49" charset="0"/>
+              </a:rPr>
+              <a:t>{</a:t>
+            </a:r>
+          </a:p>
+          <a:p>
+            <a:pPr marL="0" indent="0">
+              <a:buNone/>
+            </a:pPr>
+            <a:r>
+              <a:rPr lang="en" b="0" dirty="0">
+                <a:solidFill>
+                  <a:srgbClr val="DCDCAA"/>
+                </a:solidFill>
+                <a:effectLst/>
+                <a:latin typeface="Menlo" panose="020B0609030804020204" pitchFamily="49" charset="0"/>
+              </a:rPr>
+              <a:t>	</a:t>
+            </a:r>
+            <a:r>
+              <a:rPr lang="en" b="0" dirty="0" err="1">
+                <a:solidFill>
+                  <a:srgbClr val="DCDCAA"/>
+                </a:solidFill>
+                <a:effectLst/>
+                <a:latin typeface="Menlo" panose="020B0609030804020204" pitchFamily="49" charset="0"/>
+              </a:rPr>
+              <a:t>printArgs</a:t>
+            </a:r>
+            <a:r>
+              <a:rPr lang="en" b="0" dirty="0">
+                <a:solidFill>
+                  <a:srgbClr val="D4D4D4"/>
+                </a:solidFill>
+                <a:effectLst/>
+                <a:latin typeface="Menlo" panose="020B0609030804020204" pitchFamily="49" charset="0"/>
+              </a:rPr>
+              <a:t>(</a:t>
+            </a:r>
+            <a:r>
+              <a:rPr lang="en" b="0" dirty="0">
+                <a:solidFill>
+                  <a:srgbClr val="CE9178"/>
+                </a:solidFill>
+                <a:effectLst/>
+                <a:latin typeface="Menlo" panose="020B0609030804020204" pitchFamily="49" charset="0"/>
+              </a:rPr>
+              <a:t>"Hello"</a:t>
+            </a:r>
+            <a:r>
+              <a:rPr lang="en" b="0" dirty="0">
+                <a:solidFill>
+                  <a:srgbClr val="D4D4D4"/>
+                </a:solidFill>
+                <a:effectLst/>
+                <a:latin typeface="Menlo" panose="020B0609030804020204" pitchFamily="49" charset="0"/>
+              </a:rPr>
+              <a:t>, </a:t>
+            </a:r>
+            <a:r>
+              <a:rPr lang="en" b="0" dirty="0">
+                <a:solidFill>
+                  <a:srgbClr val="CE9178"/>
+                </a:solidFill>
+                <a:effectLst/>
+                <a:latin typeface="Menlo" panose="020B0609030804020204" pitchFamily="49" charset="0"/>
+              </a:rPr>
+              <a:t>" World, "</a:t>
+            </a:r>
+            <a:r>
+              <a:rPr lang="en" b="0" dirty="0">
+                <a:solidFill>
+                  <a:srgbClr val="D4D4D4"/>
+                </a:solidFill>
+                <a:effectLst/>
+                <a:latin typeface="Menlo" panose="020B0609030804020204" pitchFamily="49" charset="0"/>
+              </a:rPr>
+              <a:t>, </a:t>
+            </a:r>
+            <a:r>
+              <a:rPr lang="en" b="0" dirty="0">
+                <a:solidFill>
+                  <a:srgbClr val="CE9178"/>
+                </a:solidFill>
+                <a:effectLst/>
+                <a:latin typeface="Menlo" panose="020B0609030804020204" pitchFamily="49" charset="0"/>
+              </a:rPr>
+              <a:t>"user"</a:t>
+            </a:r>
+            <a:r>
+              <a:rPr lang="en" b="0" dirty="0">
+                <a:solidFill>
+                  <a:srgbClr val="D4D4D4"/>
+                </a:solidFill>
+                <a:effectLst/>
+                <a:latin typeface="Menlo" panose="020B0609030804020204" pitchFamily="49" charset="0"/>
+              </a:rPr>
+              <a:t>,</a:t>
+            </a:r>
+            <a:r>
+              <a:rPr lang="en" b="0" dirty="0">
+                <a:solidFill>
+                  <a:srgbClr val="CE9178"/>
+                </a:solidFill>
+                <a:effectLst/>
+                <a:latin typeface="Menlo" panose="020B0609030804020204" pitchFamily="49" charset="0"/>
+              </a:rPr>
+              <a:t>"!"</a:t>
+            </a:r>
+            <a:r>
+              <a:rPr lang="en" b="0" dirty="0">
+                <a:solidFill>
+                  <a:srgbClr val="D4D4D4"/>
+                </a:solidFill>
+                <a:effectLst/>
+                <a:latin typeface="Menlo" panose="020B0609030804020204" pitchFamily="49" charset="0"/>
+              </a:rPr>
+              <a:t>);</a:t>
+            </a:r>
+            <a:r>
+              <a:rPr lang="en" b="0" dirty="0">
+                <a:solidFill>
+                  <a:srgbClr val="6A9955"/>
+                </a:solidFill>
+                <a:effectLst/>
+                <a:latin typeface="Menlo" panose="020B0609030804020204" pitchFamily="49" charset="0"/>
+              </a:rPr>
+              <a:t> </a:t>
+            </a:r>
+          </a:p>
+          <a:p>
+            <a:pPr marL="0" indent="0">
+              <a:buNone/>
+            </a:pPr>
+            <a:r>
+              <a:rPr lang="en" b="0" dirty="0">
+                <a:solidFill>
+                  <a:srgbClr val="C586C0"/>
+                </a:solidFill>
+                <a:effectLst/>
+                <a:latin typeface="Menlo" panose="020B0609030804020204" pitchFamily="49" charset="0"/>
+              </a:rPr>
+              <a:t>	return</a:t>
+            </a:r>
+            <a:r>
+              <a:rPr lang="en" b="0" dirty="0">
+                <a:solidFill>
+                  <a:srgbClr val="D4D4D4"/>
+                </a:solidFill>
+                <a:effectLst/>
+                <a:latin typeface="Menlo" panose="020B0609030804020204" pitchFamily="49" charset="0"/>
+              </a:rPr>
+              <a:t> </a:t>
+            </a:r>
+            <a:r>
+              <a:rPr lang="en" b="0" dirty="0">
+                <a:solidFill>
+                  <a:srgbClr val="B5CEA8"/>
+                </a:solidFill>
+                <a:effectLst/>
+                <a:latin typeface="Menlo" panose="020B0609030804020204" pitchFamily="49" charset="0"/>
+              </a:rPr>
+              <a:t>0</a:t>
+            </a:r>
+            <a:r>
+              <a:rPr lang="en" b="0" dirty="0">
+                <a:solidFill>
+                  <a:srgbClr val="D4D4D4"/>
+                </a:solidFill>
+                <a:effectLst/>
+                <a:latin typeface="Menlo" panose="020B0609030804020204" pitchFamily="49" charset="0"/>
+              </a:rPr>
+              <a:t>;</a:t>
+            </a:r>
+          </a:p>
+          <a:p>
+            <a:pPr marL="0" indent="0">
+              <a:buNone/>
+            </a:pPr>
+            <a:r>
+              <a:rPr lang="en" b="0" dirty="0">
+                <a:solidFill>
+                  <a:srgbClr val="D4D4D4"/>
+                </a:solidFill>
+                <a:effectLst/>
+                <a:latin typeface="Menlo" panose="020B0609030804020204" pitchFamily="49" charset="0"/>
+              </a:rPr>
+              <a:t>}</a:t>
+            </a:r>
+          </a:p>
+          <a:p>
+            <a:pPr marL="0" indent="0">
+              <a:buNone/>
+            </a:pPr>
+            <a:endParaRPr lang="en" b="0" dirty="0">
+              <a:solidFill>
+                <a:srgbClr val="D4D4D4"/>
+              </a:solidFill>
+              <a:effectLst/>
+              <a:latin typeface="Menlo" panose="020B0609030804020204" pitchFamily="49" charset="0"/>
+            </a:endParaRPr>
+          </a:p>
+          <a:p>
+            <a:pPr marL="0" indent="0">
+              <a:buNone/>
+            </a:pPr>
+            <a:endParaRPr lang="en" dirty="0">
+              <a:solidFill>
+                <a:srgbClr val="D4D4D4"/>
+              </a:solidFill>
+              <a:latin typeface="Menlo" panose="020B0609030804020204" pitchFamily="49" charset="0"/>
+            </a:endParaRPr>
+          </a:p>
+          <a:p>
+            <a:pPr marL="0" indent="0">
+              <a:buNone/>
+            </a:pPr>
+            <a:endParaRPr lang="en" b="0" dirty="0">
+              <a:solidFill>
+                <a:srgbClr val="D4D4D4"/>
+              </a:solidFill>
+              <a:effectLst/>
+              <a:latin typeface="Menlo" panose="020B0609030804020204" pitchFamily="49" charset="0"/>
+            </a:endParaRPr>
+          </a:p>
+          <a:p>
+            <a:pPr marL="0" indent="0">
+              <a:buNone/>
+            </a:pPr>
+            <a:endParaRPr lang="ru-RU" dirty="0"/>
+          </a:p>
+        </p:txBody>
+      </p:sp>
+    </p:spTree>
+    <p:extLst>
+      <p:ext uri="{BB962C8B-B14F-4D97-AF65-F5344CB8AC3E}">
+        <p14:creationId xmlns:p14="http://schemas.microsoft.com/office/powerpoint/2010/main" val="3745226914"/>
+      </p:ext>
+    </p:extLst>
+  </p:cSld>
+  <p:clrMapOvr>
+    <a:masterClrMapping/>
+  </p:clrMapOvr>
+</p:sld>
+</file>
+
+<file path=ppt/slides/slide33.xml><?xml version="1.0" encoding="utf-8"?>
+<p:sld xmlns:a="http://schemas.openxmlformats.org/drawingml/2006/main" xmlns:r="http://schemas.openxmlformats.org/officeDocument/2006/relationships" xmlns:p="http://schemas.openxmlformats.org/presentationml/2006/main">
+  <p:cSld>
+    <p:spTree>
+      <p:nvGrpSpPr>
+        <p:cNvPr id="1" name=""/>
+        <p:cNvGrpSpPr/>
+        <p:nvPr/>
+      </p:nvGrpSpPr>
+      <p:grpSpPr>
+        <a:xfrm>
+          <a:off x="0" y="0"/>
+          <a:ext cx="0" cy="0"/>
+          <a:chOff x="0" y="0"/>
+          <a:chExt cx="0" cy="0"/>
+        </a:xfrm>
+      </p:grpSpPr>
+      <p:sp>
+        <p:nvSpPr>
+          <p:cNvPr id="2" name="Заголовок 1">
+            <a:extLst>
+              <a:ext uri="{FF2B5EF4-FFF2-40B4-BE49-F238E27FC236}">
+                <a16:creationId xmlns:a16="http://schemas.microsoft.com/office/drawing/2014/main" id="{E27F206F-1DC0-6379-1570-FD6F377807A2}"/>
+              </a:ext>
+            </a:extLst>
+          </p:cNvPr>
+          <p:cNvSpPr>
+            <a:spLocks noGrp="1"/>
+          </p:cNvSpPr>
+          <p:nvPr>
+            <p:ph type="title"/>
+          </p:nvPr>
+        </p:nvSpPr>
+        <p:spPr/>
+        <p:txBody>
+          <a:bodyPr/>
+          <a:lstStyle/>
+          <a:p>
+            <a:r>
+              <a:rPr lang="en-US" dirty="0" err="1"/>
+              <a:t>П</a:t>
+            </a:r>
+            <a:r>
+              <a:rPr lang="ru-RU" dirty="0" err="1"/>
+              <a:t>римечание</a:t>
+            </a:r>
+            <a:endParaRPr lang="ru-RU" dirty="0"/>
+          </a:p>
+        </p:txBody>
+      </p:sp>
+      <p:sp>
+        <p:nvSpPr>
+          <p:cNvPr id="3" name="Объект 2">
+            <a:extLst>
+              <a:ext uri="{FF2B5EF4-FFF2-40B4-BE49-F238E27FC236}">
+                <a16:creationId xmlns:a16="http://schemas.microsoft.com/office/drawing/2014/main" id="{9F38BA2A-CD67-1821-431B-85B33CD79E7B}"/>
+              </a:ext>
+            </a:extLst>
+          </p:cNvPr>
+          <p:cNvSpPr>
+            <a:spLocks noGrp="1"/>
+          </p:cNvSpPr>
+          <p:nvPr>
+            <p:ph idx="1"/>
+          </p:nvPr>
+        </p:nvSpPr>
+        <p:spPr/>
+        <p:txBody>
+          <a:bodyPr/>
+          <a:lstStyle/>
+          <a:p>
+            <a:endParaRPr lang="ru-RU"/>
+          </a:p>
+        </p:txBody>
+      </p:sp>
+    </p:spTree>
+    <p:extLst>
+      <p:ext uri="{BB962C8B-B14F-4D97-AF65-F5344CB8AC3E}">
+        <p14:creationId xmlns:p14="http://schemas.microsoft.com/office/powerpoint/2010/main" val="1457275666"/>
+      </p:ext>
+    </p:extLst>
+  </p:cSld>
+  <p:clrMapOvr>
+    <a:masterClrMapping/>
+  </p:clrMapOvr>
+</p:sld>
+</file>
+
+<file path=ppt/slides/slide34.xml><?xml version="1.0" encoding="utf-8"?>
+<p:sld xmlns:a="http://schemas.openxmlformats.org/drawingml/2006/main" xmlns:r="http://schemas.openxmlformats.org/officeDocument/2006/relationships" xmlns:p="http://schemas.openxmlformats.org/presentationml/2006/main">
+  <p:cSld>
+    <p:spTree>
+      <p:nvGrpSpPr>
+        <p:cNvPr id="1" name=""/>
+        <p:cNvGrpSpPr/>
+        <p:nvPr/>
+      </p:nvGrpSpPr>
+      <p:grpSpPr>
+        <a:xfrm>
+          <a:off x="0" y="0"/>
+          <a:ext cx="0" cy="0"/>
+          <a:chOff x="0" y="0"/>
+          <a:chExt cx="0" cy="0"/>
+        </a:xfrm>
+      </p:grpSpPr>
+      <p:sp>
+        <p:nvSpPr>
+          <p:cNvPr id="2" name="Заголовок 1">
+            <a:extLst>
+              <a:ext uri="{FF2B5EF4-FFF2-40B4-BE49-F238E27FC236}">
+                <a16:creationId xmlns:a16="http://schemas.microsoft.com/office/drawing/2014/main" id="{E27F206F-1DC0-6379-1570-FD6F377807A2}"/>
+              </a:ext>
+            </a:extLst>
+          </p:cNvPr>
+          <p:cNvSpPr>
+            <a:spLocks noGrp="1"/>
+          </p:cNvSpPr>
+          <p:nvPr>
+            <p:ph type="title"/>
+          </p:nvPr>
+        </p:nvSpPr>
+        <p:spPr/>
+        <p:txBody>
+          <a:bodyPr/>
+          <a:lstStyle/>
+          <a:p>
+            <a:r>
+              <a:rPr lang="en-US" dirty="0" err="1"/>
+              <a:t>П</a:t>
+            </a:r>
+            <a:r>
+              <a:rPr lang="ru-RU" dirty="0" err="1"/>
+              <a:t>римечание</a:t>
+            </a:r>
+            <a:endParaRPr lang="ru-RU" dirty="0"/>
+          </a:p>
+        </p:txBody>
+      </p:sp>
+      <p:sp>
+        <p:nvSpPr>
+          <p:cNvPr id="3" name="Объект 2">
+            <a:extLst>
+              <a:ext uri="{FF2B5EF4-FFF2-40B4-BE49-F238E27FC236}">
+                <a16:creationId xmlns:a16="http://schemas.microsoft.com/office/drawing/2014/main" id="{9F38BA2A-CD67-1821-431B-85B33CD79E7B}"/>
+              </a:ext>
+            </a:extLst>
+          </p:cNvPr>
+          <p:cNvSpPr>
+            <a:spLocks noGrp="1"/>
+          </p:cNvSpPr>
+          <p:nvPr>
+            <p:ph idx="1"/>
+          </p:nvPr>
+        </p:nvSpPr>
+        <p:spPr/>
+        <p:txBody>
+          <a:bodyPr/>
+          <a:lstStyle/>
+          <a:p>
+            <a:pPr marL="0" indent="0">
+              <a:buNone/>
+            </a:pPr>
+            <a:r>
+              <a:rPr lang="ru-RU" dirty="0"/>
+              <a:t>	Иногда для вызова шаблонной функции нам нужна конкретная её версия</a:t>
+            </a:r>
+            <a:r>
+              <a:rPr lang="en-US" dirty="0"/>
+              <a:t>. </a:t>
+            </a:r>
+            <a:r>
+              <a:rPr lang="en-US" dirty="0" err="1"/>
+              <a:t>Н</a:t>
+            </a:r>
+            <a:r>
+              <a:rPr lang="ru-RU" dirty="0" err="1"/>
+              <a:t>апример</a:t>
+            </a:r>
+            <a:r>
+              <a:rPr lang="ru-RU" dirty="0"/>
+              <a:t> версия шаблонной функции с </a:t>
+            </a:r>
+            <a:r>
+              <a:rPr lang="en-US" dirty="0"/>
+              <a:t>int.</a:t>
+            </a:r>
+            <a:endParaRPr lang="ru-RU" dirty="0"/>
+          </a:p>
+        </p:txBody>
+      </p:sp>
+    </p:spTree>
+    <p:extLst>
+      <p:ext uri="{BB962C8B-B14F-4D97-AF65-F5344CB8AC3E}">
+        <p14:creationId xmlns:p14="http://schemas.microsoft.com/office/powerpoint/2010/main" val="2307898705"/>
+      </p:ext>
+    </p:extLst>
+  </p:cSld>
+  <p:clrMapOvr>
+    <a:masterClrMapping/>
+  </p:clrMapOvr>
+</p:sld>
+</file>
+
+<file path=ppt/slides/slide35.xml><?xml version="1.0" encoding="utf-8"?>
+<p:sld xmlns:a="http://schemas.openxmlformats.org/drawingml/2006/main" xmlns:r="http://schemas.openxmlformats.org/officeDocument/2006/relationships" xmlns:p="http://schemas.openxmlformats.org/presentationml/2006/main">
+  <p:cSld>
+    <p:spTree>
+      <p:nvGrpSpPr>
+        <p:cNvPr id="1" name=""/>
+        <p:cNvGrpSpPr/>
+        <p:nvPr/>
+      </p:nvGrpSpPr>
+      <p:grpSpPr>
+        <a:xfrm>
+          <a:off x="0" y="0"/>
+          <a:ext cx="0" cy="0"/>
+          <a:chOff x="0" y="0"/>
+          <a:chExt cx="0" cy="0"/>
+        </a:xfrm>
+      </p:grpSpPr>
+      <p:sp>
+        <p:nvSpPr>
+          <p:cNvPr id="2" name="Заголовок 1">
+            <a:extLst>
+              <a:ext uri="{FF2B5EF4-FFF2-40B4-BE49-F238E27FC236}">
+                <a16:creationId xmlns:a16="http://schemas.microsoft.com/office/drawing/2014/main" id="{E27F206F-1DC0-6379-1570-FD6F377807A2}"/>
+              </a:ext>
+            </a:extLst>
+          </p:cNvPr>
+          <p:cNvSpPr>
+            <a:spLocks noGrp="1"/>
+          </p:cNvSpPr>
+          <p:nvPr>
+            <p:ph type="title"/>
+          </p:nvPr>
+        </p:nvSpPr>
+        <p:spPr/>
+        <p:txBody>
+          <a:bodyPr/>
+          <a:lstStyle/>
+          <a:p>
+            <a:r>
+              <a:rPr lang="en-US" dirty="0" err="1"/>
+              <a:t>П</a:t>
+            </a:r>
+            <a:r>
+              <a:rPr lang="ru-RU" dirty="0" err="1"/>
+              <a:t>римечание</a:t>
+            </a:r>
+            <a:endParaRPr lang="ru-RU" dirty="0"/>
+          </a:p>
+        </p:txBody>
+      </p:sp>
+      <p:sp>
+        <p:nvSpPr>
+          <p:cNvPr id="3" name="Объект 2">
+            <a:extLst>
+              <a:ext uri="{FF2B5EF4-FFF2-40B4-BE49-F238E27FC236}">
+                <a16:creationId xmlns:a16="http://schemas.microsoft.com/office/drawing/2014/main" id="{9F38BA2A-CD67-1821-431B-85B33CD79E7B}"/>
+              </a:ext>
+            </a:extLst>
+          </p:cNvPr>
+          <p:cNvSpPr>
+            <a:spLocks noGrp="1"/>
+          </p:cNvSpPr>
+          <p:nvPr>
+            <p:ph idx="1"/>
+          </p:nvPr>
+        </p:nvSpPr>
+        <p:spPr/>
+        <p:txBody>
+          <a:bodyPr/>
+          <a:lstStyle/>
+          <a:p>
+            <a:pPr marL="0" indent="0">
+              <a:buNone/>
+            </a:pPr>
+            <a:r>
+              <a:rPr lang="ru-RU" dirty="0"/>
+              <a:t>	Иногда для вызова шаблонной функции нам нужна конкретная её версия</a:t>
+            </a:r>
+            <a:r>
+              <a:rPr lang="en-US" dirty="0"/>
+              <a:t>. </a:t>
+            </a:r>
+            <a:r>
+              <a:rPr lang="en-US" dirty="0" err="1"/>
+              <a:t>Н</a:t>
+            </a:r>
+            <a:r>
+              <a:rPr lang="ru-RU" dirty="0" err="1"/>
+              <a:t>апример</a:t>
+            </a:r>
+            <a:r>
+              <a:rPr lang="ru-RU" dirty="0"/>
+              <a:t> версия шаблонной функции с </a:t>
+            </a:r>
+            <a:r>
+              <a:rPr lang="en-US" dirty="0"/>
+              <a:t>int.</a:t>
+            </a:r>
+          </a:p>
+          <a:p>
+            <a:pPr marL="0" indent="0">
+              <a:buNone/>
+            </a:pPr>
+            <a:r>
+              <a:rPr lang="ru-RU" dirty="0"/>
+              <a:t>	Вызов такой функции осуществляется следующим </a:t>
+            </a:r>
+            <a:r>
+              <a:rPr lang="ru-RU" dirty="0" err="1"/>
+              <a:t>синтак</a:t>
+            </a:r>
+            <a:r>
+              <a:rPr lang="en-US" dirty="0"/>
+              <a:t>c</a:t>
+            </a:r>
+            <a:r>
+              <a:rPr lang="ru-RU" dirty="0" err="1"/>
+              <a:t>исом</a:t>
+            </a:r>
+            <a:r>
+              <a:rPr lang="ru-RU" dirty="0"/>
+              <a:t>:</a:t>
+            </a:r>
+          </a:p>
+        </p:txBody>
+      </p:sp>
+    </p:spTree>
+    <p:extLst>
+      <p:ext uri="{BB962C8B-B14F-4D97-AF65-F5344CB8AC3E}">
+        <p14:creationId xmlns:p14="http://schemas.microsoft.com/office/powerpoint/2010/main" val="1261485525"/>
+      </p:ext>
+    </p:extLst>
+  </p:cSld>
+  <p:clrMapOvr>
+    <a:masterClrMapping/>
+  </p:clrMapOvr>
+</p:sld>
+</file>
+
+<file path=ppt/slides/slide36.xml><?xml version="1.0" encoding="utf-8"?>
+<p:sld xmlns:a="http://schemas.openxmlformats.org/drawingml/2006/main" xmlns:r="http://schemas.openxmlformats.org/officeDocument/2006/relationships" xmlns:p="http://schemas.openxmlformats.org/presentationml/2006/main">
+  <p:cSld>
+    <p:spTree>
+      <p:nvGrpSpPr>
+        <p:cNvPr id="1" name=""/>
+        <p:cNvGrpSpPr/>
+        <p:nvPr/>
+      </p:nvGrpSpPr>
+      <p:grpSpPr>
+        <a:xfrm>
+          <a:off x="0" y="0"/>
+          <a:ext cx="0" cy="0"/>
+          <a:chOff x="0" y="0"/>
+          <a:chExt cx="0" cy="0"/>
+        </a:xfrm>
+      </p:grpSpPr>
+      <p:sp>
+        <p:nvSpPr>
+          <p:cNvPr id="2" name="Заголовок 1">
+            <a:extLst>
+              <a:ext uri="{FF2B5EF4-FFF2-40B4-BE49-F238E27FC236}">
+                <a16:creationId xmlns:a16="http://schemas.microsoft.com/office/drawing/2014/main" id="{E27F206F-1DC0-6379-1570-FD6F377807A2}"/>
+              </a:ext>
+            </a:extLst>
+          </p:cNvPr>
+          <p:cNvSpPr>
+            <a:spLocks noGrp="1"/>
+          </p:cNvSpPr>
+          <p:nvPr>
+            <p:ph type="title"/>
+          </p:nvPr>
+        </p:nvSpPr>
+        <p:spPr/>
+        <p:txBody>
+          <a:bodyPr/>
+          <a:lstStyle/>
+          <a:p>
+            <a:r>
+              <a:rPr lang="en-US" dirty="0" err="1"/>
+              <a:t>П</a:t>
+            </a:r>
+            <a:r>
+              <a:rPr lang="ru-RU" dirty="0" err="1"/>
+              <a:t>римечание</a:t>
+            </a:r>
+            <a:endParaRPr lang="ru-RU" dirty="0"/>
+          </a:p>
+        </p:txBody>
+      </p:sp>
+      <p:sp>
+        <p:nvSpPr>
+          <p:cNvPr id="3" name="Объект 2">
+            <a:extLst>
+              <a:ext uri="{FF2B5EF4-FFF2-40B4-BE49-F238E27FC236}">
+                <a16:creationId xmlns:a16="http://schemas.microsoft.com/office/drawing/2014/main" id="{9F38BA2A-CD67-1821-431B-85B33CD79E7B}"/>
+              </a:ext>
+            </a:extLst>
+          </p:cNvPr>
+          <p:cNvSpPr>
+            <a:spLocks noGrp="1"/>
+          </p:cNvSpPr>
+          <p:nvPr>
+            <p:ph idx="1"/>
+          </p:nvPr>
+        </p:nvSpPr>
+        <p:spPr/>
+        <p:txBody>
+          <a:bodyPr/>
+          <a:lstStyle/>
+          <a:p>
+            <a:pPr marL="0" indent="0">
+              <a:buNone/>
+            </a:pPr>
+            <a:r>
+              <a:rPr lang="ru-RU" dirty="0"/>
+              <a:t>	Иногда для вызова шаблонной функции нам нужна конкретная её версия</a:t>
+            </a:r>
+            <a:r>
+              <a:rPr lang="en-US" dirty="0"/>
+              <a:t>. </a:t>
+            </a:r>
+            <a:r>
+              <a:rPr lang="en-US" dirty="0" err="1"/>
+              <a:t>Н</a:t>
+            </a:r>
+            <a:r>
+              <a:rPr lang="ru-RU" dirty="0" err="1"/>
+              <a:t>апример</a:t>
+            </a:r>
+            <a:r>
+              <a:rPr lang="ru-RU" dirty="0"/>
+              <a:t> версия шаблонной функции с </a:t>
+            </a:r>
+            <a:r>
+              <a:rPr lang="en-US" dirty="0"/>
+              <a:t>int.</a:t>
+            </a:r>
+          </a:p>
+          <a:p>
+            <a:pPr marL="0" indent="0">
+              <a:buNone/>
+            </a:pPr>
+            <a:r>
+              <a:rPr lang="ru-RU" dirty="0"/>
+              <a:t>	Вызов такой функции осуществляется следующим </a:t>
+            </a:r>
+            <a:r>
+              <a:rPr lang="ru-RU" dirty="0" err="1"/>
+              <a:t>синтак</a:t>
+            </a:r>
+            <a:r>
+              <a:rPr lang="en-US" dirty="0"/>
+              <a:t>c</a:t>
+            </a:r>
+            <a:r>
+              <a:rPr lang="ru-RU" dirty="0" err="1"/>
+              <a:t>исом</a:t>
+            </a:r>
+            <a:r>
+              <a:rPr lang="ru-RU" dirty="0"/>
+              <a:t>:</a:t>
+            </a:r>
+            <a:endParaRPr lang="en-US" dirty="0"/>
+          </a:p>
+          <a:p>
+            <a:pPr marL="0" indent="0">
+              <a:buNone/>
+            </a:pPr>
+            <a:r>
+              <a:rPr lang="en-US" dirty="0"/>
+              <a:t>	</a:t>
+            </a:r>
+            <a:r>
+              <a:rPr lang="en" b="0" dirty="0">
+                <a:solidFill>
+                  <a:srgbClr val="DCDCAA"/>
+                </a:solidFill>
+                <a:effectLst/>
+                <a:latin typeface="Menlo" panose="020B0609030804020204" pitchFamily="49" charset="0"/>
+              </a:rPr>
+              <a:t>foo</a:t>
+            </a:r>
+            <a:r>
+              <a:rPr lang="en" b="0" dirty="0">
+                <a:solidFill>
+                  <a:srgbClr val="D4D4D4"/>
+                </a:solidFill>
+                <a:effectLst/>
+                <a:latin typeface="Menlo" panose="020B0609030804020204" pitchFamily="49" charset="0"/>
+              </a:rPr>
+              <a:t>&lt;</a:t>
+            </a:r>
+            <a:r>
+              <a:rPr lang="en" b="0" dirty="0">
+                <a:solidFill>
+                  <a:srgbClr val="569CD6"/>
+                </a:solidFill>
+                <a:effectLst/>
+                <a:latin typeface="Menlo" panose="020B0609030804020204" pitchFamily="49" charset="0"/>
+              </a:rPr>
+              <a:t>int</a:t>
+            </a:r>
+            <a:r>
+              <a:rPr lang="en" b="0" dirty="0">
+                <a:solidFill>
+                  <a:srgbClr val="D4D4D4"/>
+                </a:solidFill>
+                <a:effectLst/>
+                <a:latin typeface="Menlo" panose="020B0609030804020204" pitchFamily="49" charset="0"/>
+              </a:rPr>
+              <a:t>&gt;(</a:t>
+            </a:r>
+            <a:r>
+              <a:rPr lang="en" b="0" dirty="0">
+                <a:solidFill>
+                  <a:srgbClr val="B5CEA8"/>
+                </a:solidFill>
+                <a:effectLst/>
+                <a:latin typeface="Menlo" panose="020B0609030804020204" pitchFamily="49" charset="0"/>
+              </a:rPr>
+              <a:t>1</a:t>
+            </a:r>
+            <a:r>
+              <a:rPr lang="en" b="0" dirty="0">
+                <a:solidFill>
+                  <a:srgbClr val="D4D4D4"/>
+                </a:solidFill>
+                <a:effectLst/>
+                <a:latin typeface="Menlo" panose="020B0609030804020204" pitchFamily="49" charset="0"/>
+              </a:rPr>
+              <a:t>, </a:t>
+            </a:r>
+            <a:r>
+              <a:rPr lang="en" b="0" dirty="0">
+                <a:solidFill>
+                  <a:srgbClr val="B5CEA8"/>
+                </a:solidFill>
+                <a:effectLst/>
+                <a:latin typeface="Menlo" panose="020B0609030804020204" pitchFamily="49" charset="0"/>
+              </a:rPr>
+              <a:t>4</a:t>
+            </a:r>
+            <a:r>
+              <a:rPr lang="en" b="0" dirty="0">
+                <a:solidFill>
+                  <a:srgbClr val="D4D4D4"/>
+                </a:solidFill>
+                <a:effectLst/>
+                <a:latin typeface="Menlo" panose="020B0609030804020204" pitchFamily="49" charset="0"/>
+              </a:rPr>
+              <a:t>, </a:t>
+            </a:r>
+            <a:r>
+              <a:rPr lang="en" b="0" dirty="0">
+                <a:solidFill>
+                  <a:srgbClr val="B5CEA8"/>
+                </a:solidFill>
+                <a:effectLst/>
+                <a:latin typeface="Menlo" panose="020B0609030804020204" pitchFamily="49" charset="0"/>
+              </a:rPr>
+              <a:t>2</a:t>
+            </a:r>
+            <a:r>
+              <a:rPr lang="en" b="0" dirty="0">
+                <a:solidFill>
+                  <a:srgbClr val="D4D4D4"/>
+                </a:solidFill>
+                <a:effectLst/>
+                <a:latin typeface="Menlo" panose="020B0609030804020204" pitchFamily="49" charset="0"/>
+              </a:rPr>
+              <a:t>);</a:t>
+            </a:r>
+          </a:p>
+        </p:txBody>
+      </p:sp>
+    </p:spTree>
+    <p:extLst>
+      <p:ext uri="{BB962C8B-B14F-4D97-AF65-F5344CB8AC3E}">
+        <p14:creationId xmlns:p14="http://schemas.microsoft.com/office/powerpoint/2010/main" val="2152774836"/>
+      </p:ext>
+    </p:extLst>
+  </p:cSld>
+  <p:clrMapOvr>
+    <a:masterClrMapping/>
+  </p:clrMapOvr>
+</p:sld>
+</file>
+
+<file path=ppt/slides/slide37.xml><?xml version="1.0" encoding="utf-8"?>
+<p:sld xmlns:a="http://schemas.openxmlformats.org/drawingml/2006/main" xmlns:r="http://schemas.openxmlformats.org/officeDocument/2006/relationships" xmlns:p="http://schemas.openxmlformats.org/presentationml/2006/main">
+  <p:cSld>
+    <p:spTree>
+      <p:nvGrpSpPr>
+        <p:cNvPr id="1" name=""/>
+        <p:cNvGrpSpPr/>
+        <p:nvPr/>
+      </p:nvGrpSpPr>
+      <p:grpSpPr>
+        <a:xfrm>
+          <a:off x="0" y="0"/>
+          <a:ext cx="0" cy="0"/>
+          <a:chOff x="0" y="0"/>
+          <a:chExt cx="0" cy="0"/>
+        </a:xfrm>
+      </p:grpSpPr>
+      <p:sp>
+        <p:nvSpPr>
+          <p:cNvPr id="2" name="Заголовок 1">
+            <a:extLst>
+              <a:ext uri="{FF2B5EF4-FFF2-40B4-BE49-F238E27FC236}">
+                <a16:creationId xmlns:a16="http://schemas.microsoft.com/office/drawing/2014/main" id="{E27F206F-1DC0-6379-1570-FD6F377807A2}"/>
+              </a:ext>
+            </a:extLst>
+          </p:cNvPr>
+          <p:cNvSpPr>
+            <a:spLocks noGrp="1"/>
+          </p:cNvSpPr>
+          <p:nvPr>
+            <p:ph type="title"/>
+          </p:nvPr>
+        </p:nvSpPr>
+        <p:spPr/>
+        <p:txBody>
+          <a:bodyPr/>
+          <a:lstStyle/>
+          <a:p>
+            <a:r>
+              <a:rPr lang="en-US" dirty="0" err="1"/>
+              <a:t>П</a:t>
+            </a:r>
+            <a:r>
+              <a:rPr lang="ru-RU" dirty="0" err="1"/>
+              <a:t>римечание</a:t>
+            </a:r>
+            <a:endParaRPr lang="ru-RU" dirty="0"/>
+          </a:p>
+        </p:txBody>
+      </p:sp>
+      <p:sp>
+        <p:nvSpPr>
+          <p:cNvPr id="3" name="Объект 2">
+            <a:extLst>
+              <a:ext uri="{FF2B5EF4-FFF2-40B4-BE49-F238E27FC236}">
+                <a16:creationId xmlns:a16="http://schemas.microsoft.com/office/drawing/2014/main" id="{9F38BA2A-CD67-1821-431B-85B33CD79E7B}"/>
+              </a:ext>
+            </a:extLst>
+          </p:cNvPr>
+          <p:cNvSpPr>
+            <a:spLocks noGrp="1"/>
+          </p:cNvSpPr>
+          <p:nvPr>
+            <p:ph idx="1"/>
+          </p:nvPr>
+        </p:nvSpPr>
+        <p:spPr/>
+        <p:txBody>
+          <a:bodyPr/>
+          <a:lstStyle/>
+          <a:p>
+            <a:pPr marL="0" indent="0">
+              <a:buNone/>
+            </a:pPr>
+            <a:r>
+              <a:rPr lang="ru-RU" dirty="0"/>
+              <a:t>	Иногда для вызова шаблонной функции нам нужна конкретная её версия</a:t>
+            </a:r>
+            <a:r>
+              <a:rPr lang="en-US" dirty="0"/>
+              <a:t>. </a:t>
+            </a:r>
+            <a:r>
+              <a:rPr lang="en-US" dirty="0" err="1"/>
+              <a:t>Н</a:t>
+            </a:r>
+            <a:r>
+              <a:rPr lang="ru-RU" dirty="0" err="1"/>
+              <a:t>апример</a:t>
+            </a:r>
+            <a:r>
+              <a:rPr lang="ru-RU" dirty="0"/>
+              <a:t> версия шаблонной функции с </a:t>
+            </a:r>
+            <a:r>
+              <a:rPr lang="en-US" dirty="0"/>
+              <a:t>int.</a:t>
+            </a:r>
+          </a:p>
+          <a:p>
+            <a:pPr marL="0" indent="0">
+              <a:buNone/>
+            </a:pPr>
+            <a:r>
+              <a:rPr lang="ru-RU" dirty="0"/>
+              <a:t>	Вызов такой функции осуществляется следующим </a:t>
+            </a:r>
+            <a:r>
+              <a:rPr lang="ru-RU" dirty="0" err="1"/>
+              <a:t>синтак</a:t>
+            </a:r>
+            <a:r>
+              <a:rPr lang="en-US" dirty="0"/>
+              <a:t>c</a:t>
+            </a:r>
+            <a:r>
+              <a:rPr lang="ru-RU" dirty="0" err="1"/>
+              <a:t>исом</a:t>
+            </a:r>
+            <a:r>
+              <a:rPr lang="ru-RU" dirty="0"/>
+              <a:t>:</a:t>
+            </a:r>
+            <a:endParaRPr lang="en-US" dirty="0"/>
+          </a:p>
+          <a:p>
+            <a:pPr marL="0" indent="0">
+              <a:buNone/>
+            </a:pPr>
+            <a:r>
+              <a:rPr lang="en-US" dirty="0"/>
+              <a:t>	</a:t>
+            </a:r>
+            <a:r>
+              <a:rPr lang="en" b="0" dirty="0">
+                <a:solidFill>
+                  <a:srgbClr val="DCDCAA"/>
+                </a:solidFill>
+                <a:effectLst/>
+                <a:latin typeface="Menlo" panose="020B0609030804020204" pitchFamily="49" charset="0"/>
+              </a:rPr>
+              <a:t>foo</a:t>
+            </a:r>
+            <a:r>
+              <a:rPr lang="en" b="0" dirty="0">
+                <a:solidFill>
+                  <a:srgbClr val="D4D4D4"/>
+                </a:solidFill>
+                <a:effectLst/>
+                <a:latin typeface="Menlo" panose="020B0609030804020204" pitchFamily="49" charset="0"/>
+              </a:rPr>
+              <a:t>&lt;</a:t>
+            </a:r>
+            <a:r>
+              <a:rPr lang="en" b="0" dirty="0">
+                <a:solidFill>
+                  <a:srgbClr val="569CD6"/>
+                </a:solidFill>
+                <a:effectLst/>
+                <a:latin typeface="Menlo" panose="020B0609030804020204" pitchFamily="49" charset="0"/>
+              </a:rPr>
+              <a:t>int</a:t>
+            </a:r>
+            <a:r>
+              <a:rPr lang="en" b="0" dirty="0">
+                <a:solidFill>
+                  <a:srgbClr val="D4D4D4"/>
+                </a:solidFill>
+                <a:effectLst/>
+                <a:latin typeface="Menlo" panose="020B0609030804020204" pitchFamily="49" charset="0"/>
+              </a:rPr>
+              <a:t>&gt;(</a:t>
+            </a:r>
+            <a:r>
+              <a:rPr lang="en" b="0" dirty="0">
+                <a:solidFill>
+                  <a:srgbClr val="B5CEA8"/>
+                </a:solidFill>
+                <a:effectLst/>
+                <a:latin typeface="Menlo" panose="020B0609030804020204" pitchFamily="49" charset="0"/>
+              </a:rPr>
+              <a:t>1</a:t>
+            </a:r>
+            <a:r>
+              <a:rPr lang="en" b="0" dirty="0">
+                <a:solidFill>
+                  <a:srgbClr val="D4D4D4"/>
+                </a:solidFill>
+                <a:effectLst/>
+                <a:latin typeface="Menlo" panose="020B0609030804020204" pitchFamily="49" charset="0"/>
+              </a:rPr>
+              <a:t>, </a:t>
+            </a:r>
+            <a:r>
+              <a:rPr lang="en" b="0" dirty="0">
+                <a:solidFill>
+                  <a:srgbClr val="B5CEA8"/>
+                </a:solidFill>
+                <a:effectLst/>
+                <a:latin typeface="Menlo" panose="020B0609030804020204" pitchFamily="49" charset="0"/>
+              </a:rPr>
+              <a:t>4</a:t>
+            </a:r>
+            <a:r>
+              <a:rPr lang="en" b="0" dirty="0">
+                <a:solidFill>
+                  <a:srgbClr val="D4D4D4"/>
+                </a:solidFill>
+                <a:effectLst/>
+                <a:latin typeface="Menlo" panose="020B0609030804020204" pitchFamily="49" charset="0"/>
+              </a:rPr>
+              <a:t>, </a:t>
+            </a:r>
+            <a:r>
+              <a:rPr lang="en" b="0" dirty="0">
+                <a:solidFill>
+                  <a:srgbClr val="B5CEA8"/>
+                </a:solidFill>
+                <a:effectLst/>
+                <a:latin typeface="Menlo" panose="020B0609030804020204" pitchFamily="49" charset="0"/>
+              </a:rPr>
+              <a:t>2</a:t>
+            </a:r>
+            <a:r>
+              <a:rPr lang="en" b="0" dirty="0">
+                <a:solidFill>
+                  <a:srgbClr val="D4D4D4"/>
+                </a:solidFill>
+                <a:effectLst/>
+                <a:latin typeface="Menlo" panose="020B0609030804020204" pitchFamily="49" charset="0"/>
+              </a:rPr>
+              <a:t>);</a:t>
+            </a:r>
+          </a:p>
+          <a:p>
+            <a:pPr marL="0" indent="0">
+              <a:buNone/>
+            </a:pPr>
+            <a:endParaRPr lang="en" dirty="0">
+              <a:solidFill>
+                <a:srgbClr val="D4D4D4"/>
+              </a:solidFill>
+              <a:latin typeface="Menlo" panose="020B0609030804020204" pitchFamily="49" charset="0"/>
+            </a:endParaRPr>
+          </a:p>
+          <a:p>
+            <a:pPr marL="0" indent="0">
+              <a:buNone/>
+            </a:pPr>
+            <a:r>
+              <a:rPr lang="ru-RU" dirty="0">
+                <a:solidFill>
+                  <a:srgbClr val="D4D4D4"/>
+                </a:solidFill>
+                <a:latin typeface="Menlo" panose="020B0609030804020204" pitchFamily="49" charset="0"/>
+              </a:rPr>
+              <a:t>    </a:t>
+            </a:r>
+            <a:r>
+              <a:rPr lang="ru-RU" b="0" dirty="0">
+                <a:solidFill>
+                  <a:sysClr val="windowText" lastClr="000000"/>
+                </a:solidFill>
+                <a:effectLst/>
+                <a:latin typeface="Menlo" panose="020B0609030804020204" pitchFamily="49" charset="0"/>
+              </a:rPr>
+              <a:t>Версия функции (</a:t>
+            </a:r>
+            <a:r>
+              <a:rPr lang="ru-RU" b="0" dirty="0" err="1">
+                <a:solidFill>
+                  <a:sysClr val="windowText" lastClr="000000"/>
+                </a:solidFill>
+                <a:effectLst/>
+                <a:latin typeface="Menlo" panose="020B0609030804020204" pitchFamily="49" charset="0"/>
+              </a:rPr>
+              <a:t>i</a:t>
+            </a:r>
+            <a:r>
+              <a:rPr lang="en-US" b="0" dirty="0" err="1">
+                <a:solidFill>
+                  <a:sysClr val="windowText" lastClr="000000"/>
+                </a:solidFill>
+                <a:effectLst/>
+                <a:latin typeface="Menlo" panose="020B0609030804020204" pitchFamily="49" charset="0"/>
+              </a:rPr>
+              <a:t>nt</a:t>
+            </a:r>
+            <a:r>
+              <a:rPr lang="en-US" b="0" dirty="0">
+                <a:solidFill>
+                  <a:sysClr val="windowText" lastClr="000000"/>
+                </a:solidFill>
+                <a:effectLst/>
+                <a:latin typeface="Menlo" panose="020B0609030804020204" pitchFamily="49" charset="0"/>
+              </a:rPr>
+              <a:t>)</a:t>
+            </a:r>
+            <a:endParaRPr lang="en" b="0" dirty="0">
+              <a:solidFill>
+                <a:sysClr val="windowText" lastClr="000000"/>
+              </a:solidFill>
+              <a:effectLst/>
+              <a:latin typeface="Menlo" panose="020B0609030804020204" pitchFamily="49" charset="0"/>
+            </a:endParaRPr>
+          </a:p>
+        </p:txBody>
+      </p:sp>
+      <p:sp>
+        <p:nvSpPr>
+          <p:cNvPr id="4" name="Стрелка вниз 3">
+            <a:extLst>
+              <a:ext uri="{FF2B5EF4-FFF2-40B4-BE49-F238E27FC236}">
+                <a16:creationId xmlns:a16="http://schemas.microsoft.com/office/drawing/2014/main" id="{63F76B18-5029-1D9A-CD09-6D25669DF0E5}"/>
+              </a:ext>
+            </a:extLst>
+          </p:cNvPr>
+          <p:cNvSpPr/>
+          <p:nvPr/>
+        </p:nvSpPr>
+        <p:spPr>
+          <a:xfrm rot="10800000">
+            <a:off x="2912099" y="4095294"/>
+            <a:ext cx="211277" cy="497737"/>
+          </a:xfrm>
+          <a:prstGeom prst="downArrow">
+            <a:avLst/>
+          </a:prstGeom>
+        </p:spPr>
+        <p:style>
+          <a:lnRef idx="2">
+            <a:schemeClr val="accent1">
+              <a:shade val="15000"/>
+            </a:schemeClr>
+          </a:lnRef>
+          <a:fillRef idx="1">
+            <a:schemeClr val="accent1"/>
+          </a:fillRef>
+          <a:effectRef idx="0">
+            <a:schemeClr val="accent1"/>
+          </a:effectRef>
+          <a:fontRef idx="minor">
+            <a:schemeClr val="lt1"/>
+          </a:fontRef>
+        </p:style>
+        <p:txBody>
+          <a:bodyPr rtlCol="0" anchor="ctr"/>
+          <a:lstStyle/>
+          <a:p>
+            <a:pPr algn="ctr"/>
+            <a:endParaRPr lang="ru-RU"/>
+          </a:p>
+        </p:txBody>
+      </p:sp>
+    </p:spTree>
+    <p:extLst>
+      <p:ext uri="{BB962C8B-B14F-4D97-AF65-F5344CB8AC3E}">
+        <p14:creationId xmlns:p14="http://schemas.microsoft.com/office/powerpoint/2010/main" val="676258641"/>
+      </p:ext>
+    </p:extLst>
+  </p:cSld>
+  <p:clrMapOvr>
+    <a:masterClrMapping/>
+  </p:clrMapOvr>
+</p:sld>
+</file>
+
+<file path=ppt/slides/slide38.xml><?xml version="1.0" encoding="utf-8"?>
+<p:sld xmlns:a="http://schemas.openxmlformats.org/drawingml/2006/main" xmlns:r="http://schemas.openxmlformats.org/officeDocument/2006/relationships" xmlns:p="http://schemas.openxmlformats.org/presentationml/2006/main">
+  <p:cSld>
+    <p:spTree>
+      <p:nvGrpSpPr>
+        <p:cNvPr id="1" name=""/>
+        <p:cNvGrpSpPr/>
+        <p:nvPr/>
+      </p:nvGrpSpPr>
+      <p:grpSpPr>
+        <a:xfrm>
+          <a:off x="0" y="0"/>
+          <a:ext cx="0" cy="0"/>
+          <a:chOff x="0" y="0"/>
+          <a:chExt cx="0" cy="0"/>
+        </a:xfrm>
+      </p:grpSpPr>
+      <p:sp>
+        <p:nvSpPr>
+          <p:cNvPr id="2" name="Заголовок 1">
+            <a:extLst>
+              <a:ext uri="{FF2B5EF4-FFF2-40B4-BE49-F238E27FC236}">
+                <a16:creationId xmlns:a16="http://schemas.microsoft.com/office/drawing/2014/main" id="{D64B78CE-EC28-2CAE-40DB-F33C95617AC7}"/>
+              </a:ext>
+            </a:extLst>
+          </p:cNvPr>
+          <p:cNvSpPr>
+            <a:spLocks noGrp="1"/>
+          </p:cNvSpPr>
+          <p:nvPr>
+            <p:ph type="title"/>
+          </p:nvPr>
+        </p:nvSpPr>
+        <p:spPr/>
+        <p:txBody>
+          <a:bodyPr/>
+          <a:lstStyle/>
+          <a:p>
+            <a:r>
+              <a:rPr lang="ru-RU" dirty="0"/>
+              <a:t>Практика</a:t>
+            </a:r>
+          </a:p>
+        </p:txBody>
+      </p:sp>
+      <p:sp>
+        <p:nvSpPr>
+          <p:cNvPr id="3" name="Объект 2">
+            <a:extLst>
+              <a:ext uri="{FF2B5EF4-FFF2-40B4-BE49-F238E27FC236}">
+                <a16:creationId xmlns:a16="http://schemas.microsoft.com/office/drawing/2014/main" id="{138CD95D-47D8-E376-D06B-EE1139A0B8AA}"/>
+              </a:ext>
+            </a:extLst>
+          </p:cNvPr>
+          <p:cNvSpPr>
+            <a:spLocks noGrp="1"/>
+          </p:cNvSpPr>
+          <p:nvPr>
+            <p:ph idx="1"/>
+          </p:nvPr>
+        </p:nvSpPr>
+        <p:spPr/>
+        <p:txBody>
+          <a:bodyPr/>
+          <a:lstStyle/>
+          <a:p>
+            <a:endParaRPr lang="ru-RU"/>
+          </a:p>
+        </p:txBody>
+      </p:sp>
+    </p:spTree>
+    <p:extLst>
+      <p:ext uri="{BB962C8B-B14F-4D97-AF65-F5344CB8AC3E}">
+        <p14:creationId xmlns:p14="http://schemas.microsoft.com/office/powerpoint/2010/main" val="834742669"/>
+      </p:ext>
+    </p:extLst>
+  </p:cSld>
+  <p:clrMapOvr>
+    <a:masterClrMapping/>
+  </p:clrMapOvr>
+</p:sld>
+</file>
+
+<file path=ppt/slides/slide39.xml><?xml version="1.0" encoding="utf-8"?>
+<p:sld xmlns:a="http://schemas.openxmlformats.org/drawingml/2006/main" xmlns:r="http://schemas.openxmlformats.org/officeDocument/2006/relationships" xmlns:p="http://schemas.openxmlformats.org/presentationml/2006/main">
+  <p:cSld>
+    <p:spTree>
+      <p:nvGrpSpPr>
+        <p:cNvPr id="1" name=""/>
+        <p:cNvGrpSpPr/>
+        <p:nvPr/>
+      </p:nvGrpSpPr>
+      <p:grpSpPr>
+        <a:xfrm>
+          <a:off x="0" y="0"/>
+          <a:ext cx="0" cy="0"/>
+          <a:chOff x="0" y="0"/>
+          <a:chExt cx="0" cy="0"/>
+        </a:xfrm>
+      </p:grpSpPr>
+      <p:sp>
+        <p:nvSpPr>
+          <p:cNvPr id="2" name="Заголовок 1">
+            <a:extLst>
+              <a:ext uri="{FF2B5EF4-FFF2-40B4-BE49-F238E27FC236}">
+                <a16:creationId xmlns:a16="http://schemas.microsoft.com/office/drawing/2014/main" id="{D64B78CE-EC28-2CAE-40DB-F33C95617AC7}"/>
+              </a:ext>
+            </a:extLst>
+          </p:cNvPr>
+          <p:cNvSpPr>
+            <a:spLocks noGrp="1"/>
+          </p:cNvSpPr>
+          <p:nvPr>
+            <p:ph type="title"/>
+          </p:nvPr>
+        </p:nvSpPr>
+        <p:spPr/>
+        <p:txBody>
+          <a:bodyPr/>
+          <a:lstStyle/>
+          <a:p>
+            <a:r>
+              <a:rPr lang="ru-RU" dirty="0"/>
+              <a:t>Практика</a:t>
+            </a:r>
+          </a:p>
+        </p:txBody>
+      </p:sp>
+      <p:sp>
+        <p:nvSpPr>
+          <p:cNvPr id="3" name="Объект 2">
+            <a:extLst>
+              <a:ext uri="{FF2B5EF4-FFF2-40B4-BE49-F238E27FC236}">
+                <a16:creationId xmlns:a16="http://schemas.microsoft.com/office/drawing/2014/main" id="{138CD95D-47D8-E376-D06B-EE1139A0B8AA}"/>
+              </a:ext>
+            </a:extLst>
+          </p:cNvPr>
+          <p:cNvSpPr>
+            <a:spLocks noGrp="1"/>
+          </p:cNvSpPr>
+          <p:nvPr>
+            <p:ph idx="1"/>
+          </p:nvPr>
+        </p:nvSpPr>
+        <p:spPr/>
+        <p:txBody>
+          <a:bodyPr/>
+          <a:lstStyle/>
+          <a:p>
+            <a:r>
+              <a:rPr lang="ru-RU" dirty="0"/>
+              <a:t>Напишите вариативную шаблонную функцию,</a:t>
+            </a:r>
+            <a:r>
+              <a:rPr lang="en-US" dirty="0"/>
+              <a:t> </a:t>
+            </a:r>
+            <a:r>
+              <a:rPr lang="ru-RU" dirty="0"/>
+              <a:t>которая меняет значение принимаемых аргументов на 5+5 (10) и выводит их в консоль.</a:t>
+            </a:r>
+          </a:p>
+        </p:txBody>
+      </p:sp>
+    </p:spTree>
+    <p:extLst>
+      <p:ext uri="{BB962C8B-B14F-4D97-AF65-F5344CB8AC3E}">
+        <p14:creationId xmlns:p14="http://schemas.microsoft.com/office/powerpoint/2010/main" val="966301157"/>
+      </p:ext>
+    </p:extLst>
+  </p:cSld>
+  <p:clrMapOvr>
+    <a:masterClrMapping/>
+  </p:clrMapOvr>
+</p:sld>
+</file>
+
+<file path=ppt/slides/slide4.xml><?xml version="1.0" encoding="utf-8"?>
+<p:sld xmlns:a="http://schemas.openxmlformats.org/drawingml/2006/main" xmlns:r="http://schemas.openxmlformats.org/officeDocument/2006/relationships" xmlns:p="http://schemas.openxmlformats.org/presentationml/2006/main">
+  <p:cSld>
+    <p:spTree>
+      <p:nvGrpSpPr>
+        <p:cNvPr id="1" name=""/>
+        <p:cNvGrpSpPr/>
+        <p:nvPr/>
+      </p:nvGrpSpPr>
+      <p:grpSpPr>
+        <a:xfrm>
+          <a:off x="0" y="0"/>
+          <a:ext cx="0" cy="0"/>
+          <a:chOff x="0" y="0"/>
+          <a:chExt cx="0" cy="0"/>
+        </a:xfrm>
+      </p:grpSpPr>
+      <p:sp>
+        <p:nvSpPr>
+          <p:cNvPr id="2" name="Заголовок 1">
+            <a:extLst>
+              <a:ext uri="{FF2B5EF4-FFF2-40B4-BE49-F238E27FC236}">
+                <a16:creationId xmlns:a16="http://schemas.microsoft.com/office/drawing/2014/main" id="{80903BAD-605F-E0A6-8015-5853AE7F7022}"/>
+              </a:ext>
+            </a:extLst>
+          </p:cNvPr>
+          <p:cNvSpPr>
+            <a:spLocks noGrp="1"/>
+          </p:cNvSpPr>
+          <p:nvPr>
+            <p:ph type="title"/>
+          </p:nvPr>
+        </p:nvSpPr>
+        <p:spPr/>
+        <p:txBody>
+          <a:bodyPr/>
+          <a:lstStyle/>
+          <a:p>
+            <a:r>
+              <a:rPr lang="ru-RU" dirty="0"/>
+              <a:t>Шаблоны</a:t>
+            </a:r>
+          </a:p>
+        </p:txBody>
+      </p:sp>
+      <p:sp>
+        <p:nvSpPr>
+          <p:cNvPr id="3" name="Объект 2">
+            <a:extLst>
+              <a:ext uri="{FF2B5EF4-FFF2-40B4-BE49-F238E27FC236}">
+                <a16:creationId xmlns:a16="http://schemas.microsoft.com/office/drawing/2014/main" id="{315AA196-6A8E-F3F3-D91F-A0AD8DC1DE41}"/>
+              </a:ext>
+            </a:extLst>
+          </p:cNvPr>
+          <p:cNvSpPr>
+            <a:spLocks noGrp="1"/>
+          </p:cNvSpPr>
+          <p:nvPr>
+            <p:ph idx="1"/>
+          </p:nvPr>
+        </p:nvSpPr>
+        <p:spPr/>
+        <p:txBody>
+          <a:bodyPr/>
+          <a:lstStyle/>
+          <a:p>
+            <a:pPr marL="0" indent="0">
+              <a:buNone/>
+            </a:pPr>
+            <a:r>
+              <a:rPr lang="ru-RU" dirty="0"/>
+              <a:t>	Шаблоны — это фрагменты обобщённого кода, в котором некоторые типы или константы вынесены в параметры. Шаблонными могут быть функции, структуры (классы) и даже переменные. Компилятор превращает использование шаблона в конкретный код, подставляя в него нужные параметры на этапе компиляции. Шаблоны позволяют писать общий код, пригодный для использования с разными типами данных.</a:t>
+            </a:r>
+          </a:p>
+        </p:txBody>
+      </p:sp>
+    </p:spTree>
+    <p:extLst>
+      <p:ext uri="{BB962C8B-B14F-4D97-AF65-F5344CB8AC3E}">
+        <p14:creationId xmlns:p14="http://schemas.microsoft.com/office/powerpoint/2010/main" val="1513218945"/>
+      </p:ext>
+    </p:extLst>
+  </p:cSld>
+  <p:clrMapOvr>
+    <a:masterClrMapping/>
+  </p:clrMapOvr>
+</p:sld>
+</file>
+
+<file path=ppt/slides/slide40.xml><?xml version="1.0" encoding="utf-8"?>
+<p:sld xmlns:a="http://schemas.openxmlformats.org/drawingml/2006/main" xmlns:r="http://schemas.openxmlformats.org/officeDocument/2006/relationships" xmlns:p="http://schemas.openxmlformats.org/presentationml/2006/main">
+  <p:cSld>
+    <p:bg>
+      <p:bgPr>
+        <a:solidFill>
+          <a:srgbClr val="7030A0"/>
+        </a:solidFill>
+        <a:effectLst/>
+      </p:bgPr>
+    </p:bg>
+    <p:spTree>
+      <p:nvGrpSpPr>
+        <p:cNvPr id="1" name=""/>
+        <p:cNvGrpSpPr/>
+        <p:nvPr/>
+      </p:nvGrpSpPr>
+      <p:grpSpPr>
+        <a:xfrm>
+          <a:off x="0" y="0"/>
+          <a:ext cx="0" cy="0"/>
+          <a:chOff x="0" y="0"/>
+          <a:chExt cx="0" cy="0"/>
+        </a:xfrm>
+      </p:grpSpPr>
+      <p:sp>
+        <p:nvSpPr>
+          <p:cNvPr id="4" name="Заголовок 1">
+            <a:extLst>
+              <a:ext uri="{FF2B5EF4-FFF2-40B4-BE49-F238E27FC236}">
+                <a16:creationId xmlns:a16="http://schemas.microsoft.com/office/drawing/2014/main" id="{3DF9D4E5-64B5-9848-9C2C-67E2768D38D6}"/>
+              </a:ext>
+            </a:extLst>
+          </p:cNvPr>
+          <p:cNvSpPr>
+            <a:spLocks noGrp="1"/>
+          </p:cNvSpPr>
+          <p:nvPr/>
+        </p:nvSpPr>
+        <p:spPr>
+          <a:xfrm>
+            <a:off x="2343760" y="2711918"/>
+            <a:ext cx="7504479" cy="1434163"/>
+          </a:xfrm>
+          <a:prstGeom prst="rect">
+            <a:avLst/>
+          </a:prstGeom>
+        </p:spPr>
+        <p:txBody>
+          <a:bodyPr vert="horz" lIns="91440" tIns="45720" rIns="91440" bIns="45720" rtlCol="0" anchor="ctr">
+            <a:noAutofit/>
+          </a:bodyPr>
+          <a:lstStyle>
+            <a:defPPr>
+              <a:defRPr lang="ru-RU"/>
+            </a:defPPr>
+            <a:lvl1pPr marL="0" algn="l" defTabSz="914400" rtl="0" eaLnBrk="1" latinLnBrk="0" hangingPunct="1">
+              <a:defRPr sz="1800" kern="1200">
+                <a:solidFill>
+                  <a:schemeClr val="tx1"/>
+                </a:solidFill>
+                <a:latin typeface="+mn-lt"/>
+                <a:ea typeface="+mn-ea"/>
+                <a:cs typeface="+mn-cs"/>
+              </a:defRPr>
+            </a:lvl1pPr>
+            <a:lvl2pPr marL="457200" algn="l" defTabSz="914400" rtl="0" eaLnBrk="1" latinLnBrk="0" hangingPunct="1">
+              <a:defRPr sz="1800" kern="1200">
+                <a:solidFill>
+                  <a:schemeClr val="tx1"/>
+                </a:solidFill>
+                <a:latin typeface="+mn-lt"/>
+                <a:ea typeface="+mn-ea"/>
+                <a:cs typeface="+mn-cs"/>
+              </a:defRPr>
+            </a:lvl2pPr>
+            <a:lvl3pPr marL="914400" algn="l" defTabSz="914400" rtl="0" eaLnBrk="1" latinLnBrk="0" hangingPunct="1">
+              <a:defRPr sz="1800" kern="1200">
+                <a:solidFill>
+                  <a:schemeClr val="tx1"/>
+                </a:solidFill>
+                <a:latin typeface="+mn-lt"/>
+                <a:ea typeface="+mn-ea"/>
+                <a:cs typeface="+mn-cs"/>
+              </a:defRPr>
+            </a:lvl3pPr>
+            <a:lvl4pPr marL="1371600" algn="l" defTabSz="914400" rtl="0" eaLnBrk="1" latinLnBrk="0" hangingPunct="1">
+              <a:defRPr sz="1800" kern="1200">
+                <a:solidFill>
+                  <a:schemeClr val="tx1"/>
+                </a:solidFill>
+                <a:latin typeface="+mn-lt"/>
+                <a:ea typeface="+mn-ea"/>
+                <a:cs typeface="+mn-cs"/>
+              </a:defRPr>
+            </a:lvl4pPr>
+            <a:lvl5pPr marL="1828800" algn="l" defTabSz="914400" rtl="0" eaLnBrk="1" latinLnBrk="0" hangingPunct="1">
+              <a:defRPr sz="1800" kern="1200">
+                <a:solidFill>
+                  <a:schemeClr val="tx1"/>
+                </a:solidFill>
+                <a:latin typeface="+mn-lt"/>
+                <a:ea typeface="+mn-ea"/>
+                <a:cs typeface="+mn-cs"/>
+              </a:defRPr>
+            </a:lvl5pPr>
+            <a:lvl6pPr marL="2286000" algn="l" defTabSz="914400" rtl="0" eaLnBrk="1" latinLnBrk="0" hangingPunct="1">
+              <a:defRPr sz="1800" kern="1200">
+                <a:solidFill>
+                  <a:schemeClr val="tx1"/>
+                </a:solidFill>
+                <a:latin typeface="+mn-lt"/>
+                <a:ea typeface="+mn-ea"/>
+                <a:cs typeface="+mn-cs"/>
+              </a:defRPr>
+            </a:lvl6pPr>
+            <a:lvl7pPr marL="2743200" algn="l" defTabSz="914400" rtl="0" eaLnBrk="1" latinLnBrk="0" hangingPunct="1">
+              <a:defRPr sz="1800" kern="1200">
+                <a:solidFill>
+                  <a:schemeClr val="tx1"/>
+                </a:solidFill>
+                <a:latin typeface="+mn-lt"/>
+                <a:ea typeface="+mn-ea"/>
+                <a:cs typeface="+mn-cs"/>
+              </a:defRPr>
+            </a:lvl7pPr>
+            <a:lvl8pPr marL="3200400" algn="l" defTabSz="914400" rtl="0" eaLnBrk="1" latinLnBrk="0" hangingPunct="1">
+              <a:defRPr sz="1800" kern="1200">
+                <a:solidFill>
+                  <a:schemeClr val="tx1"/>
+                </a:solidFill>
+                <a:latin typeface="+mn-lt"/>
+                <a:ea typeface="+mn-ea"/>
+                <a:cs typeface="+mn-cs"/>
+              </a:defRPr>
+            </a:lvl8pPr>
+            <a:lvl9pPr marL="3657600" algn="l" defTabSz="914400" rtl="0" eaLnBrk="1" latinLnBrk="0" hangingPunct="1">
+              <a:defRPr sz="1800" kern="1200">
+                <a:solidFill>
+                  <a:schemeClr val="tx1"/>
+                </a:solidFill>
+                <a:latin typeface="+mn-lt"/>
+                <a:ea typeface="+mn-ea"/>
+                <a:cs typeface="+mn-cs"/>
+              </a:defRPr>
+            </a:lvl9pPr>
+          </a:lstStyle>
+          <a:p>
+            <a:pPr algn="ctr"/>
+            <a:r>
+              <a:rPr lang="ru-RU" sz="4800" b="1" dirty="0">
+                <a:solidFill>
+                  <a:schemeClr val="bg1"/>
+                </a:solidFill>
+                <a:latin typeface="Arial" panose="020B0604020202020204" pitchFamily="34" charset="0"/>
+                <a:cs typeface="Arial" panose="020B0604020202020204" pitchFamily="34" charset="0"/>
+              </a:rPr>
+              <a:t>Финальный штрих</a:t>
+            </a:r>
+          </a:p>
+        </p:txBody>
+      </p:sp>
+    </p:spTree>
+    <p:extLst>
+      <p:ext uri="{BB962C8B-B14F-4D97-AF65-F5344CB8AC3E}">
+        <p14:creationId xmlns:p14="http://schemas.microsoft.com/office/powerpoint/2010/main" val="723899097"/>
+      </p:ext>
+    </p:extLst>
+  </p:cSld>
+  <p:clrMapOvr>
+    <a:masterClrMapping/>
+  </p:clrMapOvr>
+</p:sld>
+</file>
+
+<file path=ppt/slides/slide41.xml><?xml version="1.0" encoding="utf-8"?>
+<p:sld xmlns:a="http://schemas.openxmlformats.org/drawingml/2006/main" xmlns:r="http://schemas.openxmlformats.org/officeDocument/2006/relationships" xmlns:p="http://schemas.openxmlformats.org/presentationml/2006/main">
+  <p:cSld>
+    <p:bg>
+      <p:bgPr>
+        <a:solidFill>
+          <a:schemeClr val="tx1"/>
+        </a:solidFill>
+        <a:effectLst/>
+      </p:bgPr>
+    </p:bg>
+    <p:spTree>
+      <p:nvGrpSpPr>
+        <p:cNvPr id="1" name=""/>
+        <p:cNvGrpSpPr/>
+        <p:nvPr/>
+      </p:nvGrpSpPr>
+      <p:grpSpPr>
+        <a:xfrm>
+          <a:off x="0" y="0"/>
+          <a:ext cx="0" cy="0"/>
+          <a:chOff x="0" y="0"/>
+          <a:chExt cx="0" cy="0"/>
+        </a:xfrm>
+      </p:grpSpPr>
+      <p:pic>
+        <p:nvPicPr>
+          <p:cNvPr id="4" name="Рисунок 3">
+            <a:extLst>
+              <a:ext uri="{FF2B5EF4-FFF2-40B4-BE49-F238E27FC236}">
+                <a16:creationId xmlns:a16="http://schemas.microsoft.com/office/drawing/2014/main" id="{60E0D86E-680D-179D-3937-7CD4D455B4F5}"/>
+              </a:ext>
+            </a:extLst>
+          </p:cNvPr>
+          <p:cNvPicPr>
+            <a:picLocks noChangeAspect="1"/>
+          </p:cNvPicPr>
+          <p:nvPr/>
+        </p:nvPicPr>
+        <p:blipFill>
+          <a:blip r:embed="rId2"/>
+          <a:stretch>
+            <a:fillRect/>
+          </a:stretch>
+        </p:blipFill>
+        <p:spPr>
+          <a:xfrm>
+            <a:off x="261257" y="921657"/>
+            <a:ext cx="6225860" cy="5014686"/>
+          </a:xfrm>
+          <a:prstGeom prst="rect">
+            <a:avLst/>
+          </a:prstGeom>
+        </p:spPr>
+      </p:pic>
+    </p:spTree>
+    <p:extLst>
+      <p:ext uri="{BB962C8B-B14F-4D97-AF65-F5344CB8AC3E}">
+        <p14:creationId xmlns:p14="http://schemas.microsoft.com/office/powerpoint/2010/main" val="1691622287"/>
+      </p:ext>
+    </p:extLst>
+  </p:cSld>
+  <p:clrMapOvr>
+    <a:masterClrMapping/>
+  </p:clrMapOvr>
+</p:sld>
+</file>
+
+<file path=ppt/slides/slide42.xml><?xml version="1.0" encoding="utf-8"?>
+<p:sld xmlns:a="http://schemas.openxmlformats.org/drawingml/2006/main" xmlns:r="http://schemas.openxmlformats.org/officeDocument/2006/relationships" xmlns:p="http://schemas.openxmlformats.org/presentationml/2006/main">
+  <p:cSld>
+    <p:bg>
+      <p:bgPr>
+        <a:solidFill>
+          <a:schemeClr val="tx1"/>
+        </a:solidFill>
+        <a:effectLst/>
+      </p:bgPr>
+    </p:bg>
+    <p:spTree>
+      <p:nvGrpSpPr>
+        <p:cNvPr id="1" name=""/>
+        <p:cNvGrpSpPr/>
+        <p:nvPr/>
+      </p:nvGrpSpPr>
+      <p:grpSpPr>
+        <a:xfrm>
+          <a:off x="0" y="0"/>
+          <a:ext cx="0" cy="0"/>
+          <a:chOff x="0" y="0"/>
+          <a:chExt cx="0" cy="0"/>
+        </a:xfrm>
+      </p:grpSpPr>
+      <p:pic>
+        <p:nvPicPr>
+          <p:cNvPr id="4" name="Рисунок 3">
+            <a:extLst>
+              <a:ext uri="{FF2B5EF4-FFF2-40B4-BE49-F238E27FC236}">
+                <a16:creationId xmlns:a16="http://schemas.microsoft.com/office/drawing/2014/main" id="{60E0D86E-680D-179D-3937-7CD4D455B4F5}"/>
+              </a:ext>
+            </a:extLst>
+          </p:cNvPr>
+          <p:cNvPicPr>
+            <a:picLocks noChangeAspect="1"/>
+          </p:cNvPicPr>
+          <p:nvPr/>
+        </p:nvPicPr>
+        <p:blipFill>
+          <a:blip r:embed="rId2"/>
+          <a:stretch>
+            <a:fillRect/>
+          </a:stretch>
+        </p:blipFill>
+        <p:spPr>
+          <a:xfrm>
+            <a:off x="261257" y="921657"/>
+            <a:ext cx="6225860" cy="5014686"/>
+          </a:xfrm>
+          <a:prstGeom prst="rect">
+            <a:avLst/>
+          </a:prstGeom>
+        </p:spPr>
+      </p:pic>
+      <p:pic>
+        <p:nvPicPr>
+          <p:cNvPr id="5" name="Рисунок 4">
+            <a:extLst>
+              <a:ext uri="{FF2B5EF4-FFF2-40B4-BE49-F238E27FC236}">
+                <a16:creationId xmlns:a16="http://schemas.microsoft.com/office/drawing/2014/main" id="{4FA68892-903A-8B4B-57EB-C6AF2ECC288A}"/>
+              </a:ext>
+            </a:extLst>
+          </p:cNvPr>
+          <p:cNvPicPr>
+            <a:picLocks noChangeAspect="1"/>
+          </p:cNvPicPr>
+          <p:nvPr/>
+        </p:nvPicPr>
+        <p:blipFill>
+          <a:blip r:embed="rId3"/>
+          <a:stretch>
+            <a:fillRect/>
+          </a:stretch>
+        </p:blipFill>
+        <p:spPr>
+          <a:xfrm>
+            <a:off x="5856654" y="921657"/>
+            <a:ext cx="5784657" cy="5014686"/>
+          </a:xfrm>
+          <a:prstGeom prst="rect">
+            <a:avLst/>
+          </a:prstGeom>
+        </p:spPr>
+      </p:pic>
+    </p:spTree>
+    <p:extLst>
+      <p:ext uri="{BB962C8B-B14F-4D97-AF65-F5344CB8AC3E}">
+        <p14:creationId xmlns:p14="http://schemas.microsoft.com/office/powerpoint/2010/main" val="769091679"/>
+      </p:ext>
+    </p:extLst>
+  </p:cSld>
+  <p:clrMapOvr>
+    <a:masterClrMapping/>
+  </p:clrMapOvr>
+</p:sld>
+</file>
+
+<file path=ppt/slides/slide43.xml><?xml version="1.0" encoding="utf-8"?>
+<p:sld xmlns:a="http://schemas.openxmlformats.org/drawingml/2006/main" xmlns:r="http://schemas.openxmlformats.org/officeDocument/2006/relationships" xmlns:p="http://schemas.openxmlformats.org/presentationml/2006/main">
+  <p:cSld>
+    <p:bg>
+      <p:bgPr>
+        <a:solidFill>
+          <a:schemeClr val="tx1"/>
+        </a:solidFill>
+        <a:effectLst/>
+      </p:bgPr>
+    </p:bg>
+    <p:spTree>
+      <p:nvGrpSpPr>
+        <p:cNvPr id="1" name=""/>
+        <p:cNvGrpSpPr/>
+        <p:nvPr/>
+      </p:nvGrpSpPr>
+      <p:grpSpPr>
+        <a:xfrm>
+          <a:off x="0" y="0"/>
+          <a:ext cx="0" cy="0"/>
+          <a:chOff x="0" y="0"/>
+          <a:chExt cx="0" cy="0"/>
+        </a:xfrm>
+      </p:grpSpPr>
+      <p:pic>
+        <p:nvPicPr>
+          <p:cNvPr id="4" name="Рисунок 3">
+            <a:extLst>
+              <a:ext uri="{FF2B5EF4-FFF2-40B4-BE49-F238E27FC236}">
+                <a16:creationId xmlns:a16="http://schemas.microsoft.com/office/drawing/2014/main" id="{60E0D86E-680D-179D-3937-7CD4D455B4F5}"/>
+              </a:ext>
+            </a:extLst>
+          </p:cNvPr>
+          <p:cNvPicPr>
+            <a:picLocks noChangeAspect="1"/>
+          </p:cNvPicPr>
+          <p:nvPr/>
+        </p:nvPicPr>
+        <p:blipFill>
+          <a:blip r:embed="rId2">
+            <a:alphaModFix amt="50000"/>
+          </a:blip>
+          <a:stretch>
+            <a:fillRect/>
+          </a:stretch>
+        </p:blipFill>
+        <p:spPr>
+          <a:xfrm>
+            <a:off x="261257" y="921657"/>
+            <a:ext cx="6225860" cy="5014686"/>
+          </a:xfrm>
+          <a:prstGeom prst="rect">
+            <a:avLst/>
+          </a:prstGeom>
+        </p:spPr>
+      </p:pic>
+      <p:pic>
+        <p:nvPicPr>
+          <p:cNvPr id="5" name="Рисунок 4">
+            <a:extLst>
+              <a:ext uri="{FF2B5EF4-FFF2-40B4-BE49-F238E27FC236}">
+                <a16:creationId xmlns:a16="http://schemas.microsoft.com/office/drawing/2014/main" id="{4FA68892-903A-8B4B-57EB-C6AF2ECC288A}"/>
+              </a:ext>
+            </a:extLst>
+          </p:cNvPr>
+          <p:cNvPicPr>
+            <a:picLocks noChangeAspect="1"/>
+          </p:cNvPicPr>
+          <p:nvPr/>
+        </p:nvPicPr>
+        <p:blipFill>
+          <a:blip r:embed="rId3">
+            <a:alphaModFix amt="50000"/>
+          </a:blip>
+          <a:stretch>
+            <a:fillRect/>
+          </a:stretch>
+        </p:blipFill>
+        <p:spPr>
+          <a:xfrm>
+            <a:off x="5856654" y="921657"/>
+            <a:ext cx="5784657" cy="5014686"/>
+          </a:xfrm>
+          <a:prstGeom prst="rect">
+            <a:avLst/>
+          </a:prstGeom>
+        </p:spPr>
+      </p:pic>
+      <p:pic>
+        <p:nvPicPr>
+          <p:cNvPr id="2" name="Рисунок 1">
+            <a:extLst>
+              <a:ext uri="{FF2B5EF4-FFF2-40B4-BE49-F238E27FC236}">
+                <a16:creationId xmlns:a16="http://schemas.microsoft.com/office/drawing/2014/main" id="{15D64156-C4EC-4828-5D30-52B62DDC8A2B}"/>
+              </a:ext>
+            </a:extLst>
+          </p:cNvPr>
+          <p:cNvPicPr>
+            <a:picLocks noChangeAspect="1"/>
+          </p:cNvPicPr>
+          <p:nvPr/>
+        </p:nvPicPr>
+        <p:blipFill>
+          <a:blip r:embed="rId4"/>
+          <a:stretch>
+            <a:fillRect/>
+          </a:stretch>
+        </p:blipFill>
+        <p:spPr>
+          <a:xfrm>
+            <a:off x="2983070" y="539181"/>
+            <a:ext cx="6225860" cy="5779638"/>
+          </a:xfrm>
+          <a:prstGeom prst="rect">
+            <a:avLst/>
+          </a:prstGeom>
+        </p:spPr>
+      </p:pic>
+    </p:spTree>
+    <p:extLst>
+      <p:ext uri="{BB962C8B-B14F-4D97-AF65-F5344CB8AC3E}">
+        <p14:creationId xmlns:p14="http://schemas.microsoft.com/office/powerpoint/2010/main" val="3394271180"/>
+      </p:ext>
+    </p:extLst>
+  </p:cSld>
+  <p:clrMapOvr>
+    <a:masterClrMapping/>
+  </p:clrMapOvr>
+</p:sld>
+</file>
+
+<file path=ppt/slides/slide44.xml><?xml version="1.0" encoding="utf-8"?>
+<p:sld xmlns:a="http://schemas.openxmlformats.org/drawingml/2006/main" xmlns:r="http://schemas.openxmlformats.org/officeDocument/2006/relationships" xmlns:p="http://schemas.openxmlformats.org/presentationml/2006/main">
+  <p:cSld>
+    <p:bg>
+      <p:bgPr>
+        <a:solidFill>
+          <a:schemeClr val="tx1"/>
+        </a:solidFill>
+        <a:effectLst/>
+      </p:bgPr>
+    </p:bg>
+    <p:spTree>
+      <p:nvGrpSpPr>
+        <p:cNvPr id="1" name=""/>
+        <p:cNvGrpSpPr/>
+        <p:nvPr/>
+      </p:nvGrpSpPr>
+      <p:grpSpPr>
+        <a:xfrm>
+          <a:off x="0" y="0"/>
+          <a:ext cx="0" cy="0"/>
+          <a:chOff x="0" y="0"/>
+          <a:chExt cx="0" cy="0"/>
+        </a:xfrm>
+      </p:grpSpPr>
+      <p:pic>
+        <p:nvPicPr>
+          <p:cNvPr id="6" name="Рисунок 5">
+            <a:extLst>
+              <a:ext uri="{FF2B5EF4-FFF2-40B4-BE49-F238E27FC236}">
+                <a16:creationId xmlns:a16="http://schemas.microsoft.com/office/drawing/2014/main" id="{57C08749-4FD8-B5D3-A10F-15AA6755D119}"/>
+              </a:ext>
+            </a:extLst>
+          </p:cNvPr>
+          <p:cNvPicPr>
+            <a:picLocks noChangeAspect="1"/>
+          </p:cNvPicPr>
+          <p:nvPr/>
+        </p:nvPicPr>
+        <p:blipFill>
+          <a:blip r:embed="rId2"/>
+          <a:stretch>
+            <a:fillRect/>
+          </a:stretch>
+        </p:blipFill>
+        <p:spPr>
+          <a:xfrm>
+            <a:off x="186500" y="2492375"/>
+            <a:ext cx="11819000" cy="1873250"/>
+          </a:xfrm>
+          <a:prstGeom prst="rect">
+            <a:avLst/>
+          </a:prstGeom>
+        </p:spPr>
+      </p:pic>
+      <p:sp>
+        <p:nvSpPr>
+          <p:cNvPr id="7" name="TextBox 6">
+            <a:extLst>
+              <a:ext uri="{FF2B5EF4-FFF2-40B4-BE49-F238E27FC236}">
+                <a16:creationId xmlns:a16="http://schemas.microsoft.com/office/drawing/2014/main" id="{00CF29D8-95B2-27FC-CC56-374F4034B84B}"/>
+              </a:ext>
+            </a:extLst>
+          </p:cNvPr>
+          <p:cNvSpPr txBox="1"/>
+          <p:nvPr/>
+        </p:nvSpPr>
+        <p:spPr>
+          <a:xfrm>
+            <a:off x="2351314" y="4757057"/>
+            <a:ext cx="7957457" cy="1631216"/>
+          </a:xfrm>
+          <a:prstGeom prst="rect">
+            <a:avLst/>
+          </a:prstGeom>
+          <a:noFill/>
+        </p:spPr>
+        <p:txBody>
+          <a:bodyPr wrap="square" rtlCol="0">
+            <a:spAutoFit/>
+          </a:bodyPr>
+          <a:lstStyle/>
+          <a:p>
+            <a:r>
+              <a:rPr lang="ru-RU" sz="2000" b="0" i="0" dirty="0">
+                <a:solidFill>
+                  <a:srgbClr val="D1D5DB"/>
+                </a:solidFill>
+                <a:effectLst/>
+                <a:latin typeface="Söhne"/>
+              </a:rPr>
+              <a:t>Для обхода этой проблемы можно использовать явные </a:t>
+            </a:r>
+            <a:r>
+              <a:rPr lang="ru-RU" sz="2000" b="0" i="0" dirty="0" err="1">
+                <a:solidFill>
+                  <a:srgbClr val="D1D5DB"/>
+                </a:solidFill>
+                <a:effectLst/>
+                <a:latin typeface="Söhne"/>
+              </a:rPr>
+              <a:t>инстанциации</a:t>
+            </a:r>
+            <a:r>
+              <a:rPr lang="ru-RU" sz="2000" b="0" i="0" dirty="0">
+                <a:solidFill>
+                  <a:srgbClr val="D1D5DB"/>
+                </a:solidFill>
+                <a:effectLst/>
+                <a:latin typeface="Söhne"/>
+              </a:rPr>
+              <a:t>, чтобы указать компилятору, какие типы данных вы хотите использовать с вашим шаблоном. Это позволяет вам разместить определение шаблона в отдельном файле и явно </a:t>
+            </a:r>
+            <a:r>
+              <a:rPr lang="ru-RU" sz="2000" b="0" i="0" dirty="0" err="1">
+                <a:solidFill>
+                  <a:srgbClr val="D1D5DB"/>
+                </a:solidFill>
+                <a:effectLst/>
+                <a:latin typeface="Söhne"/>
+              </a:rPr>
+              <a:t>инстанциировать</a:t>
+            </a:r>
+            <a:r>
+              <a:rPr lang="ru-RU" sz="2000" b="0" i="0" dirty="0">
+                <a:solidFill>
+                  <a:srgbClr val="D1D5DB"/>
+                </a:solidFill>
+                <a:effectLst/>
+                <a:latin typeface="Söhne"/>
+              </a:rPr>
+              <a:t> его для нужных типов</a:t>
+            </a:r>
+            <a:endParaRPr lang="ru-RU" sz="2000" dirty="0"/>
+          </a:p>
+        </p:txBody>
+      </p:sp>
+    </p:spTree>
+    <p:extLst>
+      <p:ext uri="{BB962C8B-B14F-4D97-AF65-F5344CB8AC3E}">
+        <p14:creationId xmlns:p14="http://schemas.microsoft.com/office/powerpoint/2010/main" val="2249345499"/>
+      </p:ext>
+    </p:extLst>
+  </p:cSld>
+  <p:clrMapOvr>
+    <a:masterClrMapping/>
+  </p:clrMapOvr>
+</p:sld>
+</file>
+
+<file path=ppt/slides/slide45.xml><?xml version="1.0" encoding="utf-8"?>
+<p:sld xmlns:a="http://schemas.openxmlformats.org/drawingml/2006/main" xmlns:r="http://schemas.openxmlformats.org/officeDocument/2006/relationships" xmlns:p="http://schemas.openxmlformats.org/presentationml/2006/main">
+  <p:cSld>
+    <p:spTree>
+      <p:nvGrpSpPr>
+        <p:cNvPr id="1" name=""/>
+        <p:cNvGrpSpPr/>
+        <p:nvPr/>
+      </p:nvGrpSpPr>
+      <p:grpSpPr>
+        <a:xfrm>
+          <a:off x="0" y="0"/>
+          <a:ext cx="0" cy="0"/>
+          <a:chOff x="0" y="0"/>
+          <a:chExt cx="0" cy="0"/>
+        </a:xfrm>
+      </p:grpSpPr>
+      <p:sp>
+        <p:nvSpPr>
+          <p:cNvPr id="7" name="Заголовок 1">
+            <a:extLst>
+              <a:ext uri="{FF2B5EF4-FFF2-40B4-BE49-F238E27FC236}">
+                <a16:creationId xmlns:a16="http://schemas.microsoft.com/office/drawing/2014/main" id="{99380AF7-61B4-BB9F-B851-36B4EA3DF86E}"/>
+              </a:ext>
+            </a:extLst>
+          </p:cNvPr>
+          <p:cNvSpPr>
+            <a:spLocks noGrp="1"/>
+          </p:cNvSpPr>
+          <p:nvPr/>
+        </p:nvSpPr>
+        <p:spPr>
+          <a:xfrm>
+            <a:off x="1121198" y="1697162"/>
+            <a:ext cx="9949604" cy="1325563"/>
+          </a:xfrm>
+          <a:prstGeom prst="rect">
+            <a:avLst/>
+          </a:prstGeom>
+        </p:spPr>
+        <p:txBody>
+          <a:bodyPr vert="horz" lIns="91440" tIns="45720" rIns="91440" bIns="45720" rtlCol="0" anchor="ctr">
+            <a:noAutofit/>
+          </a:bodyPr>
+          <a:lstStyle>
+            <a:defPPr>
+              <a:defRPr lang="ru-RU"/>
+            </a:defPPr>
+            <a:lvl1pPr marL="0" algn="l" defTabSz="914400" rtl="0" eaLnBrk="1" latinLnBrk="0" hangingPunct="1">
+              <a:defRPr sz="1800" kern="1200">
+                <a:solidFill>
+                  <a:schemeClr val="tx1"/>
+                </a:solidFill>
+                <a:latin typeface="+mn-lt"/>
+                <a:ea typeface="+mn-ea"/>
+                <a:cs typeface="+mn-cs"/>
+              </a:defRPr>
+            </a:lvl1pPr>
+            <a:lvl2pPr marL="457200" algn="l" defTabSz="914400" rtl="0" eaLnBrk="1" latinLnBrk="0" hangingPunct="1">
+              <a:defRPr sz="1800" kern="1200">
+                <a:solidFill>
+                  <a:schemeClr val="tx1"/>
+                </a:solidFill>
+                <a:latin typeface="+mn-lt"/>
+                <a:ea typeface="+mn-ea"/>
+                <a:cs typeface="+mn-cs"/>
+              </a:defRPr>
+            </a:lvl2pPr>
+            <a:lvl3pPr marL="914400" algn="l" defTabSz="914400" rtl="0" eaLnBrk="1" latinLnBrk="0" hangingPunct="1">
+              <a:defRPr sz="1800" kern="1200">
+                <a:solidFill>
+                  <a:schemeClr val="tx1"/>
+                </a:solidFill>
+                <a:latin typeface="+mn-lt"/>
+                <a:ea typeface="+mn-ea"/>
+                <a:cs typeface="+mn-cs"/>
+              </a:defRPr>
+            </a:lvl3pPr>
+            <a:lvl4pPr marL="1371600" algn="l" defTabSz="914400" rtl="0" eaLnBrk="1" latinLnBrk="0" hangingPunct="1">
+              <a:defRPr sz="1800" kern="1200">
+                <a:solidFill>
+                  <a:schemeClr val="tx1"/>
+                </a:solidFill>
+                <a:latin typeface="+mn-lt"/>
+                <a:ea typeface="+mn-ea"/>
+                <a:cs typeface="+mn-cs"/>
+              </a:defRPr>
+            </a:lvl4pPr>
+            <a:lvl5pPr marL="1828800" algn="l" defTabSz="914400" rtl="0" eaLnBrk="1" latinLnBrk="0" hangingPunct="1">
+              <a:defRPr sz="1800" kern="1200">
+                <a:solidFill>
+                  <a:schemeClr val="tx1"/>
+                </a:solidFill>
+                <a:latin typeface="+mn-lt"/>
+                <a:ea typeface="+mn-ea"/>
+                <a:cs typeface="+mn-cs"/>
+              </a:defRPr>
+            </a:lvl5pPr>
+            <a:lvl6pPr marL="2286000" algn="l" defTabSz="914400" rtl="0" eaLnBrk="1" latinLnBrk="0" hangingPunct="1">
+              <a:defRPr sz="1800" kern="1200">
+                <a:solidFill>
+                  <a:schemeClr val="tx1"/>
+                </a:solidFill>
+                <a:latin typeface="+mn-lt"/>
+                <a:ea typeface="+mn-ea"/>
+                <a:cs typeface="+mn-cs"/>
+              </a:defRPr>
+            </a:lvl6pPr>
+            <a:lvl7pPr marL="2743200" algn="l" defTabSz="914400" rtl="0" eaLnBrk="1" latinLnBrk="0" hangingPunct="1">
+              <a:defRPr sz="1800" kern="1200">
+                <a:solidFill>
+                  <a:schemeClr val="tx1"/>
+                </a:solidFill>
+                <a:latin typeface="+mn-lt"/>
+                <a:ea typeface="+mn-ea"/>
+                <a:cs typeface="+mn-cs"/>
+              </a:defRPr>
+            </a:lvl7pPr>
+            <a:lvl8pPr marL="3200400" algn="l" defTabSz="914400" rtl="0" eaLnBrk="1" latinLnBrk="0" hangingPunct="1">
+              <a:defRPr sz="1800" kern="1200">
+                <a:solidFill>
+                  <a:schemeClr val="tx1"/>
+                </a:solidFill>
+                <a:latin typeface="+mn-lt"/>
+                <a:ea typeface="+mn-ea"/>
+                <a:cs typeface="+mn-cs"/>
+              </a:defRPr>
+            </a:lvl8pPr>
+            <a:lvl9pPr marL="3657600" algn="l" defTabSz="914400" rtl="0" eaLnBrk="1" latinLnBrk="0" hangingPunct="1">
+              <a:defRPr sz="1800" kern="1200">
+                <a:solidFill>
+                  <a:schemeClr val="tx1"/>
+                </a:solidFill>
+                <a:latin typeface="+mn-lt"/>
+                <a:ea typeface="+mn-ea"/>
+                <a:cs typeface="+mn-cs"/>
+              </a:defRPr>
+            </a:lvl9pPr>
+          </a:lstStyle>
+          <a:p>
+            <a:r>
+              <a:rPr lang="ru-RU" sz="4800" dirty="0"/>
+              <a:t>Все лекции будут доступны на </a:t>
+            </a:r>
+            <a:r>
+              <a:rPr lang="en-US" sz="4800" dirty="0"/>
+              <a:t>GitHub</a:t>
+            </a:r>
+            <a:endParaRPr lang="ru-RU" sz="4800" dirty="0"/>
+          </a:p>
+        </p:txBody>
+      </p:sp>
+      <p:pic>
+        <p:nvPicPr>
+          <p:cNvPr id="8" name="Рисунок 7">
+            <a:extLst>
+              <a:ext uri="{FF2B5EF4-FFF2-40B4-BE49-F238E27FC236}">
+                <a16:creationId xmlns:a16="http://schemas.microsoft.com/office/drawing/2014/main" id="{C6D2DEE2-CFDE-2C86-CCA9-F55BDD162574}"/>
+              </a:ext>
+            </a:extLst>
+          </p:cNvPr>
+          <p:cNvPicPr>
+            <a:picLocks noChangeAspect="1"/>
+          </p:cNvPicPr>
+          <p:nvPr/>
+        </p:nvPicPr>
+        <p:blipFill>
+          <a:blip r:embed="rId2"/>
+          <a:stretch>
+            <a:fillRect/>
+          </a:stretch>
+        </p:blipFill>
+        <p:spPr>
+          <a:xfrm>
+            <a:off x="3148095" y="3307461"/>
+            <a:ext cx="1664268" cy="1664268"/>
+          </a:xfrm>
+          <a:prstGeom prst="rect">
+            <a:avLst/>
+          </a:prstGeom>
+        </p:spPr>
+      </p:pic>
+      <p:sp>
+        <p:nvSpPr>
+          <p:cNvPr id="9" name="Подзаголовок 2">
+            <a:extLst>
+              <a:ext uri="{FF2B5EF4-FFF2-40B4-BE49-F238E27FC236}">
+                <a16:creationId xmlns:a16="http://schemas.microsoft.com/office/drawing/2014/main" id="{DB3AAC38-EFD4-11E0-F323-3C336F1D5FD0}"/>
+              </a:ext>
+            </a:extLst>
+          </p:cNvPr>
+          <p:cNvSpPr txBox="1">
+            <a:spLocks/>
+          </p:cNvSpPr>
+          <p:nvPr/>
+        </p:nvSpPr>
+        <p:spPr>
+          <a:xfrm>
+            <a:off x="5038028" y="3740811"/>
+            <a:ext cx="3818297" cy="797569"/>
+          </a:xfrm>
+          <a:prstGeom prst="rect">
+            <a:avLst/>
+          </a:prstGeom>
+        </p:spPr>
+        <p:txBody>
+          <a:bodyPr vert="horz" lIns="91440" tIns="45720" rIns="91440" bIns="45720" rtlCol="0">
+            <a:noAutofit/>
+          </a:bodyPr>
+          <a:lstStyle>
+            <a:defPPr>
+              <a:defRPr lang="ru-RU"/>
+            </a:defPPr>
+            <a:lvl1pPr marL="0" algn="l" defTabSz="914400" rtl="0" eaLnBrk="1" latinLnBrk="0" hangingPunct="1">
+              <a:defRPr sz="1800" kern="1200">
+                <a:solidFill>
+                  <a:schemeClr val="tx1"/>
+                </a:solidFill>
+                <a:latin typeface="+mn-lt"/>
+                <a:ea typeface="+mn-ea"/>
+                <a:cs typeface="+mn-cs"/>
+              </a:defRPr>
+            </a:lvl1pPr>
+            <a:lvl2pPr marL="457200" algn="l" defTabSz="914400" rtl="0" eaLnBrk="1" latinLnBrk="0" hangingPunct="1">
+              <a:defRPr sz="1800" kern="1200">
+                <a:solidFill>
+                  <a:schemeClr val="tx1"/>
+                </a:solidFill>
+                <a:latin typeface="+mn-lt"/>
+                <a:ea typeface="+mn-ea"/>
+                <a:cs typeface="+mn-cs"/>
+              </a:defRPr>
+            </a:lvl2pPr>
+            <a:lvl3pPr marL="914400" algn="l" defTabSz="914400" rtl="0" eaLnBrk="1" latinLnBrk="0" hangingPunct="1">
+              <a:defRPr sz="1800" kern="1200">
+                <a:solidFill>
+                  <a:schemeClr val="tx1"/>
+                </a:solidFill>
+                <a:latin typeface="+mn-lt"/>
+                <a:ea typeface="+mn-ea"/>
+                <a:cs typeface="+mn-cs"/>
+              </a:defRPr>
+            </a:lvl3pPr>
+            <a:lvl4pPr marL="1371600" algn="l" defTabSz="914400" rtl="0" eaLnBrk="1" latinLnBrk="0" hangingPunct="1">
+              <a:defRPr sz="1800" kern="1200">
+                <a:solidFill>
+                  <a:schemeClr val="tx1"/>
+                </a:solidFill>
+                <a:latin typeface="+mn-lt"/>
+                <a:ea typeface="+mn-ea"/>
+                <a:cs typeface="+mn-cs"/>
+              </a:defRPr>
+            </a:lvl4pPr>
+            <a:lvl5pPr marL="1828800" algn="l" defTabSz="914400" rtl="0" eaLnBrk="1" latinLnBrk="0" hangingPunct="1">
+              <a:defRPr sz="1800" kern="1200">
+                <a:solidFill>
+                  <a:schemeClr val="tx1"/>
+                </a:solidFill>
+                <a:latin typeface="+mn-lt"/>
+                <a:ea typeface="+mn-ea"/>
+                <a:cs typeface="+mn-cs"/>
+              </a:defRPr>
+            </a:lvl5pPr>
+            <a:lvl6pPr marL="2286000" algn="l" defTabSz="914400" rtl="0" eaLnBrk="1" latinLnBrk="0" hangingPunct="1">
+              <a:defRPr sz="1800" kern="1200">
+                <a:solidFill>
+                  <a:schemeClr val="tx1"/>
+                </a:solidFill>
+                <a:latin typeface="+mn-lt"/>
+                <a:ea typeface="+mn-ea"/>
+                <a:cs typeface="+mn-cs"/>
+              </a:defRPr>
+            </a:lvl6pPr>
+            <a:lvl7pPr marL="2743200" algn="l" defTabSz="914400" rtl="0" eaLnBrk="1" latinLnBrk="0" hangingPunct="1">
+              <a:defRPr sz="1800" kern="1200">
+                <a:solidFill>
+                  <a:schemeClr val="tx1"/>
+                </a:solidFill>
+                <a:latin typeface="+mn-lt"/>
+                <a:ea typeface="+mn-ea"/>
+                <a:cs typeface="+mn-cs"/>
+              </a:defRPr>
+            </a:lvl7pPr>
+            <a:lvl8pPr marL="3200400" algn="l" defTabSz="914400" rtl="0" eaLnBrk="1" latinLnBrk="0" hangingPunct="1">
+              <a:defRPr sz="1800" kern="1200">
+                <a:solidFill>
+                  <a:schemeClr val="tx1"/>
+                </a:solidFill>
+                <a:latin typeface="+mn-lt"/>
+                <a:ea typeface="+mn-ea"/>
+                <a:cs typeface="+mn-cs"/>
+              </a:defRPr>
+            </a:lvl8pPr>
+            <a:lvl9pPr marL="3657600" algn="l" defTabSz="914400" rtl="0" eaLnBrk="1" latinLnBrk="0" hangingPunct="1">
+              <a:defRPr sz="1800" kern="1200">
+                <a:solidFill>
+                  <a:schemeClr val="tx1"/>
+                </a:solidFill>
+                <a:latin typeface="+mn-lt"/>
+                <a:ea typeface="+mn-ea"/>
+                <a:cs typeface="+mn-cs"/>
+              </a:defRPr>
+            </a:lvl9pPr>
+          </a:lstStyle>
+          <a:p>
+            <a:r>
+              <a:rPr lang="ru-RU" sz="5400" b="1" dirty="0"/>
+              <a:t>F</a:t>
+            </a:r>
+            <a:r>
+              <a:rPr lang="en-US" sz="5400" b="1" dirty="0"/>
+              <a:t>loyzenCode</a:t>
+            </a:r>
+            <a:endParaRPr lang="ru-RU" sz="5400" b="1" dirty="0"/>
+          </a:p>
+        </p:txBody>
+      </p:sp>
+    </p:spTree>
+    <p:extLst>
+      <p:ext uri="{BB962C8B-B14F-4D97-AF65-F5344CB8AC3E}">
+        <p14:creationId xmlns:p14="http://schemas.microsoft.com/office/powerpoint/2010/main" val="582310450"/>
+      </p:ext>
+    </p:extLst>
+  </p:cSld>
+  <p:clrMapOvr>
+    <a:masterClrMapping/>
+  </p:clrMapOvr>
+</p:sld>
+</file>
+
+<file path=ppt/slides/slide5.xml><?xml version="1.0" encoding="utf-8"?>
+<p:sld xmlns:a="http://schemas.openxmlformats.org/drawingml/2006/main" xmlns:r="http://schemas.openxmlformats.org/officeDocument/2006/relationships" xmlns:p="http://schemas.openxmlformats.org/presentationml/2006/main">
+  <p:cSld>
+    <p:spTree>
+      <p:nvGrpSpPr>
+        <p:cNvPr id="1" name=""/>
+        <p:cNvGrpSpPr/>
+        <p:nvPr/>
+      </p:nvGrpSpPr>
+      <p:grpSpPr>
+        <a:xfrm>
+          <a:off x="0" y="0"/>
+          <a:ext cx="0" cy="0"/>
+          <a:chOff x="0" y="0"/>
+          <a:chExt cx="0" cy="0"/>
+        </a:xfrm>
+      </p:grpSpPr>
+      <p:sp>
+        <p:nvSpPr>
+          <p:cNvPr id="2" name="Заголовок 1">
+            <a:extLst>
+              <a:ext uri="{FF2B5EF4-FFF2-40B4-BE49-F238E27FC236}">
+                <a16:creationId xmlns:a16="http://schemas.microsoft.com/office/drawing/2014/main" id="{80903BAD-605F-E0A6-8015-5853AE7F7022}"/>
+              </a:ext>
+            </a:extLst>
+          </p:cNvPr>
+          <p:cNvSpPr>
+            <a:spLocks noGrp="1"/>
+          </p:cNvSpPr>
+          <p:nvPr>
+            <p:ph type="title"/>
+          </p:nvPr>
+        </p:nvSpPr>
+        <p:spPr/>
+        <p:txBody>
+          <a:bodyPr/>
+          <a:lstStyle/>
+          <a:p>
+            <a:r>
+              <a:rPr lang="ru-RU" dirty="0"/>
+              <a:t>Шаблоны</a:t>
+            </a:r>
+          </a:p>
+        </p:txBody>
+      </p:sp>
+      <p:sp>
+        <p:nvSpPr>
+          <p:cNvPr id="3" name="Объект 2">
+            <a:extLst>
+              <a:ext uri="{FF2B5EF4-FFF2-40B4-BE49-F238E27FC236}">
+                <a16:creationId xmlns:a16="http://schemas.microsoft.com/office/drawing/2014/main" id="{315AA196-6A8E-F3F3-D91F-A0AD8DC1DE41}"/>
+              </a:ext>
+            </a:extLst>
+          </p:cNvPr>
+          <p:cNvSpPr>
+            <a:spLocks noGrp="1"/>
+          </p:cNvSpPr>
+          <p:nvPr>
+            <p:ph idx="1"/>
+          </p:nvPr>
+        </p:nvSpPr>
+        <p:spPr/>
+        <p:txBody>
+          <a:bodyPr/>
+          <a:lstStyle/>
+          <a:p>
+            <a:pPr marL="0" indent="0">
+              <a:buNone/>
+            </a:pPr>
+            <a:r>
+              <a:rPr lang="ru-RU" dirty="0"/>
+              <a:t>	Шаблоны — это фрагменты обобщённого кода, в котором некоторые типы или константы вынесены в параметры. Шаблонными могут быть функции, структуры (классы) и даже переменные. Компилятор превращает использование шаблона в конкретный код, подставляя в него нужные параметры на этапе компиляции. Шаблоны позволяют писать общий код, пригодный для использования с разными типами данных.</a:t>
+            </a:r>
+            <a:endParaRPr lang="en-US" dirty="0"/>
+          </a:p>
+          <a:p>
+            <a:pPr marL="0" indent="0">
+              <a:buNone/>
+            </a:pPr>
+            <a:endParaRPr lang="en-US" dirty="0"/>
+          </a:p>
+          <a:p>
+            <a:pPr marL="0" indent="0">
+              <a:buNone/>
+            </a:pPr>
+            <a:r>
+              <a:rPr lang="en" b="0" dirty="0">
+                <a:solidFill>
+                  <a:srgbClr val="569CD6"/>
+                </a:solidFill>
+                <a:effectLst/>
+                <a:latin typeface="Menlo" panose="020B0609030804020204" pitchFamily="49" charset="0"/>
+              </a:rPr>
+              <a:t>template</a:t>
+            </a:r>
+            <a:r>
+              <a:rPr lang="en" b="0" dirty="0">
+                <a:solidFill>
+                  <a:srgbClr val="D4D4D4"/>
+                </a:solidFill>
+                <a:effectLst/>
+                <a:latin typeface="Menlo" panose="020B0609030804020204" pitchFamily="49" charset="0"/>
+              </a:rPr>
+              <a:t>&lt;</a:t>
+            </a:r>
+            <a:r>
+              <a:rPr lang="en" b="0" dirty="0" err="1">
+                <a:solidFill>
+                  <a:srgbClr val="569CD6"/>
+                </a:solidFill>
+                <a:effectLst/>
+                <a:latin typeface="Menlo" panose="020B0609030804020204" pitchFamily="49" charset="0"/>
+              </a:rPr>
+              <a:t>typename</a:t>
+            </a:r>
+            <a:r>
+              <a:rPr lang="en" b="0" dirty="0">
+                <a:solidFill>
+                  <a:srgbClr val="D4D4D4"/>
+                </a:solidFill>
+                <a:effectLst/>
+                <a:latin typeface="Menlo" panose="020B0609030804020204" pitchFamily="49" charset="0"/>
+              </a:rPr>
+              <a:t> </a:t>
+            </a:r>
+            <a:r>
+              <a:rPr lang="en" b="0" dirty="0">
+                <a:solidFill>
+                  <a:srgbClr val="4EC9B0"/>
+                </a:solidFill>
+                <a:effectLst/>
+                <a:latin typeface="Menlo" panose="020B0609030804020204" pitchFamily="49" charset="0"/>
+              </a:rPr>
+              <a:t>T</a:t>
+            </a:r>
+            <a:r>
+              <a:rPr lang="en" b="0" dirty="0">
+                <a:solidFill>
+                  <a:srgbClr val="D4D4D4"/>
+                </a:solidFill>
+                <a:effectLst/>
+                <a:latin typeface="Menlo" panose="020B0609030804020204" pitchFamily="49" charset="0"/>
+              </a:rPr>
+              <a:t>&gt;</a:t>
+            </a:r>
+          </a:p>
+        </p:txBody>
+      </p:sp>
+    </p:spTree>
+    <p:extLst>
+      <p:ext uri="{BB962C8B-B14F-4D97-AF65-F5344CB8AC3E}">
+        <p14:creationId xmlns:p14="http://schemas.microsoft.com/office/powerpoint/2010/main" val="205947795"/>
+      </p:ext>
+    </p:extLst>
+  </p:cSld>
+  <p:clrMapOvr>
+    <a:masterClrMapping/>
+  </p:clrMapOvr>
+</p:sld>
+</file>
+
+<file path=ppt/slides/slide6.xml><?xml version="1.0" encoding="utf-8"?>
+<p:sld xmlns:a="http://schemas.openxmlformats.org/drawingml/2006/main" xmlns:r="http://schemas.openxmlformats.org/officeDocument/2006/relationships" xmlns:p="http://schemas.openxmlformats.org/presentationml/2006/main">
+  <p:cSld>
+    <p:spTree>
+      <p:nvGrpSpPr>
+        <p:cNvPr id="1" name=""/>
+        <p:cNvGrpSpPr/>
+        <p:nvPr/>
+      </p:nvGrpSpPr>
+      <p:grpSpPr>
+        <a:xfrm>
+          <a:off x="0" y="0"/>
+          <a:ext cx="0" cy="0"/>
+          <a:chOff x="0" y="0"/>
+          <a:chExt cx="0" cy="0"/>
+        </a:xfrm>
+      </p:grpSpPr>
+      <p:sp>
+        <p:nvSpPr>
+          <p:cNvPr id="2" name="Заголовок 1">
+            <a:extLst>
+              <a:ext uri="{FF2B5EF4-FFF2-40B4-BE49-F238E27FC236}">
+                <a16:creationId xmlns:a16="http://schemas.microsoft.com/office/drawing/2014/main" id="{80903BAD-605F-E0A6-8015-5853AE7F7022}"/>
+              </a:ext>
+            </a:extLst>
+          </p:cNvPr>
+          <p:cNvSpPr>
+            <a:spLocks noGrp="1"/>
+          </p:cNvSpPr>
+          <p:nvPr>
+            <p:ph type="title"/>
+          </p:nvPr>
+        </p:nvSpPr>
+        <p:spPr/>
+        <p:txBody>
+          <a:bodyPr/>
+          <a:lstStyle/>
+          <a:p>
+            <a:r>
+              <a:rPr lang="ru-RU" dirty="0"/>
+              <a:t>Шаблоны</a:t>
+            </a:r>
+          </a:p>
+        </p:txBody>
+      </p:sp>
+      <p:sp>
+        <p:nvSpPr>
+          <p:cNvPr id="3" name="Объект 2">
+            <a:extLst>
+              <a:ext uri="{FF2B5EF4-FFF2-40B4-BE49-F238E27FC236}">
+                <a16:creationId xmlns:a16="http://schemas.microsoft.com/office/drawing/2014/main" id="{315AA196-6A8E-F3F3-D91F-A0AD8DC1DE41}"/>
+              </a:ext>
+            </a:extLst>
+          </p:cNvPr>
+          <p:cNvSpPr>
+            <a:spLocks noGrp="1"/>
+          </p:cNvSpPr>
+          <p:nvPr>
+            <p:ph idx="1"/>
+          </p:nvPr>
+        </p:nvSpPr>
+        <p:spPr/>
+        <p:txBody>
+          <a:bodyPr/>
+          <a:lstStyle/>
+          <a:p>
+            <a:pPr marL="0" indent="0">
+              <a:buNone/>
+            </a:pPr>
+            <a:r>
+              <a:rPr lang="ru-RU" dirty="0"/>
+              <a:t>	Шаблоны — это фрагменты обобщённого кода, в котором некоторые типы или константы вынесены в параметры. Шаблонными могут быть функции, структуры (классы) и даже переменные. Компилятор превращает использование шаблона в конкретный код, подставляя в него нужные параметры на этапе компиляции. Шаблоны позволяют писать общий код, пригодный для использования с разными типами данных.</a:t>
+            </a:r>
+            <a:endParaRPr lang="en-US" dirty="0"/>
+          </a:p>
+          <a:p>
+            <a:pPr marL="0" indent="0">
+              <a:buNone/>
+            </a:pPr>
+            <a:endParaRPr lang="en-US" dirty="0"/>
+          </a:p>
+          <a:p>
+            <a:pPr marL="0" indent="0">
+              <a:buNone/>
+            </a:pPr>
+            <a:r>
+              <a:rPr lang="en" b="0" dirty="0">
+                <a:solidFill>
+                  <a:srgbClr val="569CD6"/>
+                </a:solidFill>
+                <a:effectLst/>
+                <a:latin typeface="Menlo" panose="020B0609030804020204" pitchFamily="49" charset="0"/>
+              </a:rPr>
+              <a:t>template</a:t>
+            </a:r>
+            <a:r>
+              <a:rPr lang="en" b="0" dirty="0">
+                <a:solidFill>
+                  <a:srgbClr val="D4D4D4"/>
+                </a:solidFill>
+                <a:effectLst/>
+                <a:latin typeface="Menlo" panose="020B0609030804020204" pitchFamily="49" charset="0"/>
+              </a:rPr>
+              <a:t>&lt;</a:t>
+            </a:r>
+            <a:r>
+              <a:rPr lang="en" b="0" dirty="0" err="1">
+                <a:solidFill>
+                  <a:srgbClr val="569CD6"/>
+                </a:solidFill>
+                <a:effectLst/>
+                <a:latin typeface="Menlo" panose="020B0609030804020204" pitchFamily="49" charset="0"/>
+              </a:rPr>
+              <a:t>typename</a:t>
+            </a:r>
+            <a:r>
+              <a:rPr lang="en" b="0" dirty="0">
+                <a:solidFill>
+                  <a:srgbClr val="D4D4D4"/>
+                </a:solidFill>
+                <a:effectLst/>
+                <a:latin typeface="Menlo" panose="020B0609030804020204" pitchFamily="49" charset="0"/>
+              </a:rPr>
+              <a:t> </a:t>
+            </a:r>
+            <a:r>
+              <a:rPr lang="en" b="0" dirty="0">
+                <a:solidFill>
+                  <a:srgbClr val="4EC9B0"/>
+                </a:solidFill>
+                <a:effectLst/>
+                <a:latin typeface="Menlo" panose="020B0609030804020204" pitchFamily="49" charset="0"/>
+              </a:rPr>
+              <a:t>T</a:t>
+            </a:r>
+            <a:r>
+              <a:rPr lang="en" b="0" dirty="0">
+                <a:solidFill>
+                  <a:srgbClr val="D4D4D4"/>
+                </a:solidFill>
+                <a:effectLst/>
+                <a:latin typeface="Menlo" panose="020B0609030804020204" pitchFamily="49" charset="0"/>
+              </a:rPr>
+              <a:t>&gt;</a:t>
+            </a:r>
+          </a:p>
+          <a:p>
+            <a:pPr marL="0" indent="0">
+              <a:buNone/>
+            </a:pPr>
+            <a:r>
+              <a:rPr lang="en" b="0" dirty="0">
+                <a:solidFill>
+                  <a:srgbClr val="4EC9B0"/>
+                </a:solidFill>
+                <a:effectLst/>
+                <a:latin typeface="Menlo" panose="020B0609030804020204" pitchFamily="49" charset="0"/>
+              </a:rPr>
+              <a:t>T</a:t>
+            </a:r>
+            <a:r>
+              <a:rPr lang="en" b="0" dirty="0">
+                <a:solidFill>
+                  <a:srgbClr val="D4D4D4"/>
+                </a:solidFill>
+                <a:effectLst/>
+                <a:latin typeface="Menlo" panose="020B0609030804020204" pitchFamily="49" charset="0"/>
+              </a:rPr>
+              <a:t> </a:t>
+            </a:r>
+            <a:r>
+              <a:rPr lang="en" b="0" dirty="0">
+                <a:solidFill>
+                  <a:srgbClr val="DCDCAA"/>
+                </a:solidFill>
+                <a:effectLst/>
+                <a:latin typeface="Menlo" panose="020B0609030804020204" pitchFamily="49" charset="0"/>
+              </a:rPr>
+              <a:t>foo</a:t>
+            </a:r>
+            <a:r>
+              <a:rPr lang="en" b="0" dirty="0">
+                <a:solidFill>
+                  <a:srgbClr val="D4D4D4"/>
+                </a:solidFill>
+                <a:effectLst/>
+                <a:latin typeface="Menlo" panose="020B0609030804020204" pitchFamily="49" charset="0"/>
+              </a:rPr>
+              <a:t>(</a:t>
+            </a:r>
+            <a:r>
+              <a:rPr lang="en" b="0" dirty="0">
+                <a:solidFill>
+                  <a:srgbClr val="4EC9B0"/>
+                </a:solidFill>
+                <a:effectLst/>
+                <a:latin typeface="Menlo" panose="020B0609030804020204" pitchFamily="49" charset="0"/>
+              </a:rPr>
+              <a:t>T</a:t>
+            </a:r>
+            <a:r>
+              <a:rPr lang="en" b="0" dirty="0">
+                <a:solidFill>
+                  <a:srgbClr val="D4D4D4"/>
+                </a:solidFill>
+                <a:effectLst/>
+                <a:latin typeface="Menlo" panose="020B0609030804020204" pitchFamily="49" charset="0"/>
+              </a:rPr>
+              <a:t> </a:t>
+            </a:r>
+            <a:r>
+              <a:rPr lang="en" b="0" dirty="0">
+                <a:solidFill>
+                  <a:srgbClr val="9CDCFE"/>
+                </a:solidFill>
+                <a:effectLst/>
+                <a:latin typeface="Menlo" panose="020B0609030804020204" pitchFamily="49" charset="0"/>
+              </a:rPr>
+              <a:t>arg1</a:t>
+            </a:r>
+            <a:r>
+              <a:rPr lang="en" b="0" dirty="0">
+                <a:solidFill>
+                  <a:srgbClr val="D4D4D4"/>
+                </a:solidFill>
+                <a:effectLst/>
+                <a:latin typeface="Menlo" panose="020B0609030804020204" pitchFamily="49" charset="0"/>
+              </a:rPr>
+              <a:t>, </a:t>
+            </a:r>
+            <a:r>
+              <a:rPr lang="en" b="0" dirty="0">
+                <a:solidFill>
+                  <a:srgbClr val="4EC9B0"/>
+                </a:solidFill>
+                <a:effectLst/>
+                <a:latin typeface="Menlo" panose="020B0609030804020204" pitchFamily="49" charset="0"/>
+              </a:rPr>
+              <a:t>T</a:t>
+            </a:r>
+            <a:r>
+              <a:rPr lang="en" b="0" dirty="0">
+                <a:solidFill>
+                  <a:srgbClr val="D4D4D4"/>
+                </a:solidFill>
+                <a:effectLst/>
+                <a:latin typeface="Menlo" panose="020B0609030804020204" pitchFamily="49" charset="0"/>
+              </a:rPr>
+              <a:t> </a:t>
+            </a:r>
+            <a:r>
+              <a:rPr lang="en" b="0" dirty="0">
+                <a:solidFill>
+                  <a:srgbClr val="9CDCFE"/>
+                </a:solidFill>
+                <a:effectLst/>
+                <a:latin typeface="Menlo" panose="020B0609030804020204" pitchFamily="49" charset="0"/>
+              </a:rPr>
+              <a:t>arg2</a:t>
+            </a:r>
+            <a:r>
+              <a:rPr lang="en" b="0" dirty="0">
+                <a:solidFill>
+                  <a:srgbClr val="D4D4D4"/>
+                </a:solidFill>
+                <a:effectLst/>
+                <a:latin typeface="Menlo" panose="020B0609030804020204" pitchFamily="49" charset="0"/>
+              </a:rPr>
+              <a:t>, </a:t>
+            </a:r>
+            <a:r>
+              <a:rPr lang="en" b="0" dirty="0">
+                <a:solidFill>
+                  <a:srgbClr val="4EC9B0"/>
+                </a:solidFill>
+                <a:effectLst/>
+                <a:latin typeface="Menlo" panose="020B0609030804020204" pitchFamily="49" charset="0"/>
+              </a:rPr>
+              <a:t>T</a:t>
+            </a:r>
+            <a:r>
+              <a:rPr lang="en" b="0" dirty="0">
+                <a:solidFill>
+                  <a:srgbClr val="D4D4D4"/>
+                </a:solidFill>
+                <a:effectLst/>
+                <a:latin typeface="Menlo" panose="020B0609030804020204" pitchFamily="49" charset="0"/>
+              </a:rPr>
+              <a:t> </a:t>
+            </a:r>
+            <a:r>
+              <a:rPr lang="en" b="0" dirty="0">
+                <a:solidFill>
+                  <a:srgbClr val="9CDCFE"/>
+                </a:solidFill>
+                <a:effectLst/>
+                <a:latin typeface="Menlo" panose="020B0609030804020204" pitchFamily="49" charset="0"/>
+              </a:rPr>
+              <a:t>arg3</a:t>
+            </a:r>
+            <a:r>
+              <a:rPr lang="en" b="0" dirty="0">
+                <a:solidFill>
+                  <a:srgbClr val="D4D4D4"/>
+                </a:solidFill>
+                <a:effectLst/>
+                <a:latin typeface="Menlo" panose="020B0609030804020204" pitchFamily="49" charset="0"/>
+              </a:rPr>
+              <a:t>) { }</a:t>
+            </a:r>
+          </a:p>
+        </p:txBody>
+      </p:sp>
+    </p:spTree>
+    <p:extLst>
+      <p:ext uri="{BB962C8B-B14F-4D97-AF65-F5344CB8AC3E}">
+        <p14:creationId xmlns:p14="http://schemas.microsoft.com/office/powerpoint/2010/main" val="3609145256"/>
+      </p:ext>
+    </p:extLst>
+  </p:cSld>
+  <p:clrMapOvr>
+    <a:masterClrMapping/>
+  </p:clrMapOvr>
+</p:sld>
+</file>
+
+<file path=ppt/slides/slide7.xml><?xml version="1.0" encoding="utf-8"?>
+<p:sld xmlns:a="http://schemas.openxmlformats.org/drawingml/2006/main" xmlns:r="http://schemas.openxmlformats.org/officeDocument/2006/relationships" xmlns:p="http://schemas.openxmlformats.org/presentationml/2006/main">
+  <p:cSld>
+    <p:bg>
+      <p:bgPr>
+        <a:solidFill>
+          <a:schemeClr val="tx1"/>
+        </a:solidFill>
+        <a:effectLst/>
+      </p:bgPr>
+    </p:bg>
+    <p:spTree>
+      <p:nvGrpSpPr>
+        <p:cNvPr id="1" name=""/>
+        <p:cNvGrpSpPr/>
+        <p:nvPr/>
+      </p:nvGrpSpPr>
+      <p:grpSpPr>
+        <a:xfrm>
+          <a:off x="0" y="0"/>
+          <a:ext cx="0" cy="0"/>
+          <a:chOff x="0" y="0"/>
+          <a:chExt cx="0" cy="0"/>
+        </a:xfrm>
+      </p:grpSpPr>
+      <p:pic>
+        <p:nvPicPr>
+          <p:cNvPr id="6" name="Рисунок 5">
+            <a:extLst>
+              <a:ext uri="{FF2B5EF4-FFF2-40B4-BE49-F238E27FC236}">
+                <a16:creationId xmlns:a16="http://schemas.microsoft.com/office/drawing/2014/main" id="{E9F47284-1303-B8AD-5908-3E2BC28E1953}"/>
+              </a:ext>
+            </a:extLst>
+          </p:cNvPr>
+          <p:cNvPicPr>
+            <a:picLocks noChangeAspect="1"/>
+          </p:cNvPicPr>
+          <p:nvPr/>
+        </p:nvPicPr>
+        <p:blipFill>
+          <a:blip r:embed="rId3"/>
+          <a:stretch>
+            <a:fillRect/>
+          </a:stretch>
+        </p:blipFill>
+        <p:spPr>
+          <a:xfrm>
+            <a:off x="3120798" y="-86007"/>
+            <a:ext cx="5950404" cy="7030013"/>
+          </a:xfrm>
+          <a:prstGeom prst="rect">
+            <a:avLst/>
+          </a:prstGeom>
+        </p:spPr>
+      </p:pic>
+    </p:spTree>
+    <p:extLst>
+      <p:ext uri="{BB962C8B-B14F-4D97-AF65-F5344CB8AC3E}">
+        <p14:creationId xmlns:p14="http://schemas.microsoft.com/office/powerpoint/2010/main" val="1816626010"/>
+      </p:ext>
+    </p:extLst>
+  </p:cSld>
+  <p:clrMapOvr>
+    <a:masterClrMapping/>
+  </p:clrMapOvr>
+</p:sld>
+</file>
+
+<file path=ppt/slides/slide8.xml><?xml version="1.0" encoding="utf-8"?>
+<p:sld xmlns:a="http://schemas.openxmlformats.org/drawingml/2006/main" xmlns:r="http://schemas.openxmlformats.org/officeDocument/2006/relationships" xmlns:p="http://schemas.openxmlformats.org/presentationml/2006/main">
+  <p:cSld>
+    <p:bg>
+      <p:bgPr>
+        <a:solidFill>
+          <a:schemeClr val="tx1"/>
+        </a:solidFill>
+        <a:effectLst/>
+      </p:bgPr>
+    </p:bg>
+    <p:spTree>
+      <p:nvGrpSpPr>
+        <p:cNvPr id="1" name=""/>
+        <p:cNvGrpSpPr/>
+        <p:nvPr/>
+      </p:nvGrpSpPr>
+      <p:grpSpPr>
+        <a:xfrm>
+          <a:off x="0" y="0"/>
+          <a:ext cx="0" cy="0"/>
+          <a:chOff x="0" y="0"/>
+          <a:chExt cx="0" cy="0"/>
+        </a:xfrm>
+      </p:grpSpPr>
+      <p:pic>
+        <p:nvPicPr>
+          <p:cNvPr id="6" name="Рисунок 5">
+            <a:extLst>
+              <a:ext uri="{FF2B5EF4-FFF2-40B4-BE49-F238E27FC236}">
+                <a16:creationId xmlns:a16="http://schemas.microsoft.com/office/drawing/2014/main" id="{E9F47284-1303-B8AD-5908-3E2BC28E1953}"/>
+              </a:ext>
+            </a:extLst>
+          </p:cNvPr>
+          <p:cNvPicPr>
+            <a:picLocks noChangeAspect="1"/>
+          </p:cNvPicPr>
+          <p:nvPr/>
+        </p:nvPicPr>
+        <p:blipFill>
+          <a:blip r:embed="rId3"/>
+          <a:stretch>
+            <a:fillRect/>
+          </a:stretch>
+        </p:blipFill>
+        <p:spPr>
+          <a:xfrm>
+            <a:off x="225198" y="-86009"/>
+            <a:ext cx="5950404" cy="7030013"/>
+          </a:xfrm>
+          <a:prstGeom prst="rect">
+            <a:avLst/>
+          </a:prstGeom>
+        </p:spPr>
+      </p:pic>
+      <p:pic>
+        <p:nvPicPr>
+          <p:cNvPr id="2" name="Рисунок 1">
+            <a:extLst>
+              <a:ext uri="{FF2B5EF4-FFF2-40B4-BE49-F238E27FC236}">
+                <a16:creationId xmlns:a16="http://schemas.microsoft.com/office/drawing/2014/main" id="{195CF92F-AC99-8BB4-AB9D-4EDF27FB6A78}"/>
+              </a:ext>
+            </a:extLst>
+          </p:cNvPr>
+          <p:cNvPicPr>
+            <a:picLocks noChangeAspect="1"/>
+          </p:cNvPicPr>
+          <p:nvPr/>
+        </p:nvPicPr>
+        <p:blipFill>
+          <a:blip r:embed="rId4"/>
+          <a:stretch>
+            <a:fillRect/>
+          </a:stretch>
+        </p:blipFill>
+        <p:spPr>
+          <a:xfrm>
+            <a:off x="5335813" y="537934"/>
+            <a:ext cx="7137937" cy="5782128"/>
+          </a:xfrm>
+          <a:prstGeom prst="rect">
+            <a:avLst/>
+          </a:prstGeom>
+        </p:spPr>
+      </p:pic>
+    </p:spTree>
+    <p:extLst>
+      <p:ext uri="{BB962C8B-B14F-4D97-AF65-F5344CB8AC3E}">
+        <p14:creationId xmlns:p14="http://schemas.microsoft.com/office/powerpoint/2010/main" val="843979072"/>
+      </p:ext>
+    </p:extLst>
+  </p:cSld>
+  <p:clrMapOvr>
+    <a:masterClrMapping/>
+  </p:clrMapOvr>
+</p:sld>
+</file>
+
+<file path=ppt/slides/slide9.xml><?xml version="1.0" encoding="utf-8"?>
+<p:sld xmlns:a="http://schemas.openxmlformats.org/drawingml/2006/main" xmlns:r="http://schemas.openxmlformats.org/officeDocument/2006/relationships" xmlns:p="http://schemas.openxmlformats.org/presentationml/2006/main">
+  <p:cSld>
+    <p:bg>
+      <p:bgPr>
+        <a:solidFill>
+          <a:schemeClr val="tx1"/>
+        </a:solidFill>
+        <a:effectLst/>
+      </p:bgPr>
+    </p:bg>
+    <p:spTree>
+      <p:nvGrpSpPr>
+        <p:cNvPr id="1" name=""/>
+        <p:cNvGrpSpPr/>
+        <p:nvPr/>
+      </p:nvGrpSpPr>
+      <p:grpSpPr>
+        <a:xfrm>
+          <a:off x="0" y="0"/>
+          <a:ext cx="0" cy="0"/>
+          <a:chOff x="0" y="0"/>
+          <a:chExt cx="0" cy="0"/>
+        </a:xfrm>
+      </p:grpSpPr>
+      <p:pic>
+        <p:nvPicPr>
+          <p:cNvPr id="6" name="Рисунок 5">
+            <a:extLst>
+              <a:ext uri="{FF2B5EF4-FFF2-40B4-BE49-F238E27FC236}">
+                <a16:creationId xmlns:a16="http://schemas.microsoft.com/office/drawing/2014/main" id="{E9F47284-1303-B8AD-5908-3E2BC28E1953}"/>
+              </a:ext>
+            </a:extLst>
+          </p:cNvPr>
+          <p:cNvPicPr>
+            <a:picLocks noChangeAspect="1"/>
+          </p:cNvPicPr>
+          <p:nvPr/>
+        </p:nvPicPr>
+        <p:blipFill>
+          <a:blip r:embed="rId3">
+            <a:alphaModFix amt="50000"/>
+          </a:blip>
+          <a:stretch>
+            <a:fillRect/>
+          </a:stretch>
+        </p:blipFill>
+        <p:spPr>
+          <a:xfrm>
+            <a:off x="225198" y="-86009"/>
+            <a:ext cx="5950404" cy="7030013"/>
+          </a:xfrm>
+          <a:prstGeom prst="rect">
+            <a:avLst/>
+          </a:prstGeom>
+        </p:spPr>
+      </p:pic>
+      <p:pic>
+        <p:nvPicPr>
+          <p:cNvPr id="2" name="Рисунок 1">
+            <a:extLst>
+              <a:ext uri="{FF2B5EF4-FFF2-40B4-BE49-F238E27FC236}">
+                <a16:creationId xmlns:a16="http://schemas.microsoft.com/office/drawing/2014/main" id="{195CF92F-AC99-8BB4-AB9D-4EDF27FB6A78}"/>
+              </a:ext>
+            </a:extLst>
+          </p:cNvPr>
+          <p:cNvPicPr>
+            <a:picLocks noChangeAspect="1"/>
+          </p:cNvPicPr>
+          <p:nvPr/>
+        </p:nvPicPr>
+        <p:blipFill>
+          <a:blip r:embed="rId4">
+            <a:alphaModFix amt="50000"/>
+          </a:blip>
+          <a:stretch>
+            <a:fillRect/>
+          </a:stretch>
+        </p:blipFill>
+        <p:spPr>
+          <a:xfrm>
+            <a:off x="5335813" y="537934"/>
+            <a:ext cx="7137937" cy="5782128"/>
+          </a:xfrm>
+          <a:prstGeom prst="rect">
+            <a:avLst/>
+          </a:prstGeom>
+          <a:effectLst>
+            <a:outerShdw dist="50800" dir="5400000" algn="ctr" rotWithShape="0">
+              <a:srgbClr val="000000"/>
+            </a:outerShdw>
+          </a:effectLst>
+        </p:spPr>
+      </p:pic>
+      <p:pic>
+        <p:nvPicPr>
+          <p:cNvPr id="3" name="Рисунок 2">
+            <a:extLst>
+              <a:ext uri="{FF2B5EF4-FFF2-40B4-BE49-F238E27FC236}">
+                <a16:creationId xmlns:a16="http://schemas.microsoft.com/office/drawing/2014/main" id="{D17D0B64-564A-79FA-4128-F732D3A4F8BB}"/>
+              </a:ext>
+            </a:extLst>
+          </p:cNvPr>
+          <p:cNvPicPr>
+            <a:picLocks noChangeAspect="1"/>
+          </p:cNvPicPr>
+          <p:nvPr/>
+        </p:nvPicPr>
+        <p:blipFill>
+          <a:blip r:embed="rId5"/>
+          <a:stretch>
+            <a:fillRect/>
+          </a:stretch>
+        </p:blipFill>
+        <p:spPr>
+          <a:xfrm>
+            <a:off x="1415859" y="951590"/>
+            <a:ext cx="9519485" cy="4954814"/>
+          </a:xfrm>
+          <a:prstGeom prst="rect">
+            <a:avLst/>
+          </a:prstGeom>
+        </p:spPr>
+      </p:pic>
+    </p:spTree>
+    <p:extLst>
+      <p:ext uri="{BB962C8B-B14F-4D97-AF65-F5344CB8AC3E}">
+        <p14:creationId xmlns:p14="http://schemas.microsoft.com/office/powerpoint/2010/main" val="504408491"/>
       </p:ext>
     </p:extLst>
   </p:cSld>
@@ -4529,4 +13479,299 @@
     </a:ext>
   </a:extLst>
 </a:theme>
+</file>
+
+<file path=ppt/theme/theme2.xml><?xml version="1.0" encoding="utf-8"?>
+<a:theme xmlns:a="http://schemas.openxmlformats.org/drawingml/2006/main" name="Тема Office">
+  <a:themeElements>
+    <a:clrScheme name="Стандартная">
+      <a:dk1>
+        <a:sysClr val="windowText" lastClr="000000"/>
+      </a:dk1>
+      <a:lt1>
+        <a:sysClr val="window" lastClr="FFFFFF"/>
+      </a:lt1>
+      <a:dk2>
+        <a:srgbClr val="44546A"/>
+      </a:dk2>
+      <a:lt2>
+        <a:srgbClr val="E7E6E6"/>
+      </a:lt2>
+      <a:accent1>
+        <a:srgbClr val="4472C4"/>
+      </a:accent1>
+      <a:accent2>
+        <a:srgbClr val="ED7D31"/>
+      </a:accent2>
+      <a:accent3>
+        <a:srgbClr val="A5A5A5"/>
+      </a:accent3>
+      <a:accent4>
+        <a:srgbClr val="FFC000"/>
+      </a:accent4>
+      <a:accent5>
+        <a:srgbClr val="5B9BD5"/>
+      </a:accent5>
+      <a:accent6>
+        <a:srgbClr val="70AD47"/>
+      </a:accent6>
+      <a:hlink>
+        <a:srgbClr val="0563C1"/>
+      </a:hlink>
+      <a:folHlink>
+        <a:srgbClr val="954F72"/>
+      </a:folHlink>
+    </a:clrScheme>
+    <a:fontScheme name="Стандартная">
+      <a:majorFont>
+        <a:latin typeface="Calibri Light" panose="020F0302020204030204"/>
+        <a:ea typeface=""/>
+        <a:cs typeface=""/>
+        <a:font script="Jpan" typeface="游ゴシック Light"/>
+        <a:font script="Hang" typeface="맑은 고딕"/>
+        <a:font script="Hans" typeface="等线 Light"/>
+        <a:font script="Hant" typeface="新細明體"/>
+        <a:font script="Arab" typeface="Times New Roman"/>
+        <a:font script="Hebr" typeface="Times New Roman"/>
+        <a:font script="Thai" typeface="Angsana New"/>
+        <a:font script="Ethi" typeface="Nyala"/>
+        <a:font script="Beng" typeface="Vrinda"/>
+        <a:font script="Gujr" typeface="Shruti"/>
+        <a:font script="Khmr" typeface="MoolBoran"/>
+        <a:font script="Knda" typeface="Tunga"/>
+        <a:font script="Guru" typeface="Raavi"/>
+        <a:font script="Cans" typeface="Euphemia"/>
+        <a:font script="Cher" typeface="Plantagenet Cherokee"/>
+        <a:font script="Yiii" typeface="Microsoft Yi Baiti"/>
+        <a:font script="Tibt" typeface="Microsoft Himalaya"/>
+        <a:font script="Thaa" typeface="MV Boli"/>
+        <a:font script="Deva" typeface="Mangal"/>
+        <a:font script="Telu" typeface="Gautami"/>
+        <a:font script="Taml" typeface="Latha"/>
+        <a:font script="Syrc" typeface="Estrangelo Edessa"/>
+        <a:font script="Orya" typeface="Kalinga"/>
+        <a:font script="Mlym" typeface="Kartika"/>
+        <a:font script="Laoo" typeface="DokChampa"/>
+        <a:font script="Sinh" typeface="Iskoola Pota"/>
+        <a:font script="Mong" typeface="Mongolian Baiti"/>
+        <a:font script="Viet" typeface="Times New Roman"/>
+        <a:font script="Uigh" typeface="Microsoft Uighur"/>
+        <a:font script="Geor" typeface="Sylfaen"/>
+        <a:font script="Armn" typeface="Arial"/>
+        <a:font script="Bugi" typeface="Leelawadee UI"/>
+        <a:font script="Bopo" typeface="Microsoft JhengHei"/>
+        <a:font script="Java" typeface="Javanese Text"/>
+        <a:font script="Lisu" typeface="Segoe UI"/>
+        <a:font script="Mymr" typeface="Myanmar Text"/>
+        <a:font script="Nkoo" typeface="Ebrima"/>
+        <a:font script="Olck" typeface="Nirmala UI"/>
+        <a:font script="Osma" typeface="Ebrima"/>
+        <a:font script="Phag" typeface="Phagspa"/>
+        <a:font script="Syrn" typeface="Estrangelo Edessa"/>
+        <a:font script="Syrj" typeface="Estrangelo Edessa"/>
+        <a:font script="Syre" typeface="Estrangelo Edessa"/>
+        <a:font script="Sora" typeface="Nirmala UI"/>
+        <a:font script="Tale" typeface="Microsoft Tai Le"/>
+        <a:font script="Talu" typeface="Microsoft New Tai Lue"/>
+        <a:font script="Tfng" typeface="Ebrima"/>
+      </a:majorFont>
+      <a:minorFont>
+        <a:latin typeface="Calibri" panose="020F0502020204030204"/>
+        <a:ea typeface=""/>
+        <a:cs typeface=""/>
+        <a:font script="Jpan" typeface="游ゴシック"/>
+        <a:font script="Hang" typeface="맑은 고딕"/>
+        <a:font script="Hans" typeface="等线"/>
+        <a:font script="Hant" typeface="新細明體"/>
+        <a:font script="Arab" typeface="Arial"/>
+        <a:font script="Hebr" typeface="Arial"/>
+        <a:font script="Thai" typeface="Cordia New"/>
+        <a:font script="Ethi" typeface="Nyala"/>
+        <a:font script="Beng" typeface="Vrinda"/>
+        <a:font script="Gujr" typeface="Shruti"/>
+        <a:font script="Khmr" typeface="DaunPenh"/>
+        <a:font script="Knda" typeface="Tunga"/>
+        <a:font script="Guru" typeface="Raavi"/>
+        <a:font script="Cans" typeface="Euphemia"/>
+        <a:font script="Cher" typeface="Plantagenet Cherokee"/>
+        <a:font script="Yiii" typeface="Microsoft Yi Baiti"/>
+        <a:font script="Tibt" typeface="Microsoft Himalaya"/>
+        <a:font script="Thaa" typeface="MV Boli"/>
+        <a:font script="Deva" typeface="Mangal"/>
+        <a:font script="Telu" typeface="Gautami"/>
+        <a:font script="Taml" typeface="Latha"/>
+        <a:font script="Syrc" typeface="Estrangelo Edessa"/>
+        <a:font script="Orya" typeface="Kalinga"/>
+        <a:font script="Mlym" typeface="Kartika"/>
+        <a:font script="Laoo" typeface="DokChampa"/>
+        <a:font script="Sinh" typeface="Iskoola Pota"/>
+        <a:font script="Mong" typeface="Mongolian Baiti"/>
+        <a:font script="Viet" typeface="Arial"/>
+        <a:font script="Uigh" typeface="Microsoft Uighur"/>
+        <a:font script="Geor" typeface="Sylfaen"/>
+        <a:font script="Armn" typeface="Arial"/>
+        <a:font script="Bugi" typeface="Leelawadee UI"/>
+        <a:font script="Bopo" typeface="Microsoft JhengHei"/>
+        <a:font script="Java" typeface="Javanese Text"/>
+        <a:font script="Lisu" typeface="Segoe UI"/>
+        <a:font script="Mymr" typeface="Myanmar Text"/>
+        <a:font script="Nkoo" typeface="Ebrima"/>
+        <a:font script="Olck" typeface="Nirmala UI"/>
+        <a:font script="Osma" typeface="Ebrima"/>
+        <a:font script="Phag" typeface="Phagspa"/>
+        <a:font script="Syrn" typeface="Estrangelo Edessa"/>
+        <a:font script="Syrj" typeface="Estrangelo Edessa"/>
+        <a:font script="Syre" typeface="Estrangelo Edessa"/>
+        <a:font script="Sora" typeface="Nirmala UI"/>
+        <a:font script="Tale" typeface="Microsoft Tai Le"/>
+        <a:font script="Talu" typeface="Microsoft New Tai Lue"/>
+        <a:font script="Tfng" typeface="Ebrima"/>
+      </a:minorFont>
+    </a:fontScheme>
+    <a:fmtScheme name="Стандартная">
+      <a:fillStyleLst>
+        <a:solidFill>
+          <a:schemeClr val="phClr"/>
+        </a:solidFill>
+        <a:gradFill rotWithShape="1">
+          <a:gsLst>
+            <a:gs pos="0">
+              <a:schemeClr val="phClr">
+                <a:lumMod val="110000"/>
+                <a:satMod val="105000"/>
+                <a:tint val="67000"/>
+              </a:schemeClr>
+            </a:gs>
+            <a:gs pos="50000">
+              <a:schemeClr val="phClr">
+                <a:lumMod val="105000"/>
+                <a:satMod val="103000"/>
+                <a:tint val="73000"/>
+              </a:schemeClr>
+            </a:gs>
+            <a:gs pos="100000">
+              <a:schemeClr val="phClr">
+                <a:lumMod val="105000"/>
+                <a:satMod val="109000"/>
+                <a:tint val="81000"/>
+              </a:schemeClr>
+            </a:gs>
+          </a:gsLst>
+          <a:lin ang="5400000" scaled="0"/>
+        </a:gradFill>
+        <a:gradFill rotWithShape="1">
+          <a:gsLst>
+            <a:gs pos="0">
+              <a:schemeClr val="phClr">
+                <a:satMod val="103000"/>
+                <a:lumMod val="102000"/>
+                <a:tint val="94000"/>
+              </a:schemeClr>
+            </a:gs>
+            <a:gs pos="50000">
+              <a:schemeClr val="phClr">
+                <a:satMod val="110000"/>
+                <a:lumMod val="100000"/>
+                <a:shade val="100000"/>
+              </a:schemeClr>
+            </a:gs>
+            <a:gs pos="100000">
+              <a:schemeClr val="phClr">
+                <a:lumMod val="99000"/>
+                <a:satMod val="120000"/>
+                <a:shade val="78000"/>
+              </a:schemeClr>
+            </a:gs>
+          </a:gsLst>
+          <a:lin ang="5400000" scaled="0"/>
+        </a:gradFill>
+      </a:fillStyleLst>
+      <a:lnStyleLst>
+        <a:ln w="6350" cap="flat" cmpd="sng" algn="ctr">
+          <a:solidFill>
+            <a:schemeClr val="phClr"/>
+          </a:solidFill>
+          <a:prstDash val="solid"/>
+          <a:miter lim="800000"/>
+        </a:ln>
+        <a:ln w="12700" cap="flat" cmpd="sng" algn="ctr">
+          <a:solidFill>
+            <a:schemeClr val="phClr"/>
+          </a:solidFill>
+          <a:prstDash val="solid"/>
+          <a:miter lim="800000"/>
+        </a:ln>
+        <a:ln w="19050" cap="flat" cmpd="sng" algn="ctr">
+          <a:solidFill>
+            <a:schemeClr val="phClr"/>
+          </a:solidFill>
+          <a:prstDash val="solid"/>
+          <a:miter lim="800000"/>
+        </a:ln>
+      </a:lnStyleLst>
+      <a:effectStyleLst>
+        <a:effectStyle>
+          <a:effectLst/>
+        </a:effectStyle>
+        <a:effectStyle>
+          <a:effectLst/>
+        </a:effectStyle>
+        <a:effectStyle>
+          <a:effectLst>
+            <a:outerShdw blurRad="57150" dist="19050" dir="5400000" algn="ctr" rotWithShape="0">
+              <a:srgbClr val="000000">
+                <a:alpha val="63000"/>
+              </a:srgbClr>
+            </a:outerShdw>
+          </a:effectLst>
+        </a:effectStyle>
+      </a:effectStyleLst>
+      <a:bgFillStyleLst>
+        <a:solidFill>
+          <a:schemeClr val="phClr"/>
+        </a:solidFill>
+        <a:solidFill>
+          <a:schemeClr val="phClr">
+            <a:tint val="95000"/>
+            <a:satMod val="170000"/>
+          </a:schemeClr>
+        </a:solidFill>
+        <a:gradFill rotWithShape="1">
+          <a:gsLst>
+            <a:gs pos="0">
+              <a:schemeClr val="phClr">
+                <a:tint val="93000"/>
+                <a:satMod val="150000"/>
+                <a:shade val="98000"/>
+                <a:lumMod val="102000"/>
+              </a:schemeClr>
+            </a:gs>
+            <a:gs pos="50000">
+              <a:schemeClr val="phClr">
+                <a:tint val="98000"/>
+                <a:satMod val="130000"/>
+                <a:shade val="90000"/>
+                <a:lumMod val="103000"/>
+              </a:schemeClr>
+            </a:gs>
+            <a:gs pos="100000">
+              <a:schemeClr val="phClr">
+                <a:shade val="63000"/>
+                <a:satMod val="120000"/>
+              </a:schemeClr>
+            </a:gs>
+          </a:gsLst>
+          <a:lin ang="5400000" scaled="0"/>
+        </a:gradFill>
+      </a:bgFillStyleLst>
+    </a:fmtScheme>
+  </a:themeElements>
+  <a:objectDefaults/>
+  <a:extraClrSchemeLst/>
+  <a:extLst>
+    <a:ext uri="{05A4C25C-085E-4340-85A3-A5531E510DB2}">
+      <thm15:themeFamily xmlns:thm15="http://schemas.microsoft.com/office/thememl/2012/main" name="Office Theme" id="{62F939B6-93AF-4DB8-9C6B-D6C7DFDC589F}" vid="{4A3C46E8-61CC-4603-A589-7422A47A8E4A}"/>
+    </a:ext>
+  </a:extLst>
+</a:theme>
 </file>